--- a/Wi18_content/DSMCER/L11.SubsetsRegularlization.pptx
+++ b/Wi18_content/DSMCER/L11.SubsetsRegularlization.pptx
@@ -6,7 +6,7 @@
     <p:sldMasterId id="2147483652" r:id="rId2"/>
   </p:sldMasterIdLst>
   <p:notesMasterIdLst>
-    <p:notesMasterId r:id="rId35"/>
+    <p:notesMasterId r:id="rId43"/>
   </p:notesMasterIdLst>
   <p:sldIdLst>
     <p:sldId id="276" r:id="rId3"/>
@@ -14,33 +14,41 @@
     <p:sldId id="389" r:id="rId5"/>
     <p:sldId id="386" r:id="rId6"/>
     <p:sldId id="388" r:id="rId7"/>
-    <p:sldId id="401" r:id="rId8"/>
-    <p:sldId id="402" r:id="rId9"/>
-    <p:sldId id="403" r:id="rId10"/>
-    <p:sldId id="387" r:id="rId11"/>
-    <p:sldId id="404" r:id="rId12"/>
-    <p:sldId id="405" r:id="rId13"/>
-    <p:sldId id="406" r:id="rId14"/>
-    <p:sldId id="408" r:id="rId15"/>
-    <p:sldId id="410" r:id="rId16"/>
-    <p:sldId id="417" r:id="rId17"/>
-    <p:sldId id="418" r:id="rId18"/>
-    <p:sldId id="411" r:id="rId19"/>
-    <p:sldId id="419" r:id="rId20"/>
-    <p:sldId id="420" r:id="rId21"/>
-    <p:sldId id="421" r:id="rId22"/>
-    <p:sldId id="422" r:id="rId23"/>
-    <p:sldId id="423" r:id="rId24"/>
-    <p:sldId id="412" r:id="rId25"/>
-    <p:sldId id="413" r:id="rId26"/>
-    <p:sldId id="424" r:id="rId27"/>
-    <p:sldId id="425" r:id="rId28"/>
-    <p:sldId id="426" r:id="rId29"/>
-    <p:sldId id="414" r:id="rId30"/>
-    <p:sldId id="415" r:id="rId31"/>
-    <p:sldId id="407" r:id="rId32"/>
-    <p:sldId id="416" r:id="rId33"/>
-    <p:sldId id="409" r:id="rId34"/>
+    <p:sldId id="427" r:id="rId8"/>
+    <p:sldId id="401" r:id="rId9"/>
+    <p:sldId id="402" r:id="rId10"/>
+    <p:sldId id="428" r:id="rId11"/>
+    <p:sldId id="403" r:id="rId12"/>
+    <p:sldId id="387" r:id="rId13"/>
+    <p:sldId id="430" r:id="rId14"/>
+    <p:sldId id="429" r:id="rId15"/>
+    <p:sldId id="404" r:id="rId16"/>
+    <p:sldId id="405" r:id="rId17"/>
+    <p:sldId id="406" r:id="rId18"/>
+    <p:sldId id="408" r:id="rId19"/>
+    <p:sldId id="410" r:id="rId20"/>
+    <p:sldId id="417" r:id="rId21"/>
+    <p:sldId id="418" r:id="rId22"/>
+    <p:sldId id="411" r:id="rId23"/>
+    <p:sldId id="431" r:id="rId24"/>
+    <p:sldId id="432" r:id="rId25"/>
+    <p:sldId id="419" r:id="rId26"/>
+    <p:sldId id="420" r:id="rId27"/>
+    <p:sldId id="421" r:id="rId28"/>
+    <p:sldId id="422" r:id="rId29"/>
+    <p:sldId id="423" r:id="rId30"/>
+    <p:sldId id="412" r:id="rId31"/>
+    <p:sldId id="413" r:id="rId32"/>
+    <p:sldId id="424" r:id="rId33"/>
+    <p:sldId id="425" r:id="rId34"/>
+    <p:sldId id="426" r:id="rId35"/>
+    <p:sldId id="433" r:id="rId36"/>
+    <p:sldId id="434" r:id="rId37"/>
+    <p:sldId id="414" r:id="rId38"/>
+    <p:sldId id="415" r:id="rId39"/>
+    <p:sldId id="407" r:id="rId40"/>
+    <p:sldId id="416" r:id="rId41"/>
+    <p:sldId id="409" r:id="rId42"/>
   </p:sldIdLst>
   <p:sldSz cx="9144000" cy="6858000" type="screen4x3"/>
   <p:notesSz cx="6858000" cy="9144000"/>
@@ -639,10 +647,6 @@
           <a:bodyPr/>
           <a:lstStyle/>
           <a:p>
-            <a:r>
-              <a:rPr lang="en-US" dirty="0" smtClean="0"/>
-              <a:t>Work through explanation and take some notes here! </a:t>
-            </a:r>
             <a:endParaRPr lang="en-US" dirty="0"/>
           </a:p>
         </p:txBody>
@@ -664,7 +668,95 @@
           <a:p>
             <a:fld id="{3539985C-6B1E-BE4B-8B6E-1AD097E07E34}" type="slidenum">
               <a:rPr lang="en-US" smtClean="0"/>
-              <a:t>30</a:t>
+              <a:t>6</a:t>
+            </a:fld>
+            <a:endParaRPr lang="en-US"/>
+          </a:p>
+        </p:txBody>
+      </p:sp>
+    </p:spTree>
+    <p:extLst>
+      <p:ext uri="{BB962C8B-B14F-4D97-AF65-F5344CB8AC3E}">
+        <p14:creationId xmlns:p14="http://schemas.microsoft.com/office/powerpoint/2010/main" val="626922951"/>
+      </p:ext>
+    </p:extLst>
+  </p:cSld>
+  <p:clrMapOvr>
+    <a:masterClrMapping/>
+  </p:clrMapOvr>
+</p:notes>
+</file>
+
+<file path=ppt/notesSlides/notesSlide3.xml><?xml version="1.0" encoding="utf-8"?>
+<p:notes xmlns:a="http://schemas.openxmlformats.org/drawingml/2006/main" xmlns:r="http://schemas.openxmlformats.org/officeDocument/2006/relationships" xmlns:p="http://schemas.openxmlformats.org/presentationml/2006/main">
+  <p:cSld>
+    <p:spTree>
+      <p:nvGrpSpPr>
+        <p:cNvPr id="1" name=""/>
+        <p:cNvGrpSpPr/>
+        <p:nvPr/>
+      </p:nvGrpSpPr>
+      <p:grpSpPr>
+        <a:xfrm>
+          <a:off x="0" y="0"/>
+          <a:ext cx="0" cy="0"/>
+          <a:chOff x="0" y="0"/>
+          <a:chExt cx="0" cy="0"/>
+        </a:xfrm>
+      </p:grpSpPr>
+      <p:sp>
+        <p:nvSpPr>
+          <p:cNvPr id="2" name="Slide Image Placeholder 1"/>
+          <p:cNvSpPr>
+            <a:spLocks noGrp="1" noRot="1" noChangeAspect="1"/>
+          </p:cNvSpPr>
+          <p:nvPr>
+            <p:ph type="sldImg"/>
+          </p:nvPr>
+        </p:nvSpPr>
+        <p:spPr/>
+      </p:sp>
+      <p:sp>
+        <p:nvSpPr>
+          <p:cNvPr id="3" name="Notes Placeholder 2"/>
+          <p:cNvSpPr>
+            <a:spLocks noGrp="1"/>
+          </p:cNvSpPr>
+          <p:nvPr>
+            <p:ph type="body" idx="1"/>
+          </p:nvPr>
+        </p:nvSpPr>
+        <p:spPr/>
+        <p:txBody>
+          <a:bodyPr/>
+          <a:lstStyle/>
+          <a:p>
+            <a:r>
+              <a:rPr lang="en-US" dirty="0" smtClean="0"/>
+              <a:t>Work through explanation and take some notes here! </a:t>
+            </a:r>
+            <a:endParaRPr lang="en-US" dirty="0"/>
+          </a:p>
+        </p:txBody>
+      </p:sp>
+      <p:sp>
+        <p:nvSpPr>
+          <p:cNvPr id="4" name="Slide Number Placeholder 3"/>
+          <p:cNvSpPr>
+            <a:spLocks noGrp="1"/>
+          </p:cNvSpPr>
+          <p:nvPr>
+            <p:ph type="sldNum" sz="quarter" idx="10"/>
+          </p:nvPr>
+        </p:nvSpPr>
+        <p:spPr/>
+        <p:txBody>
+          <a:bodyPr/>
+          <a:lstStyle/>
+          <a:p>
+            <a:fld id="{3539985C-6B1E-BE4B-8B6E-1AD097E07E34}" type="slidenum">
+              <a:rPr lang="en-US" smtClean="0"/>
+              <a:t>38</a:t>
             </a:fld>
             <a:endParaRPr lang="en-US"/>
           </a:p>
@@ -3650,11 +3742,11 @@
           </a:p>
           <a:p>
             <a:r>
-              <a:rPr lang="en-US" smtClean="0"/>
+              <a:rPr lang="en-US" dirty="0" smtClean="0"/>
               <a:t>Feb </a:t>
             </a:r>
             <a:r>
-              <a:rPr lang="en-US" smtClean="0"/>
+              <a:rPr lang="en-US" dirty="0" smtClean="0"/>
               <a:t>20, </a:t>
             </a:r>
             <a:r>
@@ -3751,6 +3843,680 @@
 </file>
 
 <file path=ppt/slides/slide10.xml><?xml version="1.0" encoding="utf-8"?>
+<p:sld xmlns:a="http://schemas.openxmlformats.org/drawingml/2006/main" xmlns:r="http://schemas.openxmlformats.org/officeDocument/2006/relationships" xmlns:p="http://schemas.openxmlformats.org/presentationml/2006/main">
+  <p:cSld>
+    <p:spTree>
+      <p:nvGrpSpPr>
+        <p:cNvPr id="1" name=""/>
+        <p:cNvGrpSpPr/>
+        <p:nvPr/>
+      </p:nvGrpSpPr>
+      <p:grpSpPr>
+        <a:xfrm>
+          <a:off x="0" y="0"/>
+          <a:ext cx="0" cy="0"/>
+          <a:chOff x="0" y="0"/>
+          <a:chExt cx="0" cy="0"/>
+        </a:xfrm>
+      </p:grpSpPr>
+      <p:sp>
+        <p:nvSpPr>
+          <p:cNvPr id="2" name="Text Placeholder 1"/>
+          <p:cNvSpPr>
+            <a:spLocks noGrp="1"/>
+          </p:cNvSpPr>
+          <p:nvPr>
+            <p:ph type="body" sz="quarter" idx="10"/>
+          </p:nvPr>
+        </p:nvSpPr>
+        <p:spPr/>
+        <p:txBody>
+          <a:bodyPr/>
+          <a:lstStyle/>
+          <a:p>
+            <a:r>
+              <a:rPr lang="en-US" dirty="0" smtClean="0"/>
+              <a:t>Bias/variance tradeoff: use 5 or 10 folds</a:t>
+            </a:r>
+            <a:endParaRPr lang="en-US" dirty="0"/>
+          </a:p>
+        </p:txBody>
+      </p:sp>
+      <p:sp>
+        <p:nvSpPr>
+          <p:cNvPr id="3" name="Text Placeholder 2"/>
+          <p:cNvSpPr>
+            <a:spLocks noGrp="1"/>
+          </p:cNvSpPr>
+          <p:nvPr>
+            <p:ph type="body" sz="quarter" idx="11"/>
+          </p:nvPr>
+        </p:nvSpPr>
+        <p:spPr/>
+        <p:txBody>
+          <a:bodyPr/>
+          <a:lstStyle/>
+          <a:p>
+            <a:r>
+              <a:rPr lang="en-US" dirty="0" smtClean="0"/>
+              <a:t>Empirically </a:t>
+            </a:r>
+            <a:r>
+              <a:rPr lang="en-US" dirty="0" smtClean="0"/>
+              <a:t>people usually use 5 or 10 folds to avoid too much bias or variance in their resampling algorithm </a:t>
+            </a:r>
+          </a:p>
+          <a:p>
+            <a:r>
+              <a:rPr lang="en-US" dirty="0" smtClean="0"/>
+              <a:t>This is a great way to get a true estimate of your model’s MSE </a:t>
+            </a:r>
+            <a:endParaRPr lang="en-US" dirty="0" smtClean="0"/>
+          </a:p>
+          <a:p>
+            <a:endParaRPr lang="en-US" dirty="0"/>
+          </a:p>
+          <a:p>
+            <a:r>
+              <a:rPr lang="en-US" dirty="0" smtClean="0"/>
+              <a:t>CV does not yield a new estimate, but evaluates the model itself</a:t>
+            </a:r>
+            <a:endParaRPr lang="en-US" dirty="0"/>
+          </a:p>
+        </p:txBody>
+      </p:sp>
+      <p:pic>
+        <p:nvPicPr>
+          <p:cNvPr id="4" name="Picture 3"/>
+          <p:cNvPicPr>
+            <a:picLocks noChangeAspect="1"/>
+          </p:cNvPicPr>
+          <p:nvPr/>
+        </p:nvPicPr>
+        <p:blipFill>
+          <a:blip r:embed="rId2"/>
+          <a:stretch>
+            <a:fillRect/>
+          </a:stretch>
+        </p:blipFill>
+        <p:spPr>
+          <a:xfrm>
+            <a:off x="3083065" y="4493954"/>
+            <a:ext cx="5882909" cy="2364046"/>
+          </a:xfrm>
+          <a:prstGeom prst="rect">
+            <a:avLst/>
+          </a:prstGeom>
+        </p:spPr>
+      </p:pic>
+      <p:sp>
+        <p:nvSpPr>
+          <p:cNvPr id="5" name="TextBox 4"/>
+          <p:cNvSpPr txBox="1"/>
+          <p:nvPr/>
+        </p:nvSpPr>
+        <p:spPr>
+          <a:xfrm>
+            <a:off x="404602" y="5122258"/>
+            <a:ext cx="2419518" cy="923330"/>
+          </a:xfrm>
+          <a:prstGeom prst="rect">
+            <a:avLst/>
+          </a:prstGeom>
+          <a:noFill/>
+        </p:spPr>
+        <p:txBody>
+          <a:bodyPr wrap="square" rtlCol="0">
+            <a:spAutoFit/>
+          </a:bodyPr>
+          <a:lstStyle/>
+          <a:p>
+            <a:r>
+              <a:rPr lang="en-US" dirty="0" smtClean="0"/>
+              <a:t>Fig 5.6 revisits Fig 2.9 in the context of k-fold cross validation  </a:t>
+            </a:r>
+            <a:endParaRPr lang="en-US" dirty="0"/>
+          </a:p>
+        </p:txBody>
+      </p:sp>
+    </p:spTree>
+    <p:extLst>
+      <p:ext uri="{BB962C8B-B14F-4D97-AF65-F5344CB8AC3E}">
+        <p14:creationId xmlns:p14="http://schemas.microsoft.com/office/powerpoint/2010/main" val="2108110483"/>
+      </p:ext>
+    </p:extLst>
+  </p:cSld>
+  <p:clrMapOvr>
+    <a:masterClrMapping/>
+  </p:clrMapOvr>
+  <p:timing>
+    <p:tnLst>
+      <p:par>
+        <p:cTn id="1" dur="indefinite" restart="never" nodeType="tmRoot"/>
+      </p:par>
+    </p:tnLst>
+  </p:timing>
+</p:sld>
+</file>
+
+<file path=ppt/slides/slide11.xml><?xml version="1.0" encoding="utf-8"?>
+<p:sld xmlns:a="http://schemas.openxmlformats.org/drawingml/2006/main" xmlns:r="http://schemas.openxmlformats.org/officeDocument/2006/relationships" xmlns:p="http://schemas.openxmlformats.org/presentationml/2006/main">
+  <p:cSld>
+    <p:spTree>
+      <p:nvGrpSpPr>
+        <p:cNvPr id="1" name=""/>
+        <p:cNvGrpSpPr/>
+        <p:nvPr/>
+      </p:nvGrpSpPr>
+      <p:grpSpPr>
+        <a:xfrm>
+          <a:off x="0" y="0"/>
+          <a:ext cx="0" cy="0"/>
+          <a:chOff x="0" y="0"/>
+          <a:chExt cx="0" cy="0"/>
+        </a:xfrm>
+      </p:grpSpPr>
+      <p:sp>
+        <p:nvSpPr>
+          <p:cNvPr id="2" name="Text Placeholder 1"/>
+          <p:cNvSpPr>
+            <a:spLocks noGrp="1"/>
+          </p:cNvSpPr>
+          <p:nvPr>
+            <p:ph type="body" sz="quarter" idx="10"/>
+          </p:nvPr>
+        </p:nvSpPr>
+        <p:spPr/>
+        <p:txBody>
+          <a:bodyPr/>
+          <a:lstStyle/>
+          <a:p>
+            <a:r>
+              <a:rPr lang="en-US" dirty="0" smtClean="0"/>
+              <a:t>Bootstrap</a:t>
+            </a:r>
+            <a:endParaRPr lang="en-US" dirty="0"/>
+          </a:p>
+        </p:txBody>
+      </p:sp>
+      <p:sp>
+        <p:nvSpPr>
+          <p:cNvPr id="3" name="Text Placeholder 2"/>
+          <p:cNvSpPr>
+            <a:spLocks noGrp="1"/>
+          </p:cNvSpPr>
+          <p:nvPr>
+            <p:ph type="body" sz="quarter" idx="11"/>
+          </p:nvPr>
+        </p:nvSpPr>
+        <p:spPr/>
+        <p:txBody>
+          <a:bodyPr/>
+          <a:lstStyle/>
+          <a:p>
+            <a:r>
+              <a:rPr lang="en-US" dirty="0" smtClean="0"/>
+              <a:t>The bootstrap is one of the most versatile tools you will use in statistical analysis of data sets </a:t>
+            </a:r>
+          </a:p>
+          <a:p>
+            <a:r>
+              <a:rPr lang="en-US" dirty="0" smtClean="0"/>
+              <a:t>It involves resampling </a:t>
+            </a:r>
+            <a:r>
+              <a:rPr lang="en-US" b="0" dirty="0" smtClean="0"/>
+              <a:t>with replacement</a:t>
+            </a:r>
+            <a:r>
+              <a:rPr lang="en-US" dirty="0" smtClean="0"/>
+              <a:t> from your data set </a:t>
+            </a:r>
+          </a:p>
+          <a:p>
+            <a:r>
+              <a:rPr lang="en-US" dirty="0" smtClean="0"/>
+              <a:t>Algorithm: </a:t>
+            </a:r>
+          </a:p>
+          <a:p>
+            <a:pPr lvl="1"/>
+            <a:r>
+              <a:rPr lang="en-US" dirty="0" smtClean="0"/>
+              <a:t>Randomly draw, with replacement, some subset from your training data </a:t>
+            </a:r>
+          </a:p>
+          <a:p>
+            <a:pPr lvl="1"/>
+            <a:r>
+              <a:rPr lang="en-US" dirty="0" smtClean="0"/>
+              <a:t>Train your model and make an estimate of your coefficient and MSE </a:t>
+            </a:r>
+          </a:p>
+          <a:p>
+            <a:pPr lvl="1"/>
+            <a:r>
+              <a:rPr lang="en-US" dirty="0" smtClean="0"/>
+              <a:t>Rinse and repeat until the errors converge </a:t>
+            </a:r>
+            <a:endParaRPr lang="en-US" dirty="0"/>
+          </a:p>
+        </p:txBody>
+      </p:sp>
+    </p:spTree>
+    <p:extLst>
+      <p:ext uri="{BB962C8B-B14F-4D97-AF65-F5344CB8AC3E}">
+        <p14:creationId xmlns:p14="http://schemas.microsoft.com/office/powerpoint/2010/main" val="377129597"/>
+      </p:ext>
+    </p:extLst>
+  </p:cSld>
+  <p:clrMapOvr>
+    <a:masterClrMapping/>
+  </p:clrMapOvr>
+  <p:timing>
+    <p:tnLst>
+      <p:par>
+        <p:cTn id="1" dur="indefinite" restart="never" nodeType="tmRoot"/>
+      </p:par>
+    </p:tnLst>
+  </p:timing>
+</p:sld>
+</file>
+
+<file path=ppt/slides/slide12.xml><?xml version="1.0" encoding="utf-8"?>
+<p:sld xmlns:a="http://schemas.openxmlformats.org/drawingml/2006/main" xmlns:r="http://schemas.openxmlformats.org/officeDocument/2006/relationships" xmlns:p="http://schemas.openxmlformats.org/presentationml/2006/main">
+  <p:cSld>
+    <p:spTree>
+      <p:nvGrpSpPr>
+        <p:cNvPr id="1" name=""/>
+        <p:cNvGrpSpPr/>
+        <p:nvPr/>
+      </p:nvGrpSpPr>
+      <p:grpSpPr>
+        <a:xfrm>
+          <a:off x="0" y="0"/>
+          <a:ext cx="0" cy="0"/>
+          <a:chOff x="0" y="0"/>
+          <a:chExt cx="0" cy="0"/>
+        </a:xfrm>
+      </p:grpSpPr>
+      <p:sp>
+        <p:nvSpPr>
+          <p:cNvPr id="2" name="Text Placeholder 1"/>
+          <p:cNvSpPr>
+            <a:spLocks noGrp="1"/>
+          </p:cNvSpPr>
+          <p:nvPr>
+            <p:ph type="body" sz="quarter" idx="10"/>
+          </p:nvPr>
+        </p:nvSpPr>
+        <p:spPr/>
+        <p:txBody>
+          <a:bodyPr/>
+          <a:lstStyle/>
+          <a:p>
+            <a:r>
+              <a:rPr lang="en-US" dirty="0" smtClean="0"/>
+              <a:t>Bootstrap</a:t>
+            </a:r>
+            <a:endParaRPr lang="en-US" dirty="0"/>
+          </a:p>
+        </p:txBody>
+      </p:sp>
+      <p:sp>
+        <p:nvSpPr>
+          <p:cNvPr id="3" name="Text Placeholder 2"/>
+          <p:cNvSpPr>
+            <a:spLocks noGrp="1"/>
+          </p:cNvSpPr>
+          <p:nvPr>
+            <p:ph type="body" sz="quarter" idx="11"/>
+          </p:nvPr>
+        </p:nvSpPr>
+        <p:spPr/>
+        <p:txBody>
+          <a:bodyPr/>
+          <a:lstStyle/>
+          <a:p>
+            <a:r>
+              <a:rPr lang="en-US" dirty="0" smtClean="0"/>
+              <a:t>Estimate variance and confidence intervals of </a:t>
+            </a:r>
+          </a:p>
+          <a:p>
+            <a:pPr lvl="1"/>
+            <a:r>
+              <a:rPr lang="en-US" dirty="0" smtClean="0"/>
+              <a:t>Your predictions</a:t>
+            </a:r>
+          </a:p>
+          <a:p>
+            <a:pPr lvl="1"/>
+            <a:r>
+              <a:rPr lang="en-US" dirty="0" smtClean="0"/>
+              <a:t>Your coefficients</a:t>
+            </a:r>
+          </a:p>
+          <a:p>
+            <a:pPr lvl="1"/>
+            <a:r>
+              <a:rPr lang="en-US" dirty="0" smtClean="0"/>
+              <a:t>Your </a:t>
+            </a:r>
+            <a:r>
+              <a:rPr lang="mr-IN" dirty="0" smtClean="0"/>
+              <a:t>…</a:t>
+            </a:r>
+            <a:endParaRPr lang="en-US" dirty="0" smtClean="0"/>
+          </a:p>
+          <a:p>
+            <a:pPr lvl="1"/>
+            <a:endParaRPr lang="en-US" dirty="0"/>
+          </a:p>
+          <a:p>
+            <a:r>
+              <a:rPr lang="en-US" dirty="0" smtClean="0"/>
+              <a:t>But why?</a:t>
+            </a:r>
+          </a:p>
+          <a:p>
+            <a:pPr lvl="1"/>
+            <a:r>
+              <a:rPr lang="en-US" dirty="0" smtClean="0"/>
+              <a:t>We already can get 95% CI of </a:t>
+            </a:r>
+            <a:r>
+              <a:rPr lang="en-US" dirty="0" err="1" smtClean="0"/>
+              <a:t>coeffecients</a:t>
+            </a:r>
+            <a:endParaRPr lang="en-US" dirty="0" smtClean="0"/>
+          </a:p>
+          <a:p>
+            <a:pPr lvl="1"/>
+            <a:r>
+              <a:rPr lang="en-US" dirty="0" smtClean="0"/>
+              <a:t>In SLR, sure, but with more complex or non-linear models harder.</a:t>
+            </a:r>
+            <a:endParaRPr lang="en-US" dirty="0"/>
+          </a:p>
+        </p:txBody>
+      </p:sp>
+    </p:spTree>
+    <p:extLst>
+      <p:ext uri="{BB962C8B-B14F-4D97-AF65-F5344CB8AC3E}">
+        <p14:creationId xmlns:p14="http://schemas.microsoft.com/office/powerpoint/2010/main" val="1520228464"/>
+      </p:ext>
+    </p:extLst>
+  </p:cSld>
+  <p:clrMapOvr>
+    <a:masterClrMapping/>
+  </p:clrMapOvr>
+  <p:timing>
+    <p:tnLst>
+      <p:par>
+        <p:cTn id="1" dur="indefinite" restart="never" nodeType="tmRoot">
+          <p:childTnLst>
+            <p:seq concurrent="1" nextAc="seek">
+              <p:cTn id="2" dur="indefinite" nodeType="mainSeq">
+                <p:childTnLst>
+                  <p:par>
+                    <p:cTn id="3" fill="hold">
+                      <p:stCondLst>
+                        <p:cond delay="indefinite"/>
+                      </p:stCondLst>
+                      <p:childTnLst>
+                        <p:par>
+                          <p:cTn id="4" fill="hold">
+                            <p:stCondLst>
+                              <p:cond delay="0"/>
+                            </p:stCondLst>
+                            <p:childTnLst>
+                              <p:par>
+                                <p:cTn id="5" presetID="1" presetClass="entr" presetSubtype="0" fill="hold" nodeType="clickEffect">
+                                  <p:stCondLst>
+                                    <p:cond delay="0"/>
+                                  </p:stCondLst>
+                                  <p:childTnLst>
+                                    <p:set>
+                                      <p:cBhvr>
+                                        <p:cTn id="6" dur="1" fill="hold">
+                                          <p:stCondLst>
+                                            <p:cond delay="0"/>
+                                          </p:stCondLst>
+                                        </p:cTn>
+                                        <p:tgtEl>
+                                          <p:spTgt spid="3">
+                                            <p:txEl>
+                                              <p:pRg st="5" end="5"/>
+                                            </p:txEl>
+                                          </p:spTgt>
+                                        </p:tgtEl>
+                                        <p:attrNameLst>
+                                          <p:attrName>style.visibility</p:attrName>
+                                        </p:attrNameLst>
+                                      </p:cBhvr>
+                                      <p:to>
+                                        <p:strVal val="visible"/>
+                                      </p:to>
+                                    </p:set>
+                                  </p:childTnLst>
+                                </p:cTn>
+                              </p:par>
+                              <p:par>
+                                <p:cTn id="7" presetID="1" presetClass="entr" presetSubtype="0" fill="hold" nodeType="withEffect">
+                                  <p:stCondLst>
+                                    <p:cond delay="0"/>
+                                  </p:stCondLst>
+                                  <p:childTnLst>
+                                    <p:set>
+                                      <p:cBhvr>
+                                        <p:cTn id="8" dur="1" fill="hold">
+                                          <p:stCondLst>
+                                            <p:cond delay="0"/>
+                                          </p:stCondLst>
+                                        </p:cTn>
+                                        <p:tgtEl>
+                                          <p:spTgt spid="3">
+                                            <p:txEl>
+                                              <p:pRg st="6" end="6"/>
+                                            </p:txEl>
+                                          </p:spTgt>
+                                        </p:tgtEl>
+                                        <p:attrNameLst>
+                                          <p:attrName>style.visibility</p:attrName>
+                                        </p:attrNameLst>
+                                      </p:cBhvr>
+                                      <p:to>
+                                        <p:strVal val="visible"/>
+                                      </p:to>
+                                    </p:set>
+                                  </p:childTnLst>
+                                </p:cTn>
+                              </p:par>
+                            </p:childTnLst>
+                          </p:cTn>
+                        </p:par>
+                      </p:childTnLst>
+                    </p:cTn>
+                  </p:par>
+                  <p:par>
+                    <p:cTn id="9" fill="hold">
+                      <p:stCondLst>
+                        <p:cond delay="indefinite"/>
+                      </p:stCondLst>
+                      <p:childTnLst>
+                        <p:par>
+                          <p:cTn id="10" fill="hold">
+                            <p:stCondLst>
+                              <p:cond delay="0"/>
+                            </p:stCondLst>
+                            <p:childTnLst>
+                              <p:par>
+                                <p:cTn id="11" presetID="1" presetClass="entr" presetSubtype="0" fill="hold" nodeType="clickEffect">
+                                  <p:stCondLst>
+                                    <p:cond delay="0"/>
+                                  </p:stCondLst>
+                                  <p:childTnLst>
+                                    <p:set>
+                                      <p:cBhvr>
+                                        <p:cTn id="12" dur="1" fill="hold">
+                                          <p:stCondLst>
+                                            <p:cond delay="0"/>
+                                          </p:stCondLst>
+                                        </p:cTn>
+                                        <p:tgtEl>
+                                          <p:spTgt spid="3">
+                                            <p:txEl>
+                                              <p:pRg st="7" end="7"/>
+                                            </p:txEl>
+                                          </p:spTgt>
+                                        </p:tgtEl>
+                                        <p:attrNameLst>
+                                          <p:attrName>style.visibility</p:attrName>
+                                        </p:attrNameLst>
+                                      </p:cBhvr>
+                                      <p:to>
+                                        <p:strVal val="visible"/>
+                                      </p:to>
+                                    </p:set>
+                                  </p:childTnLst>
+                                </p:cTn>
+                              </p:par>
+                            </p:childTnLst>
+                          </p:cTn>
+                        </p:par>
+                      </p:childTnLst>
+                    </p:cTn>
+                  </p:par>
+                </p:childTnLst>
+              </p:cTn>
+              <p:prevCondLst>
+                <p:cond evt="onPrev" delay="0">
+                  <p:tgtEl>
+                    <p:sldTgt/>
+                  </p:tgtEl>
+                </p:cond>
+              </p:prevCondLst>
+              <p:nextCondLst>
+                <p:cond evt="onNext" delay="0">
+                  <p:tgtEl>
+                    <p:sldTgt/>
+                  </p:tgtEl>
+                </p:cond>
+              </p:nextCondLst>
+            </p:seq>
+          </p:childTnLst>
+        </p:cTn>
+      </p:par>
+    </p:tnLst>
+  </p:timing>
+</p:sld>
+</file>
+
+<file path=ppt/slides/slide13.xml><?xml version="1.0" encoding="utf-8"?>
+<p:sld xmlns:a="http://schemas.openxmlformats.org/drawingml/2006/main" xmlns:r="http://schemas.openxmlformats.org/officeDocument/2006/relationships" xmlns:p="http://schemas.openxmlformats.org/presentationml/2006/main">
+  <p:cSld>
+    <p:spTree>
+      <p:nvGrpSpPr>
+        <p:cNvPr id="1" name=""/>
+        <p:cNvGrpSpPr/>
+        <p:nvPr/>
+      </p:nvGrpSpPr>
+      <p:grpSpPr>
+        <a:xfrm>
+          <a:off x="0" y="0"/>
+          <a:ext cx="0" cy="0"/>
+          <a:chOff x="0" y="0"/>
+          <a:chExt cx="0" cy="0"/>
+        </a:xfrm>
+      </p:grpSpPr>
+      <p:sp>
+        <p:nvSpPr>
+          <p:cNvPr id="2" name="Text Placeholder 1"/>
+          <p:cNvSpPr>
+            <a:spLocks noGrp="1"/>
+          </p:cNvSpPr>
+          <p:nvPr>
+            <p:ph type="body" sz="quarter" idx="10"/>
+          </p:nvPr>
+        </p:nvSpPr>
+        <p:spPr/>
+        <p:txBody>
+          <a:bodyPr/>
+          <a:lstStyle/>
+          <a:p>
+            <a:r>
+              <a:rPr lang="en-US" dirty="0" smtClean="0"/>
+              <a:t>Bootstrap</a:t>
+            </a:r>
+            <a:endParaRPr lang="en-US" dirty="0"/>
+          </a:p>
+        </p:txBody>
+      </p:sp>
+      <p:sp>
+        <p:nvSpPr>
+          <p:cNvPr id="3" name="Text Placeholder 2"/>
+          <p:cNvSpPr>
+            <a:spLocks noGrp="1"/>
+          </p:cNvSpPr>
+          <p:nvPr>
+            <p:ph type="body" sz="quarter" idx="11"/>
+          </p:nvPr>
+        </p:nvSpPr>
+        <p:spPr/>
+        <p:txBody>
+          <a:bodyPr/>
+          <a:lstStyle/>
+          <a:p>
+            <a:endParaRPr lang="en-US" dirty="0"/>
+          </a:p>
+        </p:txBody>
+      </p:sp>
+      <p:pic>
+        <p:nvPicPr>
+          <p:cNvPr id="4" name="Picture 3"/>
+          <p:cNvPicPr>
+            <a:picLocks noChangeAspect="1"/>
+          </p:cNvPicPr>
+          <p:nvPr/>
+        </p:nvPicPr>
+        <p:blipFill>
+          <a:blip r:embed="rId2"/>
+          <a:stretch>
+            <a:fillRect/>
+          </a:stretch>
+        </p:blipFill>
+        <p:spPr>
+          <a:xfrm>
+            <a:off x="671757" y="1736725"/>
+            <a:ext cx="6152404" cy="5121275"/>
+          </a:xfrm>
+          <a:prstGeom prst="rect">
+            <a:avLst/>
+          </a:prstGeom>
+        </p:spPr>
+      </p:pic>
+    </p:spTree>
+    <p:extLst>
+      <p:ext uri="{BB962C8B-B14F-4D97-AF65-F5344CB8AC3E}">
+        <p14:creationId xmlns:p14="http://schemas.microsoft.com/office/powerpoint/2010/main" val="1743258253"/>
+      </p:ext>
+    </p:extLst>
+  </p:cSld>
+  <p:clrMapOvr>
+    <a:masterClrMapping/>
+  </p:clrMapOvr>
+  <p:timing>
+    <p:tnLst>
+      <p:par>
+        <p:cTn id="1" dur="indefinite" restart="never" nodeType="tmRoot"/>
+      </p:par>
+    </p:tnLst>
+  </p:timing>
+</p:sld>
+</file>
+
+<file path=ppt/slides/slide14.xml><?xml version="1.0" encoding="utf-8"?>
 <p:sld xmlns:a="http://schemas.openxmlformats.org/drawingml/2006/main" xmlns:r="http://schemas.openxmlformats.org/officeDocument/2006/relationships" xmlns:p="http://schemas.openxmlformats.org/presentationml/2006/main">
   <p:cSld>
     <p:spTree>
@@ -3867,772 +4633,6 @@
 </p:sld>
 </file>
 
-<file path=ppt/slides/slide11.xml><?xml version="1.0" encoding="utf-8"?>
-<p:sld xmlns:a="http://schemas.openxmlformats.org/drawingml/2006/main" xmlns:r="http://schemas.openxmlformats.org/officeDocument/2006/relationships" xmlns:p="http://schemas.openxmlformats.org/presentationml/2006/main">
-  <p:cSld>
-    <p:spTree>
-      <p:nvGrpSpPr>
-        <p:cNvPr id="1" name=""/>
-        <p:cNvGrpSpPr/>
-        <p:nvPr/>
-      </p:nvGrpSpPr>
-      <p:grpSpPr>
-        <a:xfrm>
-          <a:off x="0" y="0"/>
-          <a:ext cx="0" cy="0"/>
-          <a:chOff x="0" y="0"/>
-          <a:chExt cx="0" cy="0"/>
-        </a:xfrm>
-      </p:grpSpPr>
-      <p:sp>
-        <p:nvSpPr>
-          <p:cNvPr id="2" name="Text Placeholder 1"/>
-          <p:cNvSpPr>
-            <a:spLocks noGrp="1"/>
-          </p:cNvSpPr>
-          <p:nvPr>
-            <p:ph type="body" sz="quarter" idx="10"/>
-          </p:nvPr>
-        </p:nvSpPr>
-        <p:spPr/>
-        <p:txBody>
-          <a:bodyPr/>
-          <a:lstStyle/>
-          <a:p>
-            <a:r>
-              <a:rPr lang="en-US" dirty="0" smtClean="0"/>
-              <a:t>Take care</a:t>
-            </a:r>
-            <a:endParaRPr lang="en-US" dirty="0"/>
-          </a:p>
-        </p:txBody>
-      </p:sp>
-      <p:sp>
-        <p:nvSpPr>
-          <p:cNvPr id="3" name="Text Placeholder 2"/>
-          <p:cNvSpPr>
-            <a:spLocks noGrp="1"/>
-          </p:cNvSpPr>
-          <p:nvPr>
-            <p:ph type="body" sz="quarter" idx="11"/>
-          </p:nvPr>
-        </p:nvSpPr>
-        <p:spPr/>
-        <p:txBody>
-          <a:bodyPr/>
-          <a:lstStyle/>
-          <a:p>
-            <a:r>
-              <a:rPr lang="en-US" dirty="0" smtClean="0"/>
-              <a:t>Depending on how large your bootstrap sample data set is, I recommend you avoid using the standard error formula (</a:t>
-            </a:r>
-            <a:r>
-              <a:rPr lang="en-US" dirty="0" err="1" smtClean="0"/>
-              <a:t>Eq</a:t>
-            </a:r>
-            <a:r>
-              <a:rPr lang="en-US" dirty="0" smtClean="0"/>
-              <a:t> 5.8) and instead you should use simply the standard deviation of the bootstrap estimates. </a:t>
-            </a:r>
-          </a:p>
-          <a:p>
-            <a:pPr lvl="1"/>
-            <a:r>
-              <a:rPr lang="en-US" b="0" dirty="0" smtClean="0"/>
-              <a:t>Can anyone explain why? </a:t>
-            </a:r>
-          </a:p>
-          <a:p>
-            <a:r>
-              <a:rPr lang="en-US" dirty="0" smtClean="0"/>
-              <a:t>In this context </a:t>
-            </a:r>
-            <a:r>
-              <a:rPr lang="en-US" dirty="0" smtClean="0">
-                <a:latin typeface="symbol" charset="2"/>
-              </a:rPr>
-              <a:t>a</a:t>
-            </a:r>
-            <a:r>
-              <a:rPr lang="en-US" dirty="0" smtClean="0"/>
-              <a:t>, could be any quantity from your training procedure (MSE, </a:t>
-            </a:r>
-            <a:r>
-              <a:rPr lang="en-US" dirty="0" smtClean="0">
-                <a:latin typeface="symbol" charset="2"/>
-              </a:rPr>
-              <a:t>b</a:t>
-            </a:r>
-            <a:r>
-              <a:rPr lang="en-US" dirty="0" smtClean="0"/>
-              <a:t>, etc..) </a:t>
-            </a:r>
-            <a:endParaRPr lang="en-US" dirty="0"/>
-          </a:p>
-        </p:txBody>
-      </p:sp>
-      <p:pic>
-        <p:nvPicPr>
-          <p:cNvPr id="4" name="Picture 3"/>
-          <p:cNvPicPr>
-            <a:picLocks noChangeAspect="1"/>
-          </p:cNvPicPr>
-          <p:nvPr/>
-        </p:nvPicPr>
-        <p:blipFill>
-          <a:blip r:embed="rId2"/>
-          <a:stretch>
-            <a:fillRect/>
-          </a:stretch>
-        </p:blipFill>
-        <p:spPr>
-          <a:xfrm>
-            <a:off x="0" y="5324534"/>
-            <a:ext cx="9144000" cy="1533466"/>
-          </a:xfrm>
-          <a:prstGeom prst="rect">
-            <a:avLst/>
-          </a:prstGeom>
-        </p:spPr>
-      </p:pic>
-    </p:spTree>
-    <p:extLst>
-      <p:ext uri="{BB962C8B-B14F-4D97-AF65-F5344CB8AC3E}">
-        <p14:creationId xmlns:p14="http://schemas.microsoft.com/office/powerpoint/2010/main" val="1644483316"/>
-      </p:ext>
-    </p:extLst>
-  </p:cSld>
-  <p:clrMapOvr>
-    <a:masterClrMapping/>
-  </p:clrMapOvr>
-  <p:timing>
-    <p:tnLst>
-      <p:par>
-        <p:cTn id="1" dur="indefinite" restart="never" nodeType="tmRoot"/>
-      </p:par>
-    </p:tnLst>
-  </p:timing>
-</p:sld>
-</file>
-
-<file path=ppt/slides/slide12.xml><?xml version="1.0" encoding="utf-8"?>
-<p:sld xmlns:a="http://schemas.openxmlformats.org/drawingml/2006/main" xmlns:r="http://schemas.openxmlformats.org/officeDocument/2006/relationships" xmlns:p="http://schemas.openxmlformats.org/presentationml/2006/main">
-  <p:cSld>
-    <p:spTree>
-      <p:nvGrpSpPr>
-        <p:cNvPr id="1" name=""/>
-        <p:cNvGrpSpPr/>
-        <p:nvPr/>
-      </p:nvGrpSpPr>
-      <p:grpSpPr>
-        <a:xfrm>
-          <a:off x="0" y="0"/>
-          <a:ext cx="0" cy="0"/>
-          <a:chOff x="0" y="0"/>
-          <a:chExt cx="0" cy="0"/>
-        </a:xfrm>
-      </p:grpSpPr>
-      <p:sp>
-        <p:nvSpPr>
-          <p:cNvPr id="2" name="Text Placeholder 1"/>
-          <p:cNvSpPr>
-            <a:spLocks noGrp="1"/>
-          </p:cNvSpPr>
-          <p:nvPr>
-            <p:ph type="body" sz="quarter" idx="10"/>
-          </p:nvPr>
-        </p:nvSpPr>
-        <p:spPr/>
-        <p:txBody>
-          <a:bodyPr/>
-          <a:lstStyle/>
-          <a:p>
-            <a:r>
-              <a:rPr lang="en-US" dirty="0"/>
-              <a:t>Linear model selection and regularization </a:t>
-            </a:r>
-            <a:r>
-              <a:rPr lang="en-US" dirty="0" smtClean="0"/>
-              <a:t>(CH6 ISL)</a:t>
-            </a:r>
-            <a:endParaRPr lang="en-US" dirty="0"/>
-          </a:p>
-        </p:txBody>
-      </p:sp>
-      <p:sp>
-        <p:nvSpPr>
-          <p:cNvPr id="3" name="Text Placeholder 2"/>
-          <p:cNvSpPr>
-            <a:spLocks noGrp="1"/>
-          </p:cNvSpPr>
-          <p:nvPr>
-            <p:ph type="body" sz="quarter" idx="11"/>
-          </p:nvPr>
-        </p:nvSpPr>
-        <p:spPr/>
-        <p:txBody>
-          <a:bodyPr/>
-          <a:lstStyle/>
-          <a:p>
-            <a:r>
-              <a:rPr lang="en-US" dirty="0" smtClean="0"/>
-              <a:t>The curse of high dimensionality and taking care with your training data </a:t>
-            </a:r>
-          </a:p>
-          <a:p>
-            <a:r>
-              <a:rPr lang="en-US" dirty="0" smtClean="0"/>
-              <a:t>Linear </a:t>
-            </a:r>
-            <a:r>
-              <a:rPr lang="en-US" dirty="0"/>
-              <a:t>model selection / regularization </a:t>
-            </a:r>
-          </a:p>
-          <a:p>
-            <a:pPr lvl="1"/>
-            <a:r>
-              <a:rPr lang="en-US" dirty="0"/>
-              <a:t>Subset selection </a:t>
-            </a:r>
-          </a:p>
-          <a:p>
-            <a:pPr lvl="1"/>
-            <a:r>
-              <a:rPr lang="en-US" dirty="0"/>
-              <a:t>Ridge regression</a:t>
-            </a:r>
-          </a:p>
-          <a:p>
-            <a:pPr lvl="1"/>
-            <a:r>
-              <a:rPr lang="en-US" dirty="0"/>
-              <a:t>LASSO regression </a:t>
-            </a:r>
-          </a:p>
-          <a:p>
-            <a:pPr lvl="1"/>
-            <a:r>
-              <a:rPr lang="en-US" dirty="0"/>
-              <a:t>Python </a:t>
-            </a:r>
-          </a:p>
-          <a:p>
-            <a:r>
-              <a:rPr lang="en-US" dirty="0"/>
-              <a:t>Dimensionality reduction approaches </a:t>
-            </a:r>
-          </a:p>
-          <a:p>
-            <a:endParaRPr lang="en-US" dirty="0"/>
-          </a:p>
-        </p:txBody>
-      </p:sp>
-    </p:spTree>
-    <p:extLst>
-      <p:ext uri="{BB962C8B-B14F-4D97-AF65-F5344CB8AC3E}">
-        <p14:creationId xmlns:p14="http://schemas.microsoft.com/office/powerpoint/2010/main" val="986603823"/>
-      </p:ext>
-    </p:extLst>
-  </p:cSld>
-  <p:clrMapOvr>
-    <a:masterClrMapping/>
-  </p:clrMapOvr>
-  <p:timing>
-    <p:tnLst>
-      <p:par>
-        <p:cTn id="1" dur="indefinite" restart="never" nodeType="tmRoot"/>
-      </p:par>
-    </p:tnLst>
-  </p:timing>
-</p:sld>
-</file>
-
-<file path=ppt/slides/slide13.xml><?xml version="1.0" encoding="utf-8"?>
-<p:sld xmlns:a="http://schemas.openxmlformats.org/drawingml/2006/main" xmlns:r="http://schemas.openxmlformats.org/officeDocument/2006/relationships" xmlns:p="http://schemas.openxmlformats.org/presentationml/2006/main">
-  <p:cSld>
-    <p:spTree>
-      <p:nvGrpSpPr>
-        <p:cNvPr id="1" name=""/>
-        <p:cNvGrpSpPr/>
-        <p:nvPr/>
-      </p:nvGrpSpPr>
-      <p:grpSpPr>
-        <a:xfrm>
-          <a:off x="0" y="0"/>
-          <a:ext cx="0" cy="0"/>
-          <a:chOff x="0" y="0"/>
-          <a:chExt cx="0" cy="0"/>
-        </a:xfrm>
-      </p:grpSpPr>
-      <p:sp>
-        <p:nvSpPr>
-          <p:cNvPr id="2" name="Text Placeholder 1"/>
-          <p:cNvSpPr>
-            <a:spLocks noGrp="1"/>
-          </p:cNvSpPr>
-          <p:nvPr>
-            <p:ph type="body" sz="quarter" idx="10"/>
-          </p:nvPr>
-        </p:nvSpPr>
-        <p:spPr/>
-        <p:txBody>
-          <a:bodyPr/>
-          <a:lstStyle/>
-          <a:p>
-            <a:r>
-              <a:rPr lang="en-US" dirty="0" smtClean="0"/>
-              <a:t>When good models go bad </a:t>
-            </a:r>
-            <a:endParaRPr lang="en-US" dirty="0"/>
-          </a:p>
-        </p:txBody>
-      </p:sp>
-      <p:sp>
-        <p:nvSpPr>
-          <p:cNvPr id="3" name="Text Placeholder 2"/>
-          <p:cNvSpPr>
-            <a:spLocks noGrp="1"/>
-          </p:cNvSpPr>
-          <p:nvPr>
-            <p:ph type="body" sz="quarter" idx="11"/>
-          </p:nvPr>
-        </p:nvSpPr>
-        <p:spPr/>
-        <p:txBody>
-          <a:bodyPr/>
-          <a:lstStyle/>
-          <a:p>
-            <a:r>
-              <a:rPr lang="en-US" dirty="0" smtClean="0"/>
-              <a:t>Increasing </a:t>
-            </a:r>
-            <a:r>
-              <a:rPr lang="en-US" b="0" dirty="0" smtClean="0"/>
-              <a:t>P</a:t>
-            </a:r>
-            <a:r>
-              <a:rPr lang="en-US" dirty="0" smtClean="0"/>
-              <a:t> can be seductive, especially if you “feel” like you have a large data set: </a:t>
-            </a:r>
-            <a:r>
-              <a:rPr lang="en-US" b="0" dirty="0" smtClean="0"/>
-              <a:t>In high dimension your training data may severely under sample the space of P </a:t>
-            </a:r>
-          </a:p>
-          <a:p>
-            <a:r>
-              <a:rPr lang="en-US" dirty="0"/>
-              <a:t>Supervised learning models are powerful: </a:t>
-            </a:r>
-            <a:r>
-              <a:rPr lang="en-US" b="0" dirty="0"/>
-              <a:t>If you have a lot of data you can often get a model that is predictive</a:t>
-            </a:r>
-            <a:endParaRPr lang="en-US" dirty="0"/>
-          </a:p>
-          <a:p>
-            <a:pPr lvl="1"/>
-            <a:r>
-              <a:rPr lang="en-US" dirty="0"/>
-              <a:t>Can be difficult (or impossible) to make inference about important effects when </a:t>
-            </a:r>
-            <a:r>
-              <a:rPr lang="en-US" b="0" dirty="0"/>
-              <a:t>P</a:t>
-            </a:r>
-            <a:r>
-              <a:rPr lang="en-US" dirty="0"/>
-              <a:t> (the number of parameters) gets large.. </a:t>
-            </a:r>
-            <a:endParaRPr lang="en-US" b="0" dirty="0" smtClean="0"/>
-          </a:p>
-          <a:p>
-            <a:endParaRPr lang="en-US" u="sng" dirty="0"/>
-          </a:p>
-        </p:txBody>
-      </p:sp>
-    </p:spTree>
-    <p:extLst>
-      <p:ext uri="{BB962C8B-B14F-4D97-AF65-F5344CB8AC3E}">
-        <p14:creationId xmlns:p14="http://schemas.microsoft.com/office/powerpoint/2010/main" val="229997479"/>
-      </p:ext>
-    </p:extLst>
-  </p:cSld>
-  <p:clrMapOvr>
-    <a:masterClrMapping/>
-  </p:clrMapOvr>
-  <p:timing>
-    <p:tnLst>
-      <p:par>
-        <p:cTn id="1" dur="indefinite" restart="never" nodeType="tmRoot"/>
-      </p:par>
-    </p:tnLst>
-  </p:timing>
-</p:sld>
-</file>
-
-<file path=ppt/slides/slide14.xml><?xml version="1.0" encoding="utf-8"?>
-<p:sld xmlns:a="http://schemas.openxmlformats.org/drawingml/2006/main" xmlns:r="http://schemas.openxmlformats.org/officeDocument/2006/relationships" xmlns:p="http://schemas.openxmlformats.org/presentationml/2006/main">
-  <p:cSld>
-    <p:spTree>
-      <p:nvGrpSpPr>
-        <p:cNvPr id="1" name=""/>
-        <p:cNvGrpSpPr/>
-        <p:nvPr/>
-      </p:nvGrpSpPr>
-      <p:grpSpPr>
-        <a:xfrm>
-          <a:off x="0" y="0"/>
-          <a:ext cx="0" cy="0"/>
-          <a:chOff x="0" y="0"/>
-          <a:chExt cx="0" cy="0"/>
-        </a:xfrm>
-      </p:grpSpPr>
-      <p:sp>
-        <p:nvSpPr>
-          <p:cNvPr id="2" name="Text Placeholder 1"/>
-          <p:cNvSpPr>
-            <a:spLocks noGrp="1"/>
-          </p:cNvSpPr>
-          <p:nvPr>
-            <p:ph type="body" sz="quarter" idx="10"/>
-          </p:nvPr>
-        </p:nvSpPr>
-        <p:spPr/>
-        <p:txBody>
-          <a:bodyPr/>
-          <a:lstStyle/>
-          <a:p>
-            <a:r>
-              <a:rPr lang="en-US" dirty="0" smtClean="0"/>
-              <a:t>The curse of dimensionality</a:t>
-            </a:r>
-            <a:endParaRPr lang="en-US" dirty="0"/>
-          </a:p>
-        </p:txBody>
-      </p:sp>
-      <p:sp>
-        <p:nvSpPr>
-          <p:cNvPr id="3" name="Text Placeholder 2"/>
-          <p:cNvSpPr>
-            <a:spLocks noGrp="1"/>
-          </p:cNvSpPr>
-          <p:nvPr>
-            <p:ph type="body" sz="quarter" idx="11"/>
-          </p:nvPr>
-        </p:nvSpPr>
-        <p:spPr>
-          <a:xfrm>
-            <a:off x="549974" y="1726786"/>
-            <a:ext cx="8196210" cy="4015497"/>
-          </a:xfrm>
-        </p:spPr>
-        <p:txBody>
-          <a:bodyPr/>
-          <a:lstStyle/>
-          <a:p>
-            <a:r>
-              <a:rPr lang="en-US" dirty="0" smtClean="0"/>
-              <a:t>Consider a situation in which you need n=10 in order to cover response range (in Y) for each X</a:t>
-            </a:r>
-            <a:r>
-              <a:rPr lang="en-US" baseline="-25000" dirty="0" smtClean="0"/>
-              <a:t>i</a:t>
-            </a:r>
-            <a:r>
-              <a:rPr lang="en-US" dirty="0" smtClean="0"/>
-              <a:t>.</a:t>
-            </a:r>
-          </a:p>
-          <a:p>
-            <a:pPr lvl="1"/>
-            <a:r>
-              <a:rPr lang="en-US" dirty="0" smtClean="0"/>
-              <a:t>For P=1, n=1</a:t>
-            </a:r>
-            <a:r>
-              <a:rPr lang="mr-IN" dirty="0" smtClean="0"/>
-              <a:t>…</a:t>
-            </a:r>
-            <a:r>
-              <a:rPr lang="en-US" dirty="0" smtClean="0"/>
-              <a:t> P=2, n=100 P=3, n=1000</a:t>
-            </a:r>
-            <a:r>
-              <a:rPr lang="mr-IN" dirty="0" smtClean="0"/>
-              <a:t>…</a:t>
-            </a:r>
-            <a:endParaRPr lang="en-US" dirty="0" smtClean="0"/>
-          </a:p>
-          <a:p>
-            <a:pPr lvl="1"/>
-            <a:endParaRPr lang="en-US" dirty="0"/>
-          </a:p>
-          <a:p>
-            <a:pPr lvl="1"/>
-            <a:endParaRPr lang="en-US" dirty="0" smtClean="0"/>
-          </a:p>
-          <a:p>
-            <a:pPr lvl="1"/>
-            <a:endParaRPr lang="en-US" dirty="0"/>
-          </a:p>
-          <a:p>
-            <a:pPr lvl="1"/>
-            <a:endParaRPr lang="en-US" dirty="0" smtClean="0"/>
-          </a:p>
-          <a:p>
-            <a:pPr lvl="1"/>
-            <a:endParaRPr lang="en-US" dirty="0"/>
-          </a:p>
-          <a:p>
-            <a:pPr lvl="1"/>
-            <a:endParaRPr lang="en-US" dirty="0" smtClean="0"/>
-          </a:p>
-          <a:p>
-            <a:pPr lvl="1"/>
-            <a:r>
-              <a:rPr lang="en-US" dirty="0" smtClean="0"/>
-              <a:t>Our ability to capture significant fractions of the predictor space collapses after a few dimensions</a:t>
-            </a:r>
-          </a:p>
-          <a:p>
-            <a:pPr lvl="1"/>
-            <a:endParaRPr lang="en-US" dirty="0" smtClean="0"/>
-          </a:p>
-          <a:p>
-            <a:endParaRPr lang="en-US" dirty="0"/>
-          </a:p>
-        </p:txBody>
-      </p:sp>
-      <p:sp>
-        <p:nvSpPr>
-          <p:cNvPr id="4" name="Cube 3"/>
-          <p:cNvSpPr/>
-          <p:nvPr/>
-        </p:nvSpPr>
-        <p:spPr>
-          <a:xfrm>
-            <a:off x="6390861" y="3012845"/>
-            <a:ext cx="1620077" cy="1560444"/>
-          </a:xfrm>
-          <a:prstGeom prst="cube">
-            <a:avLst/>
-          </a:prstGeom>
-        </p:spPr>
-        <p:style>
-          <a:lnRef idx="1">
-            <a:schemeClr val="accent1"/>
-          </a:lnRef>
-          <a:fillRef idx="3">
-            <a:schemeClr val="accent1"/>
-          </a:fillRef>
-          <a:effectRef idx="2">
-            <a:schemeClr val="accent1"/>
-          </a:effectRef>
-          <a:fontRef idx="minor">
-            <a:schemeClr val="lt1"/>
-          </a:fontRef>
-        </p:style>
-        <p:txBody>
-          <a:bodyPr rtlCol="0" anchor="ctr"/>
-          <a:lstStyle/>
-          <a:p>
-            <a:pPr algn="ctr"/>
-            <a:endParaRPr lang="en-US"/>
-          </a:p>
-        </p:txBody>
-      </p:sp>
-      <p:cxnSp>
-        <p:nvCxnSpPr>
-          <p:cNvPr id="6" name="Straight Connector 5"/>
-          <p:cNvCxnSpPr/>
-          <p:nvPr/>
-        </p:nvCxnSpPr>
-        <p:spPr>
-          <a:xfrm>
-            <a:off x="828270" y="4055165"/>
-            <a:ext cx="1242392" cy="0"/>
-          </a:xfrm>
-          <a:prstGeom prst="line">
-            <a:avLst/>
-          </a:prstGeom>
-        </p:spPr>
-        <p:style>
-          <a:lnRef idx="2">
-            <a:schemeClr val="accent1"/>
-          </a:lnRef>
-          <a:fillRef idx="0">
-            <a:schemeClr val="accent1"/>
-          </a:fillRef>
-          <a:effectRef idx="1">
-            <a:schemeClr val="accent1"/>
-          </a:effectRef>
-          <a:fontRef idx="minor">
-            <a:schemeClr val="tx1"/>
-          </a:fontRef>
-        </p:style>
-      </p:cxnSp>
-      <p:sp>
-        <p:nvSpPr>
-          <p:cNvPr id="8" name="Rectangle 7"/>
-          <p:cNvSpPr/>
-          <p:nvPr/>
-        </p:nvSpPr>
-        <p:spPr>
-          <a:xfrm>
-            <a:off x="3856383" y="3397893"/>
-            <a:ext cx="1252330" cy="1155518"/>
-          </a:xfrm>
-          <a:prstGeom prst="rect">
-            <a:avLst/>
-          </a:prstGeom>
-        </p:spPr>
-        <p:style>
-          <a:lnRef idx="1">
-            <a:schemeClr val="accent1"/>
-          </a:lnRef>
-          <a:fillRef idx="3">
-            <a:schemeClr val="accent1"/>
-          </a:fillRef>
-          <a:effectRef idx="2">
-            <a:schemeClr val="accent1"/>
-          </a:effectRef>
-          <a:fontRef idx="minor">
-            <a:schemeClr val="lt1"/>
-          </a:fontRef>
-        </p:style>
-        <p:txBody>
-          <a:bodyPr rtlCol="0" anchor="ctr"/>
-          <a:lstStyle/>
-          <a:p>
-            <a:pPr algn="ctr"/>
-            <a:endParaRPr lang="en-US"/>
-          </a:p>
-        </p:txBody>
-      </p:sp>
-      <p:sp>
-        <p:nvSpPr>
-          <p:cNvPr id="9" name="TextBox 8"/>
-          <p:cNvSpPr txBox="1"/>
-          <p:nvPr/>
-        </p:nvSpPr>
-        <p:spPr>
-          <a:xfrm>
-            <a:off x="1258548" y="4573289"/>
-            <a:ext cx="381836" cy="369332"/>
-          </a:xfrm>
-          <a:prstGeom prst="rect">
-            <a:avLst/>
-          </a:prstGeom>
-          <a:noFill/>
-        </p:spPr>
-        <p:txBody>
-          <a:bodyPr wrap="none" rtlCol="0">
-            <a:spAutoFit/>
-          </a:bodyPr>
-          <a:lstStyle/>
-          <a:p>
-            <a:r>
-              <a:rPr lang="en-US" dirty="0" smtClean="0"/>
-              <a:t>P</a:t>
-            </a:r>
-            <a:r>
-              <a:rPr lang="en-US" baseline="-25000" dirty="0" smtClean="0"/>
-              <a:t>1</a:t>
-            </a:r>
-            <a:endParaRPr lang="en-US" dirty="0"/>
-          </a:p>
-        </p:txBody>
-      </p:sp>
-      <p:sp>
-        <p:nvSpPr>
-          <p:cNvPr id="10" name="TextBox 9"/>
-          <p:cNvSpPr txBox="1"/>
-          <p:nvPr/>
-        </p:nvSpPr>
-        <p:spPr>
-          <a:xfrm>
-            <a:off x="4291630" y="4573289"/>
-            <a:ext cx="381836" cy="369332"/>
-          </a:xfrm>
-          <a:prstGeom prst="rect">
-            <a:avLst/>
-          </a:prstGeom>
-          <a:noFill/>
-        </p:spPr>
-        <p:txBody>
-          <a:bodyPr wrap="none" rtlCol="0">
-            <a:spAutoFit/>
-          </a:bodyPr>
-          <a:lstStyle/>
-          <a:p>
-            <a:r>
-              <a:rPr lang="en-US" dirty="0" smtClean="0"/>
-              <a:t>P</a:t>
-            </a:r>
-            <a:r>
-              <a:rPr lang="en-US" baseline="-25000" dirty="0" smtClean="0"/>
-              <a:t>2</a:t>
-            </a:r>
-            <a:endParaRPr lang="en-US" dirty="0"/>
-          </a:p>
-        </p:txBody>
-      </p:sp>
-      <p:sp>
-        <p:nvSpPr>
-          <p:cNvPr id="11" name="TextBox 10"/>
-          <p:cNvSpPr txBox="1"/>
-          <p:nvPr/>
-        </p:nvSpPr>
-        <p:spPr>
-          <a:xfrm>
-            <a:off x="6819063" y="4573289"/>
-            <a:ext cx="381836" cy="369332"/>
-          </a:xfrm>
-          <a:prstGeom prst="rect">
-            <a:avLst/>
-          </a:prstGeom>
-          <a:noFill/>
-        </p:spPr>
-        <p:txBody>
-          <a:bodyPr wrap="none" rtlCol="0">
-            <a:spAutoFit/>
-          </a:bodyPr>
-          <a:lstStyle/>
-          <a:p>
-            <a:r>
-              <a:rPr lang="en-US" dirty="0" smtClean="0"/>
-              <a:t>P</a:t>
-            </a:r>
-            <a:r>
-              <a:rPr lang="en-US" baseline="-25000" dirty="0" smtClean="0"/>
-              <a:t>3</a:t>
-            </a:r>
-            <a:endParaRPr lang="en-US" dirty="0"/>
-          </a:p>
-        </p:txBody>
-      </p:sp>
-    </p:spTree>
-    <p:extLst>
-      <p:ext uri="{BB962C8B-B14F-4D97-AF65-F5344CB8AC3E}">
-        <p14:creationId xmlns:p14="http://schemas.microsoft.com/office/powerpoint/2010/main" val="44658524"/>
-      </p:ext>
-    </p:extLst>
-  </p:cSld>
-  <p:clrMapOvr>
-    <a:masterClrMapping/>
-  </p:clrMapOvr>
-  <p:timing>
-    <p:tnLst>
-      <p:par>
-        <p:cTn id="1" dur="indefinite" restart="never" nodeType="tmRoot"/>
-      </p:par>
-    </p:tnLst>
-  </p:timing>
-</p:sld>
-</file>
-
 <file path=ppt/slides/slide15.xml><?xml version="1.0" encoding="utf-8"?>
 <p:sld xmlns:a="http://schemas.openxmlformats.org/drawingml/2006/main" xmlns:r="http://schemas.openxmlformats.org/officeDocument/2006/relationships" xmlns:p="http://schemas.openxmlformats.org/presentationml/2006/main">
   <p:cSld>
@@ -4667,7 +4667,71 @@
           <a:p>
             <a:r>
               <a:rPr lang="en-US" dirty="0" smtClean="0"/>
-              <a:t>The curse of dimensionality</a:t>
+              <a:t>Take care</a:t>
+            </a:r>
+            <a:endParaRPr lang="en-US" dirty="0"/>
+          </a:p>
+        </p:txBody>
+      </p:sp>
+      <p:sp>
+        <p:nvSpPr>
+          <p:cNvPr id="3" name="Text Placeholder 2"/>
+          <p:cNvSpPr>
+            <a:spLocks noGrp="1"/>
+          </p:cNvSpPr>
+          <p:nvPr>
+            <p:ph type="body" sz="quarter" idx="11"/>
+          </p:nvPr>
+        </p:nvSpPr>
+        <p:spPr/>
+        <p:txBody>
+          <a:bodyPr/>
+          <a:lstStyle/>
+          <a:p>
+            <a:r>
+              <a:rPr lang="en-US" dirty="0" smtClean="0"/>
+              <a:t>Depending on how large your bootstrap sample data set is, I recommend you avoid using the standard error formula (</a:t>
+            </a:r>
+            <a:r>
+              <a:rPr lang="en-US" dirty="0" err="1" smtClean="0"/>
+              <a:t>Eq</a:t>
+            </a:r>
+            <a:r>
+              <a:rPr lang="en-US" dirty="0" smtClean="0"/>
+              <a:t> 5.8) and instead you should use simply the standard deviation of the bootstrap estimates. </a:t>
+            </a:r>
+          </a:p>
+          <a:p>
+            <a:pPr lvl="1"/>
+            <a:r>
+              <a:rPr lang="en-US" b="0" dirty="0" smtClean="0"/>
+              <a:t>Can anyone explain why? </a:t>
+            </a:r>
+          </a:p>
+          <a:p>
+            <a:r>
+              <a:rPr lang="en-US" dirty="0" smtClean="0"/>
+              <a:t>In this context </a:t>
+            </a:r>
+            <a:r>
+              <a:rPr lang="en-US" dirty="0" smtClean="0">
+                <a:latin typeface="symbol" charset="2"/>
+              </a:rPr>
+              <a:t>a</a:t>
+            </a:r>
+            <a:r>
+              <a:rPr lang="en-US" dirty="0" smtClean="0"/>
+              <a:t>, could be any quantity from your training procedure (MSE, </a:t>
+            </a:r>
+            <a:r>
+              <a:rPr lang="en-US" dirty="0" smtClean="0">
+                <a:latin typeface="symbol" charset="2"/>
+              </a:rPr>
+              <a:t>b</a:t>
+            </a:r>
+            <a:r>
+              <a:rPr lang="en-US" dirty="0" smtClean="0"/>
+              <a:t>, etc..) </a:t>
             </a:r>
             <a:endParaRPr lang="en-US" dirty="0"/>
           </a:p>
@@ -4675,7 +4739,7 @@
       </p:sp>
       <p:pic>
         <p:nvPicPr>
-          <p:cNvPr id="12" name="Picture 11"/>
+          <p:cNvPr id="4" name="Picture 3"/>
           <p:cNvPicPr>
             <a:picLocks noChangeAspect="1"/>
           </p:cNvPicPr>
@@ -4689,64 +4753,18 @@
         </p:blipFill>
         <p:spPr>
           <a:xfrm>
-            <a:off x="2278748" y="1843618"/>
-            <a:ext cx="4970679" cy="3602079"/>
+            <a:off x="0" y="4410134"/>
+            <a:ext cx="9144000" cy="1533466"/>
           </a:xfrm>
           <a:prstGeom prst="rect">
             <a:avLst/>
           </a:prstGeom>
         </p:spPr>
       </p:pic>
-      <p:sp>
-        <p:nvSpPr>
-          <p:cNvPr id="7" name="TextBox 6"/>
-          <p:cNvSpPr txBox="1"/>
-          <p:nvPr/>
-        </p:nvSpPr>
-        <p:spPr>
-          <a:xfrm>
-            <a:off x="323887" y="6261652"/>
-            <a:ext cx="4157035" cy="369332"/>
-          </a:xfrm>
-          <a:prstGeom prst="rect">
-            <a:avLst/>
-          </a:prstGeom>
-          <a:noFill/>
-        </p:spPr>
-        <p:txBody>
-          <a:bodyPr wrap="none" rtlCol="0">
-            <a:spAutoFit/>
-          </a:bodyPr>
-          <a:lstStyle/>
-          <a:p>
-            <a:r>
-              <a:rPr lang="en-US" dirty="0" smtClean="0"/>
-              <a:t>Figure 2.6, </a:t>
-            </a:r>
-            <a:r>
-              <a:rPr lang="en-US" b="1" dirty="0"/>
-              <a:t>E</a:t>
-            </a:r>
-            <a:r>
-              <a:rPr lang="en-US" b="1" dirty="0" smtClean="0"/>
-              <a:t>lements</a:t>
-            </a:r>
-            <a:r>
-              <a:rPr lang="en-US" dirty="0" smtClean="0"/>
-              <a:t> </a:t>
-            </a:r>
-            <a:r>
-              <a:rPr lang="en-US" smtClean="0"/>
-              <a:t>of Statistical Learning</a:t>
-            </a:r>
-            <a:endParaRPr lang="en-US" dirty="0"/>
-          </a:p>
-        </p:txBody>
-      </p:sp>
     </p:spTree>
     <p:extLst>
       <p:ext uri="{BB962C8B-B14F-4D97-AF65-F5344CB8AC3E}">
-        <p14:creationId xmlns:p14="http://schemas.microsoft.com/office/powerpoint/2010/main" val="1868113761"/>
+        <p14:creationId xmlns:p14="http://schemas.microsoft.com/office/powerpoint/2010/main" val="1644483316"/>
       </p:ext>
     </p:extLst>
   </p:cSld>
@@ -4796,8 +4814,12 @@
           <a:lstStyle/>
           <a:p>
             <a:r>
-              <a:rPr lang="en-US" dirty="0" smtClean="0"/>
-              <a:t>Three approaches to building a smaller model (ISL, p 204)</a:t>
+              <a:rPr lang="en-US" dirty="0"/>
+              <a:t>Linear model selection and regularization </a:t>
+            </a:r>
+            <a:r>
+              <a:rPr lang="en-US" dirty="0" smtClean="0"/>
+              <a:t>(CH6 ISL)</a:t>
             </a:r>
             <a:endParaRPr lang="en-US" dirty="0"/>
           </a:p>
@@ -4820,32 +4842,54 @@
           <a:p>
             <a:r>
               <a:rPr lang="en-US" dirty="0" smtClean="0"/>
-              <a:t>Subset selection: </a:t>
-            </a:r>
-            <a:r>
-              <a:rPr lang="en-US" b="0" dirty="0" smtClean="0"/>
-              <a:t>Systematically search different models created with subsets of all possible P values for an adequate model</a:t>
-            </a:r>
-          </a:p>
-          <a:p>
-            <a:r>
-              <a:rPr lang="en-US" dirty="0" smtClean="0"/>
-              <a:t>Regularization (shrinkage): </a:t>
-            </a:r>
-            <a:r>
-              <a:rPr lang="en-US" b="0" dirty="0" smtClean="0"/>
-              <a:t>Fit a model w/all P values, but use a different error penalty to force coefficients to be smaller </a:t>
-            </a:r>
-          </a:p>
-          <a:p>
-            <a:r>
-              <a:rPr lang="en-US" dirty="0" smtClean="0"/>
-              <a:t>Dimensional reduction: </a:t>
-            </a:r>
-            <a:r>
-              <a:rPr lang="en-US" b="0" dirty="0" smtClean="0"/>
-              <a:t>Fit a model with a reduced number of coarse parameters that represent subsets of groups of P’s</a:t>
-            </a:r>
+              <a:t>The curse of high dimensionality and taking care with your training data </a:t>
+            </a:r>
+          </a:p>
+          <a:p>
+            <a:r>
+              <a:rPr lang="en-US" dirty="0" smtClean="0"/>
+              <a:t>Linear </a:t>
+            </a:r>
+            <a:r>
+              <a:rPr lang="en-US" dirty="0"/>
+              <a:t>model selection / regularization </a:t>
+            </a:r>
+          </a:p>
+          <a:p>
+            <a:pPr lvl="1"/>
+            <a:r>
+              <a:rPr lang="en-US" dirty="0"/>
+              <a:t>Subset selection </a:t>
+            </a:r>
+          </a:p>
+          <a:p>
+            <a:pPr lvl="1"/>
+            <a:r>
+              <a:rPr lang="en-US" dirty="0"/>
+              <a:t>Ridge regression</a:t>
+            </a:r>
+          </a:p>
+          <a:p>
+            <a:pPr lvl="1"/>
+            <a:r>
+              <a:rPr lang="en-US" dirty="0"/>
+              <a:t>LASSO regression </a:t>
+            </a:r>
+          </a:p>
+          <a:p>
+            <a:pPr lvl="1"/>
+            <a:r>
+              <a:rPr lang="en-US" dirty="0"/>
+              <a:t>Python </a:t>
+            </a:r>
+          </a:p>
+          <a:p>
+            <a:r>
+              <a:rPr lang="en-US" dirty="0"/>
+              <a:t>Dimensionality reduction approaches </a:t>
+            </a:r>
+          </a:p>
+          <a:p>
             <a:endParaRPr lang="en-US" dirty="0"/>
           </a:p>
         </p:txBody>
@@ -4853,7 +4897,7 @@
     </p:spTree>
     <p:extLst>
       <p:ext uri="{BB962C8B-B14F-4D97-AF65-F5344CB8AC3E}">
-        <p14:creationId xmlns:p14="http://schemas.microsoft.com/office/powerpoint/2010/main" val="1758615605"/>
+        <p14:creationId xmlns:p14="http://schemas.microsoft.com/office/powerpoint/2010/main" val="986603823"/>
       </p:ext>
     </p:extLst>
   </p:cSld>
@@ -4904,14 +4948,880 @@
           <a:p>
             <a:r>
               <a:rPr lang="en-US" dirty="0" smtClean="0"/>
+              <a:t>When good models go bad </a:t>
+            </a:r>
+            <a:endParaRPr lang="en-US" dirty="0"/>
+          </a:p>
+        </p:txBody>
+      </p:sp>
+      <p:sp>
+        <p:nvSpPr>
+          <p:cNvPr id="3" name="Text Placeholder 2"/>
+          <p:cNvSpPr>
+            <a:spLocks noGrp="1"/>
+          </p:cNvSpPr>
+          <p:nvPr>
+            <p:ph type="body" sz="quarter" idx="11"/>
+          </p:nvPr>
+        </p:nvSpPr>
+        <p:spPr/>
+        <p:txBody>
+          <a:bodyPr/>
+          <a:lstStyle/>
+          <a:p>
+            <a:r>
+              <a:rPr lang="en-US" dirty="0" smtClean="0"/>
+              <a:t>Increasing </a:t>
+            </a:r>
+            <a:r>
+              <a:rPr lang="en-US" b="0" dirty="0" smtClean="0"/>
+              <a:t>P</a:t>
+            </a:r>
+            <a:r>
+              <a:rPr lang="en-US" dirty="0" smtClean="0"/>
+              <a:t> can be seductive, especially if you “feel” like you have a large data set: </a:t>
+            </a:r>
+            <a:r>
+              <a:rPr lang="en-US" b="0" dirty="0" smtClean="0"/>
+              <a:t>In high dimension your training data may severely under sample the space of P </a:t>
+            </a:r>
+          </a:p>
+          <a:p>
+            <a:r>
+              <a:rPr lang="en-US" dirty="0"/>
+              <a:t>Supervised learning models are powerful: </a:t>
+            </a:r>
+            <a:r>
+              <a:rPr lang="en-US" b="0" dirty="0"/>
+              <a:t>If you have a lot of data you can often get a model that is predictive</a:t>
+            </a:r>
+            <a:endParaRPr lang="en-US" dirty="0"/>
+          </a:p>
+          <a:p>
+            <a:pPr lvl="1"/>
+            <a:r>
+              <a:rPr lang="en-US" dirty="0"/>
+              <a:t>Can be difficult (or impossible) to make inference about important effects when </a:t>
+            </a:r>
+            <a:r>
+              <a:rPr lang="en-US" b="0" dirty="0"/>
+              <a:t>P</a:t>
+            </a:r>
+            <a:r>
+              <a:rPr lang="en-US" dirty="0"/>
+              <a:t> (the number of parameters) gets large.. </a:t>
+            </a:r>
+            <a:endParaRPr lang="en-US" b="0" dirty="0" smtClean="0"/>
+          </a:p>
+          <a:p>
+            <a:endParaRPr lang="en-US" u="sng" dirty="0"/>
+          </a:p>
+        </p:txBody>
+      </p:sp>
+    </p:spTree>
+    <p:extLst>
+      <p:ext uri="{BB962C8B-B14F-4D97-AF65-F5344CB8AC3E}">
+        <p14:creationId xmlns:p14="http://schemas.microsoft.com/office/powerpoint/2010/main" val="229997479"/>
+      </p:ext>
+    </p:extLst>
+  </p:cSld>
+  <p:clrMapOvr>
+    <a:masterClrMapping/>
+  </p:clrMapOvr>
+  <p:timing>
+    <p:tnLst>
+      <p:par>
+        <p:cTn id="1" dur="indefinite" restart="never" nodeType="tmRoot"/>
+      </p:par>
+    </p:tnLst>
+  </p:timing>
+</p:sld>
+</file>
+
+<file path=ppt/slides/slide18.xml><?xml version="1.0" encoding="utf-8"?>
+<p:sld xmlns:a="http://schemas.openxmlformats.org/drawingml/2006/main" xmlns:r="http://schemas.openxmlformats.org/officeDocument/2006/relationships" xmlns:p="http://schemas.openxmlformats.org/presentationml/2006/main">
+  <p:cSld>
+    <p:spTree>
+      <p:nvGrpSpPr>
+        <p:cNvPr id="1" name=""/>
+        <p:cNvGrpSpPr/>
+        <p:nvPr/>
+      </p:nvGrpSpPr>
+      <p:grpSpPr>
+        <a:xfrm>
+          <a:off x="0" y="0"/>
+          <a:ext cx="0" cy="0"/>
+          <a:chOff x="0" y="0"/>
+          <a:chExt cx="0" cy="0"/>
+        </a:xfrm>
+      </p:grpSpPr>
+      <p:sp>
+        <p:nvSpPr>
+          <p:cNvPr id="2" name="Text Placeholder 1"/>
+          <p:cNvSpPr>
+            <a:spLocks noGrp="1"/>
+          </p:cNvSpPr>
+          <p:nvPr>
+            <p:ph type="body" sz="quarter" idx="10"/>
+          </p:nvPr>
+        </p:nvSpPr>
+        <p:spPr/>
+        <p:txBody>
+          <a:bodyPr/>
+          <a:lstStyle/>
+          <a:p>
+            <a:r>
+              <a:rPr lang="en-US" dirty="0" smtClean="0"/>
+              <a:t>The curse of dimensionality</a:t>
+            </a:r>
+            <a:endParaRPr lang="en-US" dirty="0"/>
+          </a:p>
+        </p:txBody>
+      </p:sp>
+      <p:sp>
+        <p:nvSpPr>
+          <p:cNvPr id="3" name="Text Placeholder 2"/>
+          <p:cNvSpPr>
+            <a:spLocks noGrp="1"/>
+          </p:cNvSpPr>
+          <p:nvPr>
+            <p:ph type="body" sz="quarter" idx="11"/>
+          </p:nvPr>
+        </p:nvSpPr>
+        <p:spPr>
+          <a:xfrm>
+            <a:off x="549974" y="1726786"/>
+            <a:ext cx="8196210" cy="4015497"/>
+          </a:xfrm>
+        </p:spPr>
+        <p:txBody>
+          <a:bodyPr/>
+          <a:lstStyle/>
+          <a:p>
+            <a:r>
+              <a:rPr lang="en-US" dirty="0" smtClean="0"/>
+              <a:t>Consider a situation in which you need n=10 in order to cover response range (in Y) for each X</a:t>
+            </a:r>
+            <a:r>
+              <a:rPr lang="en-US" baseline="-25000" dirty="0" smtClean="0"/>
+              <a:t>i</a:t>
+            </a:r>
+            <a:r>
+              <a:rPr lang="en-US" dirty="0" smtClean="0"/>
+              <a:t>.</a:t>
+            </a:r>
+          </a:p>
+          <a:p>
+            <a:pPr lvl="1"/>
+            <a:r>
+              <a:rPr lang="en-US" dirty="0" smtClean="0"/>
+              <a:t>For P=1, n=1</a:t>
+            </a:r>
+            <a:r>
+              <a:rPr lang="mr-IN" dirty="0" smtClean="0"/>
+              <a:t>…</a:t>
+            </a:r>
+            <a:r>
+              <a:rPr lang="en-US" dirty="0" smtClean="0"/>
+              <a:t> P=2, n=100 P=3, n=1000</a:t>
+            </a:r>
+            <a:r>
+              <a:rPr lang="mr-IN" dirty="0" smtClean="0"/>
+              <a:t>…</a:t>
+            </a:r>
+            <a:endParaRPr lang="en-US" dirty="0" smtClean="0"/>
+          </a:p>
+          <a:p>
+            <a:pPr lvl="1"/>
+            <a:endParaRPr lang="en-US" dirty="0"/>
+          </a:p>
+          <a:p>
+            <a:pPr lvl="1"/>
+            <a:endParaRPr lang="en-US" dirty="0" smtClean="0"/>
+          </a:p>
+          <a:p>
+            <a:pPr lvl="1"/>
+            <a:endParaRPr lang="en-US" dirty="0"/>
+          </a:p>
+          <a:p>
+            <a:pPr lvl="1"/>
+            <a:endParaRPr lang="en-US" dirty="0" smtClean="0"/>
+          </a:p>
+          <a:p>
+            <a:pPr lvl="1"/>
+            <a:endParaRPr lang="en-US" dirty="0"/>
+          </a:p>
+          <a:p>
+            <a:pPr lvl="1"/>
+            <a:endParaRPr lang="en-US" dirty="0" smtClean="0"/>
+          </a:p>
+          <a:p>
+            <a:pPr lvl="1"/>
+            <a:r>
+              <a:rPr lang="en-US" dirty="0" smtClean="0"/>
+              <a:t>Our ability to capture significant fractions of the predictor space collapses after a few dimensions</a:t>
+            </a:r>
+          </a:p>
+          <a:p>
+            <a:pPr lvl="1"/>
+            <a:endParaRPr lang="en-US" dirty="0" smtClean="0"/>
+          </a:p>
+          <a:p>
+            <a:endParaRPr lang="en-US" dirty="0"/>
+          </a:p>
+        </p:txBody>
+      </p:sp>
+      <p:sp>
+        <p:nvSpPr>
+          <p:cNvPr id="4" name="Cube 3"/>
+          <p:cNvSpPr/>
+          <p:nvPr/>
+        </p:nvSpPr>
+        <p:spPr>
+          <a:xfrm>
+            <a:off x="6390861" y="3012845"/>
+            <a:ext cx="1620077" cy="1560444"/>
+          </a:xfrm>
+          <a:prstGeom prst="cube">
+            <a:avLst/>
+          </a:prstGeom>
+        </p:spPr>
+        <p:style>
+          <a:lnRef idx="1">
+            <a:schemeClr val="accent1"/>
+          </a:lnRef>
+          <a:fillRef idx="3">
+            <a:schemeClr val="accent1"/>
+          </a:fillRef>
+          <a:effectRef idx="2">
+            <a:schemeClr val="accent1"/>
+          </a:effectRef>
+          <a:fontRef idx="minor">
+            <a:schemeClr val="lt1"/>
+          </a:fontRef>
+        </p:style>
+        <p:txBody>
+          <a:bodyPr rtlCol="0" anchor="ctr"/>
+          <a:lstStyle/>
+          <a:p>
+            <a:pPr algn="ctr"/>
+            <a:endParaRPr lang="en-US"/>
+          </a:p>
+        </p:txBody>
+      </p:sp>
+      <p:cxnSp>
+        <p:nvCxnSpPr>
+          <p:cNvPr id="6" name="Straight Connector 5"/>
+          <p:cNvCxnSpPr/>
+          <p:nvPr/>
+        </p:nvCxnSpPr>
+        <p:spPr>
+          <a:xfrm>
+            <a:off x="828270" y="4055165"/>
+            <a:ext cx="1242392" cy="0"/>
+          </a:xfrm>
+          <a:prstGeom prst="line">
+            <a:avLst/>
+          </a:prstGeom>
+        </p:spPr>
+        <p:style>
+          <a:lnRef idx="2">
+            <a:schemeClr val="accent1"/>
+          </a:lnRef>
+          <a:fillRef idx="0">
+            <a:schemeClr val="accent1"/>
+          </a:fillRef>
+          <a:effectRef idx="1">
+            <a:schemeClr val="accent1"/>
+          </a:effectRef>
+          <a:fontRef idx="minor">
+            <a:schemeClr val="tx1"/>
+          </a:fontRef>
+        </p:style>
+      </p:cxnSp>
+      <p:sp>
+        <p:nvSpPr>
+          <p:cNvPr id="8" name="Rectangle 7"/>
+          <p:cNvSpPr/>
+          <p:nvPr/>
+        </p:nvSpPr>
+        <p:spPr>
+          <a:xfrm>
+            <a:off x="3856383" y="3397893"/>
+            <a:ext cx="1252330" cy="1155518"/>
+          </a:xfrm>
+          <a:prstGeom prst="rect">
+            <a:avLst/>
+          </a:prstGeom>
+        </p:spPr>
+        <p:style>
+          <a:lnRef idx="1">
+            <a:schemeClr val="accent1"/>
+          </a:lnRef>
+          <a:fillRef idx="3">
+            <a:schemeClr val="accent1"/>
+          </a:fillRef>
+          <a:effectRef idx="2">
+            <a:schemeClr val="accent1"/>
+          </a:effectRef>
+          <a:fontRef idx="minor">
+            <a:schemeClr val="lt1"/>
+          </a:fontRef>
+        </p:style>
+        <p:txBody>
+          <a:bodyPr rtlCol="0" anchor="ctr"/>
+          <a:lstStyle/>
+          <a:p>
+            <a:pPr algn="ctr"/>
+            <a:endParaRPr lang="en-US"/>
+          </a:p>
+        </p:txBody>
+      </p:sp>
+      <p:sp>
+        <p:nvSpPr>
+          <p:cNvPr id="9" name="TextBox 8"/>
+          <p:cNvSpPr txBox="1"/>
+          <p:nvPr/>
+        </p:nvSpPr>
+        <p:spPr>
+          <a:xfrm>
+            <a:off x="1258548" y="4573289"/>
+            <a:ext cx="381836" cy="369332"/>
+          </a:xfrm>
+          <a:prstGeom prst="rect">
+            <a:avLst/>
+          </a:prstGeom>
+          <a:noFill/>
+        </p:spPr>
+        <p:txBody>
+          <a:bodyPr wrap="none" rtlCol="0">
+            <a:spAutoFit/>
+          </a:bodyPr>
+          <a:lstStyle/>
+          <a:p>
+            <a:r>
+              <a:rPr lang="en-US" dirty="0" smtClean="0"/>
+              <a:t>P</a:t>
+            </a:r>
+            <a:r>
+              <a:rPr lang="en-US" baseline="-25000" dirty="0" smtClean="0"/>
+              <a:t>1</a:t>
+            </a:r>
+            <a:endParaRPr lang="en-US" dirty="0"/>
+          </a:p>
+        </p:txBody>
+      </p:sp>
+      <p:sp>
+        <p:nvSpPr>
+          <p:cNvPr id="10" name="TextBox 9"/>
+          <p:cNvSpPr txBox="1"/>
+          <p:nvPr/>
+        </p:nvSpPr>
+        <p:spPr>
+          <a:xfrm>
+            <a:off x="4291630" y="4573289"/>
+            <a:ext cx="381836" cy="369332"/>
+          </a:xfrm>
+          <a:prstGeom prst="rect">
+            <a:avLst/>
+          </a:prstGeom>
+          <a:noFill/>
+        </p:spPr>
+        <p:txBody>
+          <a:bodyPr wrap="none" rtlCol="0">
+            <a:spAutoFit/>
+          </a:bodyPr>
+          <a:lstStyle/>
+          <a:p>
+            <a:r>
+              <a:rPr lang="en-US" dirty="0" smtClean="0"/>
+              <a:t>P</a:t>
+            </a:r>
+            <a:r>
+              <a:rPr lang="en-US" baseline="-25000" dirty="0" smtClean="0"/>
+              <a:t>2</a:t>
+            </a:r>
+            <a:endParaRPr lang="en-US" dirty="0"/>
+          </a:p>
+        </p:txBody>
+      </p:sp>
+      <p:sp>
+        <p:nvSpPr>
+          <p:cNvPr id="11" name="TextBox 10"/>
+          <p:cNvSpPr txBox="1"/>
+          <p:nvPr/>
+        </p:nvSpPr>
+        <p:spPr>
+          <a:xfrm>
+            <a:off x="6819063" y="4573289"/>
+            <a:ext cx="381836" cy="369332"/>
+          </a:xfrm>
+          <a:prstGeom prst="rect">
+            <a:avLst/>
+          </a:prstGeom>
+          <a:noFill/>
+        </p:spPr>
+        <p:txBody>
+          <a:bodyPr wrap="none" rtlCol="0">
+            <a:spAutoFit/>
+          </a:bodyPr>
+          <a:lstStyle/>
+          <a:p>
+            <a:r>
+              <a:rPr lang="en-US" dirty="0" smtClean="0"/>
+              <a:t>P</a:t>
+            </a:r>
+            <a:r>
+              <a:rPr lang="en-US" baseline="-25000" dirty="0" smtClean="0"/>
+              <a:t>3</a:t>
+            </a:r>
+            <a:endParaRPr lang="en-US" dirty="0"/>
+          </a:p>
+        </p:txBody>
+      </p:sp>
+    </p:spTree>
+    <p:extLst>
+      <p:ext uri="{BB962C8B-B14F-4D97-AF65-F5344CB8AC3E}">
+        <p14:creationId xmlns:p14="http://schemas.microsoft.com/office/powerpoint/2010/main" val="44658524"/>
+      </p:ext>
+    </p:extLst>
+  </p:cSld>
+  <p:clrMapOvr>
+    <a:masterClrMapping/>
+  </p:clrMapOvr>
+  <p:timing>
+    <p:tnLst>
+      <p:par>
+        <p:cTn id="1" dur="indefinite" restart="never" nodeType="tmRoot"/>
+      </p:par>
+    </p:tnLst>
+  </p:timing>
+</p:sld>
+</file>
+
+<file path=ppt/slides/slide19.xml><?xml version="1.0" encoding="utf-8"?>
+<p:sld xmlns:a="http://schemas.openxmlformats.org/drawingml/2006/main" xmlns:r="http://schemas.openxmlformats.org/officeDocument/2006/relationships" xmlns:p="http://schemas.openxmlformats.org/presentationml/2006/main">
+  <p:cSld>
+    <p:spTree>
+      <p:nvGrpSpPr>
+        <p:cNvPr id="1" name=""/>
+        <p:cNvGrpSpPr/>
+        <p:nvPr/>
+      </p:nvGrpSpPr>
+      <p:grpSpPr>
+        <a:xfrm>
+          <a:off x="0" y="0"/>
+          <a:ext cx="0" cy="0"/>
+          <a:chOff x="0" y="0"/>
+          <a:chExt cx="0" cy="0"/>
+        </a:xfrm>
+      </p:grpSpPr>
+      <p:sp>
+        <p:nvSpPr>
+          <p:cNvPr id="2" name="Text Placeholder 1"/>
+          <p:cNvSpPr>
+            <a:spLocks noGrp="1"/>
+          </p:cNvSpPr>
+          <p:nvPr>
+            <p:ph type="body" sz="quarter" idx="10"/>
+          </p:nvPr>
+        </p:nvSpPr>
+        <p:spPr/>
+        <p:txBody>
+          <a:bodyPr/>
+          <a:lstStyle/>
+          <a:p>
+            <a:r>
+              <a:rPr lang="en-US" dirty="0" smtClean="0"/>
+              <a:t>The curse of dimensionality</a:t>
+            </a:r>
+            <a:endParaRPr lang="en-US" dirty="0"/>
+          </a:p>
+        </p:txBody>
+      </p:sp>
+      <p:pic>
+        <p:nvPicPr>
+          <p:cNvPr id="12" name="Picture 11"/>
+          <p:cNvPicPr>
+            <a:picLocks noChangeAspect="1"/>
+          </p:cNvPicPr>
+          <p:nvPr/>
+        </p:nvPicPr>
+        <p:blipFill>
+          <a:blip r:embed="rId2"/>
+          <a:stretch>
+            <a:fillRect/>
+          </a:stretch>
+        </p:blipFill>
+        <p:spPr>
+          <a:xfrm>
+            <a:off x="2278748" y="1843618"/>
+            <a:ext cx="4970679" cy="3602079"/>
+          </a:xfrm>
+          <a:prstGeom prst="rect">
+            <a:avLst/>
+          </a:prstGeom>
+        </p:spPr>
+      </p:pic>
+      <p:sp>
+        <p:nvSpPr>
+          <p:cNvPr id="7" name="TextBox 6"/>
+          <p:cNvSpPr txBox="1"/>
+          <p:nvPr/>
+        </p:nvSpPr>
+        <p:spPr>
+          <a:xfrm>
+            <a:off x="323887" y="6261652"/>
+            <a:ext cx="4157035" cy="369332"/>
+          </a:xfrm>
+          <a:prstGeom prst="rect">
+            <a:avLst/>
+          </a:prstGeom>
+          <a:noFill/>
+        </p:spPr>
+        <p:txBody>
+          <a:bodyPr wrap="none" rtlCol="0">
+            <a:spAutoFit/>
+          </a:bodyPr>
+          <a:lstStyle/>
+          <a:p>
+            <a:r>
+              <a:rPr lang="en-US" dirty="0" smtClean="0"/>
+              <a:t>Figure 2.6, </a:t>
+            </a:r>
+            <a:r>
+              <a:rPr lang="en-US" b="1" dirty="0"/>
+              <a:t>E</a:t>
+            </a:r>
+            <a:r>
+              <a:rPr lang="en-US" b="1" dirty="0" smtClean="0"/>
+              <a:t>lements</a:t>
+            </a:r>
+            <a:r>
+              <a:rPr lang="en-US" dirty="0" smtClean="0"/>
+              <a:t> </a:t>
+            </a:r>
+            <a:r>
+              <a:rPr lang="en-US" smtClean="0"/>
+              <a:t>of Statistical Learning</a:t>
+            </a:r>
+            <a:endParaRPr lang="en-US" dirty="0"/>
+          </a:p>
+        </p:txBody>
+      </p:sp>
+    </p:spTree>
+    <p:extLst>
+      <p:ext uri="{BB962C8B-B14F-4D97-AF65-F5344CB8AC3E}">
+        <p14:creationId xmlns:p14="http://schemas.microsoft.com/office/powerpoint/2010/main" val="1868113761"/>
+      </p:ext>
+    </p:extLst>
+  </p:cSld>
+  <p:clrMapOvr>
+    <a:masterClrMapping/>
+  </p:clrMapOvr>
+  <p:timing>
+    <p:tnLst>
+      <p:par>
+        <p:cTn id="1" dur="indefinite" restart="never" nodeType="tmRoot"/>
+      </p:par>
+    </p:tnLst>
+  </p:timing>
+</p:sld>
+</file>
+
+<file path=ppt/slides/slide2.xml><?xml version="1.0" encoding="utf-8"?>
+<p:sld xmlns:a="http://schemas.openxmlformats.org/drawingml/2006/main" xmlns:r="http://schemas.openxmlformats.org/officeDocument/2006/relationships" xmlns:p="http://schemas.openxmlformats.org/presentationml/2006/main">
+  <p:cSld>
+    <p:spTree>
+      <p:nvGrpSpPr>
+        <p:cNvPr id="1" name=""/>
+        <p:cNvGrpSpPr/>
+        <p:nvPr/>
+      </p:nvGrpSpPr>
+      <p:grpSpPr>
+        <a:xfrm>
+          <a:off x="0" y="0"/>
+          <a:ext cx="0" cy="0"/>
+          <a:chOff x="0" y="0"/>
+          <a:chExt cx="0" cy="0"/>
+        </a:xfrm>
+      </p:grpSpPr>
+      <p:sp>
+        <p:nvSpPr>
+          <p:cNvPr id="2" name="Text Placeholder 1"/>
+          <p:cNvSpPr>
+            <a:spLocks noGrp="1"/>
+          </p:cNvSpPr>
+          <p:nvPr>
+            <p:ph type="body" sz="quarter" idx="10"/>
+          </p:nvPr>
+        </p:nvSpPr>
+        <p:spPr/>
+        <p:txBody>
+          <a:bodyPr/>
+          <a:lstStyle/>
+          <a:p>
+            <a:r>
+              <a:rPr lang="en-US" dirty="0" smtClean="0"/>
+              <a:t>Outline</a:t>
+            </a:r>
+            <a:endParaRPr lang="en-US" dirty="0"/>
+          </a:p>
+        </p:txBody>
+      </p:sp>
+      <p:sp>
+        <p:nvSpPr>
+          <p:cNvPr id="3" name="Text Placeholder 2"/>
+          <p:cNvSpPr>
+            <a:spLocks noGrp="1"/>
+          </p:cNvSpPr>
+          <p:nvPr>
+            <p:ph type="body" sz="quarter" idx="11"/>
+          </p:nvPr>
+        </p:nvSpPr>
+        <p:spPr/>
+        <p:txBody>
+          <a:bodyPr/>
+          <a:lstStyle/>
+          <a:p>
+            <a:r>
+              <a:rPr lang="en-US" dirty="0" smtClean="0"/>
+              <a:t>Quick review from last time </a:t>
+            </a:r>
+          </a:p>
+          <a:p>
+            <a:r>
+              <a:rPr lang="en-US" dirty="0" smtClean="0"/>
+              <a:t>Finish </a:t>
+            </a:r>
+            <a:r>
+              <a:rPr lang="en-US" dirty="0"/>
+              <a:t>r</a:t>
+            </a:r>
+            <a:r>
+              <a:rPr lang="en-US" dirty="0" smtClean="0"/>
+              <a:t>esampling methods </a:t>
+            </a:r>
+            <a:endParaRPr lang="en-US" dirty="0"/>
+          </a:p>
+          <a:p>
+            <a:pPr lvl="1"/>
+            <a:r>
+              <a:rPr lang="en-US" dirty="0" smtClean="0"/>
+              <a:t>Cross-validation</a:t>
+            </a:r>
+          </a:p>
+          <a:p>
+            <a:r>
+              <a:rPr lang="en-US" dirty="0" smtClean="0"/>
+              <a:t>Linear model selection / regularization </a:t>
+            </a:r>
+          </a:p>
+          <a:p>
+            <a:pPr lvl="1"/>
+            <a:r>
+              <a:rPr lang="en-US" dirty="0" smtClean="0"/>
+              <a:t>Subset selection </a:t>
+            </a:r>
+          </a:p>
+          <a:p>
+            <a:pPr lvl="1"/>
+            <a:r>
+              <a:rPr lang="en-US" dirty="0" smtClean="0"/>
+              <a:t>Ridge regression</a:t>
+            </a:r>
+          </a:p>
+          <a:p>
+            <a:pPr lvl="1"/>
+            <a:r>
+              <a:rPr lang="en-US" dirty="0" smtClean="0"/>
+              <a:t>LASSO regression </a:t>
+            </a:r>
+          </a:p>
+          <a:p>
+            <a:pPr lvl="1"/>
+            <a:r>
+              <a:rPr lang="en-US" dirty="0" smtClean="0"/>
+              <a:t>Python </a:t>
+            </a:r>
+          </a:p>
+          <a:p>
+            <a:r>
+              <a:rPr lang="en-US" dirty="0" smtClean="0"/>
+              <a:t>Wrap up</a:t>
+            </a:r>
+          </a:p>
+        </p:txBody>
+      </p:sp>
+    </p:spTree>
+    <p:extLst>
+      <p:ext uri="{BB962C8B-B14F-4D97-AF65-F5344CB8AC3E}">
+        <p14:creationId xmlns:p14="http://schemas.microsoft.com/office/powerpoint/2010/main" val="1180807777"/>
+      </p:ext>
+    </p:extLst>
+  </p:cSld>
+  <p:clrMapOvr>
+    <a:masterClrMapping/>
+  </p:clrMapOvr>
+  <p:timing>
+    <p:tnLst>
+      <p:par>
+        <p:cTn id="1" dur="indefinite" restart="never" nodeType="tmRoot"/>
+      </p:par>
+    </p:tnLst>
+  </p:timing>
+</p:sld>
+</file>
+
+<file path=ppt/slides/slide20.xml><?xml version="1.0" encoding="utf-8"?>
+<p:sld xmlns:a="http://schemas.openxmlformats.org/drawingml/2006/main" xmlns:r="http://schemas.openxmlformats.org/officeDocument/2006/relationships" xmlns:p="http://schemas.openxmlformats.org/presentationml/2006/main">
+  <p:cSld>
+    <p:spTree>
+      <p:nvGrpSpPr>
+        <p:cNvPr id="1" name=""/>
+        <p:cNvGrpSpPr/>
+        <p:nvPr/>
+      </p:nvGrpSpPr>
+      <p:grpSpPr>
+        <a:xfrm>
+          <a:off x="0" y="0"/>
+          <a:ext cx="0" cy="0"/>
+          <a:chOff x="0" y="0"/>
+          <a:chExt cx="0" cy="0"/>
+        </a:xfrm>
+      </p:grpSpPr>
+      <p:sp>
+        <p:nvSpPr>
+          <p:cNvPr id="2" name="Text Placeholder 1"/>
+          <p:cNvSpPr>
+            <a:spLocks noGrp="1"/>
+          </p:cNvSpPr>
+          <p:nvPr>
+            <p:ph type="body" sz="quarter" idx="10"/>
+          </p:nvPr>
+        </p:nvSpPr>
+        <p:spPr/>
+        <p:txBody>
+          <a:bodyPr/>
+          <a:lstStyle/>
+          <a:p>
+            <a:r>
+              <a:rPr lang="en-US" dirty="0" smtClean="0"/>
+              <a:t>Three approaches to building a smaller model (ISL, p 204)</a:t>
+            </a:r>
+            <a:endParaRPr lang="en-US" dirty="0"/>
+          </a:p>
+        </p:txBody>
+      </p:sp>
+      <p:sp>
+        <p:nvSpPr>
+          <p:cNvPr id="3" name="Text Placeholder 2"/>
+          <p:cNvSpPr>
+            <a:spLocks noGrp="1"/>
+          </p:cNvSpPr>
+          <p:nvPr>
+            <p:ph type="body" sz="quarter" idx="11"/>
+          </p:nvPr>
+        </p:nvSpPr>
+        <p:spPr/>
+        <p:txBody>
+          <a:bodyPr/>
+          <a:lstStyle/>
+          <a:p>
+            <a:r>
+              <a:rPr lang="en-US" dirty="0" smtClean="0"/>
+              <a:t>Subset selection: </a:t>
+            </a:r>
+            <a:r>
+              <a:rPr lang="en-US" b="0" dirty="0" smtClean="0"/>
+              <a:t>Systematically search different models created with subsets of all possible P values for an adequate model</a:t>
+            </a:r>
+          </a:p>
+          <a:p>
+            <a:r>
+              <a:rPr lang="en-US" dirty="0" smtClean="0"/>
+              <a:t>Regularization (shrinkage): </a:t>
+            </a:r>
+            <a:r>
+              <a:rPr lang="en-US" b="0" dirty="0" smtClean="0"/>
+              <a:t>Fit a model w/all P values, but use a different error penalty to force coefficients to be smaller </a:t>
+            </a:r>
+          </a:p>
+          <a:p>
+            <a:r>
+              <a:rPr lang="en-US" dirty="0" smtClean="0"/>
+              <a:t>Dimensional reduction: </a:t>
+            </a:r>
+            <a:r>
+              <a:rPr lang="en-US" b="0" dirty="0" smtClean="0"/>
+              <a:t>Fit a model with a reduced number of coarse parameters that represent subsets of groups of P’s</a:t>
+            </a:r>
+            <a:endParaRPr lang="en-US" dirty="0"/>
+          </a:p>
+        </p:txBody>
+      </p:sp>
+    </p:spTree>
+    <p:extLst>
+      <p:ext uri="{BB962C8B-B14F-4D97-AF65-F5344CB8AC3E}">
+        <p14:creationId xmlns:p14="http://schemas.microsoft.com/office/powerpoint/2010/main" val="1758615605"/>
+      </p:ext>
+    </p:extLst>
+  </p:cSld>
+  <p:clrMapOvr>
+    <a:masterClrMapping/>
+  </p:clrMapOvr>
+  <p:timing>
+    <p:tnLst>
+      <p:par>
+        <p:cTn id="1" dur="indefinite" restart="never" nodeType="tmRoot"/>
+      </p:par>
+    </p:tnLst>
+  </p:timing>
+</p:sld>
+</file>
+
+<file path=ppt/slides/slide21.xml><?xml version="1.0" encoding="utf-8"?>
+<p:sld xmlns:a="http://schemas.openxmlformats.org/drawingml/2006/main" xmlns:r="http://schemas.openxmlformats.org/officeDocument/2006/relationships" xmlns:p="http://schemas.openxmlformats.org/presentationml/2006/main">
+  <p:cSld>
+    <p:spTree>
+      <p:nvGrpSpPr>
+        <p:cNvPr id="1" name=""/>
+        <p:cNvGrpSpPr/>
+        <p:nvPr/>
+      </p:nvGrpSpPr>
+      <p:grpSpPr>
+        <a:xfrm>
+          <a:off x="0" y="0"/>
+          <a:ext cx="0" cy="0"/>
+          <a:chOff x="0" y="0"/>
+          <a:chExt cx="0" cy="0"/>
+        </a:xfrm>
+      </p:grpSpPr>
+      <p:sp>
+        <p:nvSpPr>
+          <p:cNvPr id="2" name="Text Placeholder 1"/>
+          <p:cNvSpPr>
+            <a:spLocks noGrp="1"/>
+          </p:cNvSpPr>
+          <p:nvPr>
+            <p:ph type="body" sz="quarter" idx="10"/>
+          </p:nvPr>
+        </p:nvSpPr>
+        <p:spPr/>
+        <p:txBody>
+          <a:bodyPr/>
+          <a:lstStyle/>
+          <a:p>
+            <a:r>
+              <a:rPr lang="en-US" dirty="0" smtClean="0"/>
               <a:t>Subset selection: algorithms and challenges</a:t>
             </a:r>
             <a:endParaRPr lang="en-US" dirty="0"/>
           </a:p>
         </p:txBody>
       </p:sp>
-      <mc:AlternateContent xmlns:mc="http://schemas.openxmlformats.org/markup-compatibility/2006" xmlns:a14="http://schemas.microsoft.com/office/drawing/2010/main">
-        <mc:Choice Requires="a14">
+      <mc:AlternateContent xmlns:mc="http://schemas.openxmlformats.org/markup-compatibility/2006">
+        <mc:Choice xmlns:a14="http://schemas.microsoft.com/office/drawing/2010/main" Requires="a14">
           <p:sp>
             <p:nvSpPr>
               <p:cNvPr id="3" name="Text Placeholder 2"/>
@@ -4957,14 +5867,41 @@
                 <a:pPr lvl="1"/>
                 <a:r>
                   <a:rPr lang="en-US" dirty="0" smtClean="0"/>
-                  <a:t>Subset selection algorithms are discussed in detail in section 6.1</a:t>
+                  <a:t>Best subset </a:t>
+                </a:r>
+                <a:r>
+                  <a:rPr lang="en-US" dirty="0" smtClean="0"/>
+                  <a:t>selection </a:t>
+                </a:r>
+                <a:r>
+                  <a:rPr lang="en-US" dirty="0" smtClean="0"/>
+                  <a:t>algorithms</a:t>
                 </a:r>
               </a:p>
               <a:p>
                 <a:pPr lvl="2"/>
                 <a:r>
                   <a:rPr lang="en-US" dirty="0" smtClean="0"/>
-                  <a:t>Big picture takeaway:  for </a:t>
+                  <a:t>Brute force is brutal, 2</a:t>
+                </a:r>
+                <a:r>
+                  <a:rPr lang="en-US" i="1" baseline="30000" dirty="0" smtClean="0"/>
+                  <a:t>p</a:t>
+                </a:r>
+                <a:r>
+                  <a:rPr lang="en-US" dirty="0" smtClean="0"/>
+                  <a:t> models to be computed</a:t>
+                </a:r>
+              </a:p>
+              <a:p>
+                <a:pPr lvl="2"/>
+                <a:r>
+                  <a:rPr lang="en-US" dirty="0" smtClean="0"/>
+                  <a:t>Big </a:t>
+                </a:r>
+                <a:r>
+                  <a:rPr lang="en-US" dirty="0" smtClean="0"/>
+                  <a:t>picture takeaway:  for </a:t>
                 </a:r>
                 <a:r>
                   <a:rPr lang="en-US" b="0" i="1" dirty="0" smtClean="0">
@@ -5038,27 +5975,29 @@
                 </a:r>
                 <a:r>
                   <a:rPr lang="en-US" b="0" dirty="0" smtClean="0"/>
-                  <a:t>computationally intractable </a:t>
+                  <a:t>computationally </a:t>
+                </a:r>
+                <a:r>
+                  <a:rPr lang="en-US" b="0" dirty="0" smtClean="0"/>
+                  <a:t>intractable. </a:t>
                 </a:r>
               </a:p>
               <a:p>
-                <a:pPr lvl="2"/>
+                <a:pPr lvl="1"/>
                 <a:r>
                   <a:rPr lang="en-US" dirty="0" smtClean="0"/>
-                  <a:t>Algorithms 6.2 and 6.3 describe the forward/backward selection algorithms</a:t>
+                  <a:t>If we give up on “best” and go for “good”</a:t>
                 </a:r>
-              </a:p>
-              <a:p>
                 <a:r>
-                  <a:rPr lang="en-US" dirty="0" smtClean="0"/>
-                  <a:t>How do you compare different algorithms trained with different numbers of parameters?</a:t>
+                  <a:rPr lang="mr-IN" dirty="0" smtClean="0"/>
+                  <a:t>…</a:t>
                 </a:r>
-                <a:endParaRPr lang="en-US" dirty="0"/>
+                <a:endParaRPr lang="en-US" dirty="0" smtClean="0"/>
               </a:p>
             </p:txBody>
           </p:sp>
         </mc:Choice>
-        <mc:Fallback xmlns="">
+        <mc:Fallback>
           <p:sp>
             <p:nvSpPr>
               <p:cNvPr id="3" name="Text Placeholder 2"/>
@@ -5073,7 +6012,7 @@
               <a:blipFill rotWithShape="0">
                 <a:blip r:embed="rId2"/>
                 <a:stretch>
-                  <a:fillRect l="-1115" t="-1366" r="-595" b="-13050"/>
+                  <a:fillRect l="-1115" t="-1214" r="-743"/>
                 </a:stretch>
               </a:blipFill>
             </p:spPr>
@@ -5112,7 +6051,364 @@
 </p:sld>
 </file>
 
-<file path=ppt/slides/slide18.xml><?xml version="1.0" encoding="utf-8"?>
+<file path=ppt/slides/slide22.xml><?xml version="1.0" encoding="utf-8"?>
+<p:sld xmlns:a="http://schemas.openxmlformats.org/drawingml/2006/main" xmlns:r="http://schemas.openxmlformats.org/officeDocument/2006/relationships" xmlns:p="http://schemas.openxmlformats.org/presentationml/2006/main">
+  <p:cSld>
+    <p:spTree>
+      <p:nvGrpSpPr>
+        <p:cNvPr id="1" name=""/>
+        <p:cNvGrpSpPr/>
+        <p:nvPr/>
+      </p:nvGrpSpPr>
+      <p:grpSpPr>
+        <a:xfrm>
+          <a:off x="0" y="0"/>
+          <a:ext cx="0" cy="0"/>
+          <a:chOff x="0" y="0"/>
+          <a:chExt cx="0" cy="0"/>
+        </a:xfrm>
+      </p:grpSpPr>
+      <p:sp>
+        <p:nvSpPr>
+          <p:cNvPr id="2" name="Text Placeholder 1"/>
+          <p:cNvSpPr>
+            <a:spLocks noGrp="1"/>
+          </p:cNvSpPr>
+          <p:nvPr>
+            <p:ph type="body" sz="quarter" idx="10"/>
+          </p:nvPr>
+        </p:nvSpPr>
+        <p:spPr/>
+        <p:txBody>
+          <a:bodyPr/>
+          <a:lstStyle/>
+          <a:p>
+            <a:r>
+              <a:rPr lang="en-US" dirty="0" smtClean="0"/>
+              <a:t>Subset selection: algorithms and challenges</a:t>
+            </a:r>
+            <a:endParaRPr lang="en-US" dirty="0"/>
+          </a:p>
+        </p:txBody>
+      </p:sp>
+      <p:sp>
+        <p:nvSpPr>
+          <p:cNvPr id="4" name="Text Placeholder 3"/>
+          <p:cNvSpPr>
+            <a:spLocks noGrp="1"/>
+          </p:cNvSpPr>
+          <p:nvPr>
+            <p:ph type="body" sz="quarter" idx="11"/>
+          </p:nvPr>
+        </p:nvSpPr>
+        <p:spPr/>
+        <p:txBody>
+          <a:bodyPr/>
+          <a:lstStyle/>
+          <a:p>
+            <a:r>
+              <a:rPr lang="en-US" dirty="0" smtClean="0"/>
+              <a:t>Example forward stepwise selection</a:t>
+            </a:r>
+          </a:p>
+          <a:p>
+            <a:endParaRPr lang="en-US" dirty="0"/>
+          </a:p>
+          <a:p>
+            <a:endParaRPr lang="en-US" dirty="0" smtClean="0"/>
+          </a:p>
+          <a:p>
+            <a:endParaRPr lang="en-US" dirty="0"/>
+          </a:p>
+          <a:p>
+            <a:endParaRPr lang="en-US" dirty="0" smtClean="0"/>
+          </a:p>
+          <a:p>
+            <a:endParaRPr lang="en-US" dirty="0"/>
+          </a:p>
+          <a:p>
+            <a:endParaRPr lang="en-US" dirty="0" smtClean="0"/>
+          </a:p>
+          <a:p>
+            <a:endParaRPr lang="en-US" dirty="0"/>
+          </a:p>
+          <a:p>
+            <a:r>
+              <a:rPr lang="en-US" dirty="0" smtClean="0"/>
+              <a:t>When p=20, requires fitting only 211 models vs. brute force’s </a:t>
+            </a:r>
+            <a:r>
+              <a:rPr lang="en-US" dirty="0"/>
+              <a:t> 1, 048, 576 models</a:t>
+            </a:r>
+          </a:p>
+          <a:p>
+            <a:endParaRPr lang="en-US" dirty="0"/>
+          </a:p>
+        </p:txBody>
+      </p:sp>
+      <p:pic>
+        <p:nvPicPr>
+          <p:cNvPr id="5" name="Picture 4"/>
+          <p:cNvPicPr>
+            <a:picLocks noChangeAspect="1"/>
+          </p:cNvPicPr>
+          <p:nvPr/>
+        </p:nvPicPr>
+        <p:blipFill>
+          <a:blip r:embed="rId2"/>
+          <a:stretch>
+            <a:fillRect/>
+          </a:stretch>
+        </p:blipFill>
+        <p:spPr>
+          <a:xfrm>
+            <a:off x="1290310" y="2106173"/>
+            <a:ext cx="6934200" cy="3276600"/>
+          </a:xfrm>
+          <a:prstGeom prst="rect">
+            <a:avLst/>
+          </a:prstGeom>
+        </p:spPr>
+      </p:pic>
+    </p:spTree>
+    <p:extLst>
+      <p:ext uri="{BB962C8B-B14F-4D97-AF65-F5344CB8AC3E}">
+        <p14:creationId xmlns:p14="http://schemas.microsoft.com/office/powerpoint/2010/main" val="1743484513"/>
+      </p:ext>
+    </p:extLst>
+  </p:cSld>
+  <p:clrMapOvr>
+    <a:masterClrMapping/>
+  </p:clrMapOvr>
+  <p:timing>
+    <p:tnLst>
+      <p:par>
+        <p:cTn id="1" dur="indefinite" restart="never" nodeType="tmRoot"/>
+      </p:par>
+    </p:tnLst>
+  </p:timing>
+</p:sld>
+</file>
+
+<file path=ppt/slides/slide23.xml><?xml version="1.0" encoding="utf-8"?>
+<p:sld xmlns:a="http://schemas.openxmlformats.org/drawingml/2006/main" xmlns:r="http://schemas.openxmlformats.org/officeDocument/2006/relationships" xmlns:p="http://schemas.openxmlformats.org/presentationml/2006/main">
+  <p:cSld>
+    <p:spTree>
+      <p:nvGrpSpPr>
+        <p:cNvPr id="1" name=""/>
+        <p:cNvGrpSpPr/>
+        <p:nvPr/>
+      </p:nvGrpSpPr>
+      <p:grpSpPr>
+        <a:xfrm>
+          <a:off x="0" y="0"/>
+          <a:ext cx="0" cy="0"/>
+          <a:chOff x="0" y="0"/>
+          <a:chExt cx="0" cy="0"/>
+        </a:xfrm>
+      </p:grpSpPr>
+      <p:sp>
+        <p:nvSpPr>
+          <p:cNvPr id="2" name="Text Placeholder 1"/>
+          <p:cNvSpPr>
+            <a:spLocks noGrp="1"/>
+          </p:cNvSpPr>
+          <p:nvPr>
+            <p:ph type="body" sz="quarter" idx="10"/>
+          </p:nvPr>
+        </p:nvSpPr>
+        <p:spPr/>
+        <p:txBody>
+          <a:bodyPr/>
+          <a:lstStyle/>
+          <a:p>
+            <a:r>
+              <a:rPr lang="en-US" dirty="0" smtClean="0"/>
+              <a:t>Subset selection: algorithms and challenges</a:t>
+            </a:r>
+            <a:endParaRPr lang="en-US" dirty="0"/>
+          </a:p>
+        </p:txBody>
+      </p:sp>
+      <p:sp>
+        <p:nvSpPr>
+          <p:cNvPr id="4" name="Text Placeholder 3"/>
+          <p:cNvSpPr>
+            <a:spLocks noGrp="1"/>
+          </p:cNvSpPr>
+          <p:nvPr>
+            <p:ph type="body" sz="quarter" idx="11"/>
+          </p:nvPr>
+        </p:nvSpPr>
+        <p:spPr/>
+        <p:txBody>
+          <a:bodyPr/>
+          <a:lstStyle/>
+          <a:p>
+            <a:r>
+              <a:rPr lang="en-US" dirty="0"/>
+              <a:t>Example </a:t>
+            </a:r>
+            <a:r>
+              <a:rPr lang="en-US" dirty="0" smtClean="0"/>
+              <a:t>backward stepwise </a:t>
+            </a:r>
+            <a:r>
+              <a:rPr lang="en-US" dirty="0"/>
+              <a:t>selection</a:t>
+            </a:r>
+          </a:p>
+          <a:p>
+            <a:endParaRPr lang="en-US" dirty="0"/>
+          </a:p>
+          <a:p>
+            <a:endParaRPr lang="en-US" dirty="0"/>
+          </a:p>
+          <a:p>
+            <a:endParaRPr lang="en-US" dirty="0"/>
+          </a:p>
+          <a:p>
+            <a:endParaRPr lang="en-US" dirty="0"/>
+          </a:p>
+          <a:p>
+            <a:endParaRPr lang="en-US" dirty="0"/>
+          </a:p>
+          <a:p>
+            <a:endParaRPr lang="en-US" dirty="0"/>
+          </a:p>
+          <a:p>
+            <a:endParaRPr lang="en-US" dirty="0"/>
+          </a:p>
+          <a:p>
+            <a:r>
+              <a:rPr lang="en-US" dirty="0" smtClean="0"/>
+              <a:t>Requires n &gt; p (forward has no such requirement, why?)</a:t>
+            </a:r>
+            <a:endParaRPr lang="en-US" dirty="0"/>
+          </a:p>
+          <a:p>
+            <a:endParaRPr lang="en-US" dirty="0"/>
+          </a:p>
+        </p:txBody>
+      </p:sp>
+      <p:pic>
+        <p:nvPicPr>
+          <p:cNvPr id="5" name="Picture 4"/>
+          <p:cNvPicPr>
+            <a:picLocks noChangeAspect="1"/>
+          </p:cNvPicPr>
+          <p:nvPr/>
+        </p:nvPicPr>
+        <p:blipFill>
+          <a:blip r:embed="rId2"/>
+          <a:stretch>
+            <a:fillRect/>
+          </a:stretch>
+        </p:blipFill>
+        <p:spPr>
+          <a:xfrm>
+            <a:off x="1233160" y="2125223"/>
+            <a:ext cx="7048500" cy="3238500"/>
+          </a:xfrm>
+          <a:prstGeom prst="rect">
+            <a:avLst/>
+          </a:prstGeom>
+        </p:spPr>
+      </p:pic>
+      <p:sp>
+        <p:nvSpPr>
+          <p:cNvPr id="6" name="Rectangle 5"/>
+          <p:cNvSpPr/>
+          <p:nvPr/>
+        </p:nvSpPr>
+        <p:spPr>
+          <a:xfrm>
+            <a:off x="1233160" y="5956054"/>
+            <a:ext cx="5607625" cy="646331"/>
+          </a:xfrm>
+          <a:prstGeom prst="rect">
+            <a:avLst/>
+          </a:prstGeom>
+        </p:spPr>
+        <p:txBody>
+          <a:bodyPr wrap="none">
+            <a:spAutoFit/>
+          </a:bodyPr>
+          <a:lstStyle/>
+          <a:p>
+            <a:r>
+              <a:rPr lang="en-US" dirty="0" smtClean="0">
+                <a:latin typeface="Helvetica" charset="0"/>
+              </a:rPr>
+              <a:t>Number of models for brute force: 2^p</a:t>
+            </a:r>
+          </a:p>
+          <a:p>
+            <a:r>
+              <a:rPr lang="en-US" dirty="0" smtClean="0">
+                <a:latin typeface="Helvetica" charset="0"/>
+              </a:rPr>
+              <a:t>Number of models for both algorithms:</a:t>
+            </a:r>
+            <a:r>
+              <a:rPr lang="mr-IN" dirty="0">
+                <a:latin typeface="Helvetica" charset="0"/>
+              </a:rPr>
+              <a:t> </a:t>
+            </a:r>
+            <a:r>
+              <a:rPr lang="mr-IN" dirty="0" smtClean="0">
+                <a:latin typeface="Helvetica" charset="0"/>
+              </a:rPr>
+              <a:t>1+p(</a:t>
+            </a:r>
+            <a:r>
+              <a:rPr lang="mr-IN" dirty="0" err="1" smtClean="0">
+                <a:latin typeface="Helvetica" charset="0"/>
+              </a:rPr>
+              <a:t>p</a:t>
+            </a:r>
+            <a:r>
+              <a:rPr lang="mr-IN" dirty="0" smtClean="0">
+                <a:latin typeface="Helvetica" charset="0"/>
+              </a:rPr>
+              <a:t> </a:t>
+            </a:r>
+            <a:r>
+              <a:rPr lang="mr-IN" dirty="0">
+                <a:latin typeface="Helvetica" charset="0"/>
+              </a:rPr>
+              <a:t>+1)/ 2</a:t>
+            </a:r>
+            <a:endParaRPr lang="mr-IN" dirty="0">
+              <a:effectLst/>
+              <a:latin typeface="Helvetica" charset="0"/>
+            </a:endParaRPr>
+          </a:p>
+        </p:txBody>
+      </p:sp>
+    </p:spTree>
+    <p:extLst>
+      <p:ext uri="{BB962C8B-B14F-4D97-AF65-F5344CB8AC3E}">
+        <p14:creationId xmlns:p14="http://schemas.microsoft.com/office/powerpoint/2010/main" val="329846676"/>
+      </p:ext>
+    </p:extLst>
+  </p:cSld>
+  <p:clrMapOvr>
+    <a:masterClrMapping/>
+  </p:clrMapOvr>
+  <p:timing>
+    <p:tnLst>
+      <p:par>
+        <p:cTn id="1" dur="indefinite" restart="never" nodeType="tmRoot"/>
+      </p:par>
+    </p:tnLst>
+  </p:timing>
+</p:sld>
+</file>
+
+<file path=ppt/slides/slide24.xml><?xml version="1.0" encoding="utf-8"?>
 <p:sld xmlns:a="http://schemas.openxmlformats.org/drawingml/2006/main" xmlns:r="http://schemas.openxmlformats.org/officeDocument/2006/relationships" xmlns:p="http://schemas.openxmlformats.org/presentationml/2006/main">
   <p:cSld>
     <p:spTree>
@@ -5254,7 +6550,7 @@
 </p:sld>
 </file>
 
-<file path=ppt/slides/slide19.xml><?xml version="1.0" encoding="utf-8"?>
+<file path=ppt/slides/slide25.xml><?xml version="1.0" encoding="utf-8"?>
 <p:sld xmlns:a="http://schemas.openxmlformats.org/drawingml/2006/main" xmlns:r="http://schemas.openxmlformats.org/officeDocument/2006/relationships" xmlns:p="http://schemas.openxmlformats.org/presentationml/2006/main">
   <p:cSld>
     <p:spTree>
@@ -5318,8 +6614,8 @@
           </a:p>
         </p:txBody>
       </p:sp>
-      <mc:AlternateContent xmlns:mc="http://schemas.openxmlformats.org/markup-compatibility/2006" xmlns:a14="http://schemas.microsoft.com/office/drawing/2010/main">
-        <mc:Choice Requires="a14">
+      <mc:AlternateContent xmlns:mc="http://schemas.openxmlformats.org/markup-compatibility/2006">
+        <mc:Choice xmlns:a14="http://schemas.microsoft.com/office/drawing/2010/main" Requires="a14">
           <p:sp>
             <p:nvSpPr>
               <p:cNvPr id="3" name="Text Placeholder 2"/>
@@ -5419,7 +6715,15 @@
                 </a:r>
                 <a:r>
                   <a:rPr lang="en-US" dirty="0" smtClean="0"/>
-                  <a:t>: Baseline, adds penalty for more fit </a:t>
+                  <a:t>: Baseline, adds </a:t>
+                </a:r>
+                <a:r>
+                  <a:rPr lang="en-US" dirty="0" smtClean="0"/>
+                  <a:t>penalty component </a:t>
+                </a:r>
+                <a:r>
+                  <a:rPr lang="en-US" dirty="0" smtClean="0"/>
+                  <a:t>for more fit </a:t>
                 </a:r>
                 <a:r>
                   <a:rPr lang="en-US" dirty="0" err="1" smtClean="0"/>
@@ -5480,7 +6784,7 @@
             </p:txBody>
           </p:sp>
         </mc:Choice>
-        <mc:Fallback xmlns="">
+        <mc:Fallback>
           <p:sp>
             <p:nvSpPr>
               <p:cNvPr id="3" name="Text Placeholder 2"/>
@@ -5495,7 +6799,7 @@
               <a:blipFill rotWithShape="0">
                 <a:blip r:embed="rId3"/>
                 <a:stretch>
-                  <a:fillRect l="-1115" t="-1366" b="-15326"/>
+                  <a:fillRect l="-1115" t="-1214" r="-297" b="-15326"/>
                 </a:stretch>
               </a:blipFill>
             </p:spPr>
@@ -5605,151 +6909,7 @@
 </p:sld>
 </file>
 
-<file path=ppt/slides/slide2.xml><?xml version="1.0" encoding="utf-8"?>
-<p:sld xmlns:a="http://schemas.openxmlformats.org/drawingml/2006/main" xmlns:r="http://schemas.openxmlformats.org/officeDocument/2006/relationships" xmlns:p="http://schemas.openxmlformats.org/presentationml/2006/main">
-  <p:cSld>
-    <p:spTree>
-      <p:nvGrpSpPr>
-        <p:cNvPr id="1" name=""/>
-        <p:cNvGrpSpPr/>
-        <p:nvPr/>
-      </p:nvGrpSpPr>
-      <p:grpSpPr>
-        <a:xfrm>
-          <a:off x="0" y="0"/>
-          <a:ext cx="0" cy="0"/>
-          <a:chOff x="0" y="0"/>
-          <a:chExt cx="0" cy="0"/>
-        </a:xfrm>
-      </p:grpSpPr>
-      <p:sp>
-        <p:nvSpPr>
-          <p:cNvPr id="2" name="Text Placeholder 1"/>
-          <p:cNvSpPr>
-            <a:spLocks noGrp="1"/>
-          </p:cNvSpPr>
-          <p:nvPr>
-            <p:ph type="body" sz="quarter" idx="10"/>
-          </p:nvPr>
-        </p:nvSpPr>
-        <p:spPr/>
-        <p:txBody>
-          <a:bodyPr/>
-          <a:lstStyle/>
-          <a:p>
-            <a:r>
-              <a:rPr lang="en-US" dirty="0" smtClean="0"/>
-              <a:t>Outline</a:t>
-            </a:r>
-            <a:endParaRPr lang="en-US" dirty="0"/>
-          </a:p>
-        </p:txBody>
-      </p:sp>
-      <p:sp>
-        <p:nvSpPr>
-          <p:cNvPr id="3" name="Text Placeholder 2"/>
-          <p:cNvSpPr>
-            <a:spLocks noGrp="1"/>
-          </p:cNvSpPr>
-          <p:nvPr>
-            <p:ph type="body" sz="quarter" idx="11"/>
-          </p:nvPr>
-        </p:nvSpPr>
-        <p:spPr/>
-        <p:txBody>
-          <a:bodyPr/>
-          <a:lstStyle/>
-          <a:p>
-            <a:r>
-              <a:rPr lang="en-US" dirty="0" smtClean="0"/>
-              <a:t>Quick review from last time </a:t>
-            </a:r>
-          </a:p>
-          <a:p>
-            <a:r>
-              <a:rPr lang="en-US" dirty="0" smtClean="0"/>
-              <a:t>Finish </a:t>
-            </a:r>
-            <a:r>
-              <a:rPr lang="en-US" dirty="0"/>
-              <a:t>r</a:t>
-            </a:r>
-            <a:r>
-              <a:rPr lang="en-US" dirty="0" smtClean="0"/>
-              <a:t>esampling methods </a:t>
-            </a:r>
-            <a:endParaRPr lang="en-US" dirty="0"/>
-          </a:p>
-          <a:p>
-            <a:pPr lvl="1"/>
-            <a:r>
-              <a:rPr lang="en-US" dirty="0" smtClean="0"/>
-              <a:t>Cross-validation</a:t>
-            </a:r>
-          </a:p>
-          <a:p>
-            <a:r>
-              <a:rPr lang="en-US" dirty="0" smtClean="0"/>
-              <a:t>Linear model selection / regularization </a:t>
-            </a:r>
-          </a:p>
-          <a:p>
-            <a:pPr lvl="1"/>
-            <a:r>
-              <a:rPr lang="en-US" dirty="0" smtClean="0"/>
-              <a:t>Subset selection </a:t>
-            </a:r>
-          </a:p>
-          <a:p>
-            <a:pPr lvl="1"/>
-            <a:r>
-              <a:rPr lang="en-US" dirty="0" smtClean="0"/>
-              <a:t>Ridge regression</a:t>
-            </a:r>
-          </a:p>
-          <a:p>
-            <a:pPr lvl="1"/>
-            <a:r>
-              <a:rPr lang="en-US" dirty="0" smtClean="0"/>
-              <a:t>LASSO regression </a:t>
-            </a:r>
-          </a:p>
-          <a:p>
-            <a:pPr lvl="1"/>
-            <a:r>
-              <a:rPr lang="en-US" dirty="0" smtClean="0"/>
-              <a:t>Python </a:t>
-            </a:r>
-          </a:p>
-          <a:p>
-            <a:r>
-              <a:rPr lang="en-US" dirty="0" smtClean="0"/>
-              <a:t>Wrap up</a:t>
-            </a:r>
-          </a:p>
-        </p:txBody>
-      </p:sp>
-    </p:spTree>
-    <p:extLst>
-      <p:ext uri="{BB962C8B-B14F-4D97-AF65-F5344CB8AC3E}">
-        <p14:creationId xmlns:p14="http://schemas.microsoft.com/office/powerpoint/2010/main" val="1180807777"/>
-      </p:ext>
-    </p:extLst>
-  </p:cSld>
-  <p:clrMapOvr>
-    <a:masterClrMapping/>
-  </p:clrMapOvr>
-  <p:timing>
-    <p:tnLst>
-      <p:par>
-        <p:cTn id="1" dur="indefinite" restart="never" nodeType="tmRoot"/>
-      </p:par>
-    </p:tnLst>
-  </p:timing>
-</p:sld>
-</file>
-
-<file path=ppt/slides/slide20.xml><?xml version="1.0" encoding="utf-8"?>
+<file path=ppt/slides/slide26.xml><?xml version="1.0" encoding="utf-8"?>
 <p:sld xmlns:a="http://schemas.openxmlformats.org/drawingml/2006/main" xmlns:r="http://schemas.openxmlformats.org/officeDocument/2006/relationships" xmlns:p="http://schemas.openxmlformats.org/presentationml/2006/main">
   <p:cSld>
     <p:spTree>
@@ -5873,7 +7033,7 @@
 </p:sld>
 </file>
 
-<file path=ppt/slides/slide21.xml><?xml version="1.0" encoding="utf-8"?>
+<file path=ppt/slides/slide27.xml><?xml version="1.0" encoding="utf-8"?>
 <p:sld xmlns:a="http://schemas.openxmlformats.org/drawingml/2006/main" xmlns:r="http://schemas.openxmlformats.org/officeDocument/2006/relationships" xmlns:p="http://schemas.openxmlformats.org/presentationml/2006/main">
   <p:cSld>
     <p:spTree>
@@ -6031,7 +7191,7 @@
 </p:sld>
 </file>
 
-<file path=ppt/slides/slide22.xml><?xml version="1.0" encoding="utf-8"?>
+<file path=ppt/slides/slide28.xml><?xml version="1.0" encoding="utf-8"?>
 <p:sld xmlns:a="http://schemas.openxmlformats.org/drawingml/2006/main" xmlns:r="http://schemas.openxmlformats.org/officeDocument/2006/relationships" xmlns:p="http://schemas.openxmlformats.org/presentationml/2006/main">
   <p:cSld>
     <p:spTree>
@@ -6226,7 +7386,7 @@
 </p:sld>
 </file>
 
-<file path=ppt/slides/slide23.xml><?xml version="1.0" encoding="utf-8"?>
+<file path=ppt/slides/slide29.xml><?xml version="1.0" encoding="utf-8"?>
 <p:sld xmlns:a="http://schemas.openxmlformats.org/drawingml/2006/main" xmlns:r="http://schemas.openxmlformats.org/officeDocument/2006/relationships" xmlns:p="http://schemas.openxmlformats.org/presentationml/2006/main">
   <p:cSld>
     <p:spTree>
@@ -6397,7 +7557,174 @@
 </p:sld>
 </file>
 
-<file path=ppt/slides/slide24.xml><?xml version="1.0" encoding="utf-8"?>
+<file path=ppt/slides/slide3.xml><?xml version="1.0" encoding="utf-8"?>
+<p:sld xmlns:a="http://schemas.openxmlformats.org/drawingml/2006/main" xmlns:r="http://schemas.openxmlformats.org/officeDocument/2006/relationships" xmlns:p="http://schemas.openxmlformats.org/presentationml/2006/main">
+  <p:cSld>
+    <p:spTree>
+      <p:nvGrpSpPr>
+        <p:cNvPr id="1" name=""/>
+        <p:cNvGrpSpPr/>
+        <p:nvPr/>
+      </p:nvGrpSpPr>
+      <p:grpSpPr>
+        <a:xfrm>
+          <a:off x="0" y="0"/>
+          <a:ext cx="0" cy="0"/>
+          <a:chOff x="0" y="0"/>
+          <a:chExt cx="0" cy="0"/>
+        </a:xfrm>
+      </p:grpSpPr>
+      <p:sp>
+        <p:nvSpPr>
+          <p:cNvPr id="2" name="Text Placeholder 1"/>
+          <p:cNvSpPr>
+            <a:spLocks noGrp="1"/>
+          </p:cNvSpPr>
+          <p:nvPr>
+            <p:ph type="body" sz="quarter" idx="10"/>
+          </p:nvPr>
+        </p:nvSpPr>
+        <p:spPr/>
+        <p:txBody>
+          <a:bodyPr/>
+          <a:lstStyle/>
+          <a:p>
+            <a:r>
+              <a:rPr lang="en-US" dirty="0" smtClean="0"/>
+              <a:t>Topics last time </a:t>
+            </a:r>
+            <a:endParaRPr lang="en-US" dirty="0"/>
+          </a:p>
+        </p:txBody>
+      </p:sp>
+      <p:sp>
+        <p:nvSpPr>
+          <p:cNvPr id="3" name="Text Placeholder 2"/>
+          <p:cNvSpPr>
+            <a:spLocks noGrp="1"/>
+          </p:cNvSpPr>
+          <p:nvPr>
+            <p:ph type="body" sz="quarter" idx="11"/>
+          </p:nvPr>
+        </p:nvSpPr>
+        <p:spPr/>
+        <p:txBody>
+          <a:bodyPr/>
+          <a:lstStyle/>
+          <a:p>
+            <a:r>
+              <a:rPr lang="en-US" dirty="0" smtClean="0"/>
+              <a:t>Error in regression models</a:t>
+            </a:r>
+          </a:p>
+          <a:p>
+            <a:r>
+              <a:rPr lang="en-US" dirty="0" smtClean="0"/>
+              <a:t>Multiple regression</a:t>
+            </a:r>
+          </a:p>
+          <a:p>
+            <a:pPr lvl="1"/>
+            <a:r>
+              <a:rPr lang="en-US" dirty="0" smtClean="0"/>
+              <a:t>Python example</a:t>
+            </a:r>
+          </a:p>
+          <a:p>
+            <a:r>
+              <a:rPr lang="en-US" dirty="0" smtClean="0"/>
+              <a:t>Bootstrap and cross validation</a:t>
+            </a:r>
+            <a:endParaRPr lang="en-US" dirty="0"/>
+          </a:p>
+        </p:txBody>
+      </p:sp>
+      <p:sp>
+        <p:nvSpPr>
+          <p:cNvPr id="4" name="TextBox 3"/>
+          <p:cNvSpPr txBox="1"/>
+          <p:nvPr/>
+        </p:nvSpPr>
+        <p:spPr>
+          <a:xfrm>
+            <a:off x="1661371" y="3744473"/>
+            <a:ext cx="6192078" cy="2031325"/>
+          </a:xfrm>
+          <a:prstGeom prst="rect">
+            <a:avLst/>
+          </a:prstGeom>
+          <a:noFill/>
+          <a:ln>
+            <a:solidFill>
+              <a:schemeClr val="accent1"/>
+            </a:solidFill>
+          </a:ln>
+        </p:spPr>
+        <p:txBody>
+          <a:bodyPr wrap="square" rtlCol="0">
+            <a:spAutoFit/>
+          </a:bodyPr>
+          <a:lstStyle/>
+          <a:p>
+            <a:r>
+              <a:rPr lang="en-US" u="sng" dirty="0" smtClean="0"/>
+              <a:t>Big picture concepts: </a:t>
+            </a:r>
+          </a:p>
+          <a:p>
+            <a:pPr marL="285750" indent="-285750">
+              <a:buFont typeface="Arial" charset="0"/>
+              <a:buChar char="•"/>
+            </a:pPr>
+            <a:r>
+              <a:rPr lang="en-US" dirty="0" smtClean="0"/>
+              <a:t>The training error (e.g., RSS) will always be lower than the validation set or test set error </a:t>
+            </a:r>
+          </a:p>
+          <a:p>
+            <a:pPr marL="285750" indent="-285750">
+              <a:buFont typeface="Arial" charset="0"/>
+              <a:buChar char="•"/>
+            </a:pPr>
+            <a:r>
+              <a:rPr lang="en-US" dirty="0" smtClean="0"/>
+              <a:t>Increasing the number of parameters (given P &lt; N), always decreases the training error</a:t>
+            </a:r>
+          </a:p>
+          <a:p>
+            <a:pPr marL="285750" indent="-285750">
+              <a:buFont typeface="Arial" charset="0"/>
+              <a:buChar char="•"/>
+            </a:pPr>
+            <a:r>
+              <a:rPr lang="en-US" dirty="0" smtClean="0"/>
+              <a:t>The bias/variance tradeoff emerges when we have to make decisions about how much data to withhold for validation </a:t>
+            </a:r>
+            <a:endParaRPr lang="en-US" dirty="0"/>
+          </a:p>
+        </p:txBody>
+      </p:sp>
+    </p:spTree>
+    <p:extLst>
+      <p:ext uri="{BB962C8B-B14F-4D97-AF65-F5344CB8AC3E}">
+        <p14:creationId xmlns:p14="http://schemas.microsoft.com/office/powerpoint/2010/main" val="750925783"/>
+      </p:ext>
+    </p:extLst>
+  </p:cSld>
+  <p:clrMapOvr>
+    <a:masterClrMapping/>
+  </p:clrMapOvr>
+  <p:timing>
+    <p:tnLst>
+      <p:par>
+        <p:cTn id="1" dur="indefinite" restart="never" nodeType="tmRoot"/>
+      </p:par>
+    </p:tnLst>
+  </p:timing>
+</p:sld>
+</file>
+
+<file path=ppt/slides/slide30.xml><?xml version="1.0" encoding="utf-8"?>
 <p:sld xmlns:a="http://schemas.openxmlformats.org/drawingml/2006/main" xmlns:r="http://schemas.openxmlformats.org/officeDocument/2006/relationships" xmlns:p="http://schemas.openxmlformats.org/presentationml/2006/main">
   <p:cSld>
     <p:spTree>
@@ -6571,7 +7898,7 @@
 </p:sld>
 </file>
 
-<file path=ppt/slides/slide25.xml><?xml version="1.0" encoding="utf-8"?>
+<file path=ppt/slides/slide31.xml><?xml version="1.0" encoding="utf-8"?>
 <p:sld xmlns:a="http://schemas.openxmlformats.org/drawingml/2006/main" xmlns:r="http://schemas.openxmlformats.org/officeDocument/2006/relationships" xmlns:p="http://schemas.openxmlformats.org/presentationml/2006/main">
   <p:cSld>
     <p:spTree>
@@ -6649,7 +7976,15 @@
             </a:r>
             <a:r>
               <a:rPr lang="en-US" dirty="0" smtClean="0"/>
-              <a:t>, the response data must be normalized in regularization methods:</a:t>
+              <a:t>, the </a:t>
+            </a:r>
+            <a:r>
+              <a:rPr lang="en-US" dirty="0" smtClean="0"/>
+              <a:t>predictor data </a:t>
+            </a:r>
+            <a:r>
+              <a:rPr lang="en-US" dirty="0" smtClean="0"/>
+              <a:t>must be normalized in regularization methods:</a:t>
             </a:r>
           </a:p>
           <a:p>
@@ -6761,7 +8096,7 @@
 </p:sld>
 </file>
 
-<file path=ppt/slides/slide26.xml><?xml version="1.0" encoding="utf-8"?>
+<file path=ppt/slides/slide32.xml><?xml version="1.0" encoding="utf-8"?>
 <p:sld xmlns:a="http://schemas.openxmlformats.org/drawingml/2006/main" xmlns:r="http://schemas.openxmlformats.org/officeDocument/2006/relationships" xmlns:p="http://schemas.openxmlformats.org/presentationml/2006/main">
   <p:cSld>
     <p:spTree>
@@ -6825,6 +8160,188 @@
           </a:prstGeom>
         </p:spPr>
       </p:pic>
+      <p:pic>
+        <p:nvPicPr>
+          <p:cNvPr id="3" name="Picture 2"/>
+          <p:cNvPicPr>
+            <a:picLocks noChangeAspect="1"/>
+          </p:cNvPicPr>
+          <p:nvPr/>
+        </p:nvPicPr>
+        <p:blipFill>
+          <a:blip r:embed="rId3"/>
+          <a:stretch>
+            <a:fillRect/>
+          </a:stretch>
+        </p:blipFill>
+        <p:spPr>
+          <a:xfrm>
+            <a:off x="288636" y="5657052"/>
+            <a:ext cx="1168400" cy="304800"/>
+          </a:xfrm>
+          <a:prstGeom prst="rect">
+            <a:avLst/>
+          </a:prstGeom>
+        </p:spPr>
+      </p:pic>
+      <p:pic>
+        <p:nvPicPr>
+          <p:cNvPr id="5" name="Picture 4"/>
+          <p:cNvPicPr>
+            <a:picLocks noChangeAspect="1"/>
+          </p:cNvPicPr>
+          <p:nvPr/>
+        </p:nvPicPr>
+        <p:blipFill>
+          <a:blip r:embed="rId4"/>
+          <a:stretch>
+            <a:fillRect/>
+          </a:stretch>
+        </p:blipFill>
+        <p:spPr>
+          <a:xfrm>
+            <a:off x="288636" y="6027671"/>
+            <a:ext cx="203200" cy="304800"/>
+          </a:xfrm>
+          <a:prstGeom prst="rect">
+            <a:avLst/>
+          </a:prstGeom>
+        </p:spPr>
+      </p:pic>
+      <p:sp>
+        <p:nvSpPr>
+          <p:cNvPr id="6" name="TextBox 5"/>
+          <p:cNvSpPr txBox="1"/>
+          <p:nvPr/>
+        </p:nvSpPr>
+        <p:spPr>
+          <a:xfrm>
+            <a:off x="491836" y="5959342"/>
+            <a:ext cx="6885709" cy="369332"/>
+          </a:xfrm>
+          <a:prstGeom prst="rect">
+            <a:avLst/>
+          </a:prstGeom>
+          <a:noFill/>
+        </p:spPr>
+        <p:txBody>
+          <a:bodyPr wrap="square" rtlCol="0">
+            <a:spAutoFit/>
+          </a:bodyPr>
+          <a:lstStyle/>
+          <a:p>
+            <a:r>
+              <a:rPr lang="en-US" dirty="0" smtClean="0"/>
+              <a:t>= vector of least squares coefficient estimates</a:t>
+            </a:r>
+            <a:endParaRPr lang="en-US" dirty="0"/>
+          </a:p>
+        </p:txBody>
+      </p:sp>
+      <p:pic>
+        <p:nvPicPr>
+          <p:cNvPr id="7" name="Picture 6"/>
+          <p:cNvPicPr>
+            <a:picLocks noChangeAspect="1"/>
+          </p:cNvPicPr>
+          <p:nvPr/>
+        </p:nvPicPr>
+        <p:blipFill>
+          <a:blip r:embed="rId5"/>
+          <a:stretch>
+            <a:fillRect/>
+          </a:stretch>
+        </p:blipFill>
+        <p:spPr>
+          <a:xfrm>
+            <a:off x="178378" y="6264142"/>
+            <a:ext cx="1943100" cy="444500"/>
+          </a:xfrm>
+          <a:prstGeom prst="rect">
+            <a:avLst/>
+          </a:prstGeom>
+        </p:spPr>
+      </p:pic>
+      <p:sp>
+        <p:nvSpPr>
+          <p:cNvPr id="9" name="TextBox 8"/>
+          <p:cNvSpPr txBox="1"/>
+          <p:nvPr/>
+        </p:nvSpPr>
+        <p:spPr>
+          <a:xfrm>
+            <a:off x="1970710" y="6328674"/>
+            <a:ext cx="6885709" cy="369332"/>
+          </a:xfrm>
+          <a:prstGeom prst="rect">
+            <a:avLst/>
+          </a:prstGeom>
+          <a:noFill/>
+        </p:spPr>
+        <p:txBody>
+          <a:bodyPr wrap="square" rtlCol="0">
+            <a:spAutoFit/>
+          </a:bodyPr>
+          <a:lstStyle/>
+          <a:p>
+            <a:r>
+              <a:rPr lang="en-US" dirty="0" smtClean="0"/>
+              <a:t>l</a:t>
+            </a:r>
+            <a:r>
+              <a:rPr lang="en-US" baseline="-25000" dirty="0" smtClean="0"/>
+              <a:t>2</a:t>
+            </a:r>
+            <a:r>
+              <a:rPr lang="en-US" dirty="0" smtClean="0"/>
+              <a:t> norm (distance of </a:t>
+            </a:r>
+            <a:r>
+              <a:rPr lang="en-US" i="1" dirty="0" smtClean="0"/>
+              <a:t>β </a:t>
+            </a:r>
+            <a:r>
+              <a:rPr lang="en-US" dirty="0" smtClean="0"/>
+              <a:t>from 0)</a:t>
+            </a:r>
+            <a:endParaRPr lang="en-US" dirty="0"/>
+          </a:p>
+        </p:txBody>
+      </p:sp>
+      <p:sp>
+        <p:nvSpPr>
+          <p:cNvPr id="10" name="TextBox 9"/>
+          <p:cNvSpPr txBox="1"/>
+          <p:nvPr/>
+        </p:nvSpPr>
+        <p:spPr>
+          <a:xfrm>
+            <a:off x="1457036" y="5586213"/>
+            <a:ext cx="7839364" cy="369332"/>
+          </a:xfrm>
+          <a:prstGeom prst="rect">
+            <a:avLst/>
+          </a:prstGeom>
+          <a:noFill/>
+        </p:spPr>
+        <p:txBody>
+          <a:bodyPr wrap="square" rtlCol="0">
+            <a:spAutoFit/>
+          </a:bodyPr>
+          <a:lstStyle/>
+          <a:p>
+            <a:r>
+              <a:rPr lang="en-US" dirty="0" smtClean="0"/>
+              <a:t>= amount coefficients have been driven to 0 (smaller = </a:t>
+            </a:r>
+            <a:r>
+              <a:rPr lang="en-US" smtClean="0"/>
+              <a:t>more regularization)</a:t>
+            </a:r>
+            <a:endParaRPr lang="en-US" dirty="0"/>
+          </a:p>
+        </p:txBody>
+      </p:sp>
     </p:spTree>
     <p:extLst>
       <p:ext uri="{BB962C8B-B14F-4D97-AF65-F5344CB8AC3E}">
@@ -6838,14 +8355,85 @@
   <p:timing>
     <p:tnLst>
       <p:par>
-        <p:cTn id="1" dur="indefinite" restart="never" nodeType="tmRoot"/>
+        <p:cTn id="1" dur="indefinite" restart="never" nodeType="tmRoot">
+          <p:childTnLst>
+            <p:seq concurrent="1" nextAc="seek">
+              <p:cTn id="2" dur="indefinite" nodeType="mainSeq">
+                <p:childTnLst>
+                  <p:par>
+                    <p:cTn id="3" fill="hold">
+                      <p:stCondLst>
+                        <p:cond delay="indefinite"/>
+                      </p:stCondLst>
+                      <p:childTnLst>
+                        <p:par>
+                          <p:cTn id="4" fill="hold">
+                            <p:stCondLst>
+                              <p:cond delay="0"/>
+                            </p:stCondLst>
+                            <p:childTnLst>
+                              <p:par>
+                                <p:cTn id="5" presetID="1" presetClass="entr" presetSubtype="0" fill="hold" grpId="0" nodeType="clickEffect">
+                                  <p:stCondLst>
+                                    <p:cond delay="0"/>
+                                  </p:stCondLst>
+                                  <p:childTnLst>
+                                    <p:set>
+                                      <p:cBhvr>
+                                        <p:cTn id="6" dur="1" fill="hold">
+                                          <p:stCondLst>
+                                            <p:cond delay="0"/>
+                                          </p:stCondLst>
+                                        </p:cTn>
+                                        <p:tgtEl>
+                                          <p:spTgt spid="10"/>
+                                        </p:tgtEl>
+                                        <p:attrNameLst>
+                                          <p:attrName>style.visibility</p:attrName>
+                                        </p:attrNameLst>
+                                      </p:cBhvr>
+                                      <p:to>
+                                        <p:strVal val="visible"/>
+                                      </p:to>
+                                    </p:set>
+                                  </p:childTnLst>
+                                </p:cTn>
+                              </p:par>
+                            </p:childTnLst>
+                          </p:cTn>
+                        </p:par>
+                      </p:childTnLst>
+                    </p:cTn>
+                  </p:par>
+                </p:childTnLst>
+              </p:cTn>
+              <p:prevCondLst>
+                <p:cond evt="onPrev" delay="0">
+                  <p:tgtEl>
+                    <p:sldTgt/>
+                  </p:tgtEl>
+                </p:cond>
+              </p:prevCondLst>
+              <p:nextCondLst>
+                <p:cond evt="onNext" delay="0">
+                  <p:tgtEl>
+                    <p:sldTgt/>
+                  </p:tgtEl>
+                </p:cond>
+              </p:nextCondLst>
+            </p:seq>
+          </p:childTnLst>
+        </p:cTn>
       </p:par>
     </p:tnLst>
+    <p:bldLst>
+      <p:bldP spid="10" grpId="0"/>
+    </p:bldLst>
   </p:timing>
 </p:sld>
 </file>
 
-<file path=ppt/slides/slide27.xml><?xml version="1.0" encoding="utf-8"?>
+<file path=ppt/slides/slide33.xml><?xml version="1.0" encoding="utf-8"?>
 <p:sld xmlns:a="http://schemas.openxmlformats.org/drawingml/2006/main" xmlns:r="http://schemas.openxmlformats.org/officeDocument/2006/relationships" xmlns:p="http://schemas.openxmlformats.org/presentationml/2006/main">
   <p:cSld>
     <p:spTree>
@@ -6929,7 +8517,7 @@
 </p:sld>
 </file>
 
-<file path=ppt/slides/slide28.xml><?xml version="1.0" encoding="utf-8"?>
+<file path=ppt/slides/slide34.xml><?xml version="1.0" encoding="utf-8"?>
 <p:sld xmlns:a="http://schemas.openxmlformats.org/drawingml/2006/main" xmlns:r="http://schemas.openxmlformats.org/officeDocument/2006/relationships" xmlns:p="http://schemas.openxmlformats.org/presentationml/2006/main">
   <p:cSld>
     <p:spTree>
@@ -6963,7 +8551,7 @@
           <a:p>
             <a:r>
               <a:rPr lang="en-US" dirty="0" smtClean="0"/>
-              <a:t>LASSO regression </a:t>
+              <a:t>Ridge in practice</a:t>
             </a:r>
             <a:endParaRPr lang="en-US" dirty="0"/>
           </a:p>
@@ -6979,15 +8567,467 @@
             <p:ph type="body" sz="quarter" idx="11"/>
           </p:nvPr>
         </p:nvSpPr>
-        <p:spPr/>
+        <p:spPr>
+          <a:xfrm>
+            <a:off x="659304" y="1736725"/>
+            <a:ext cx="8352615" cy="4015497"/>
+          </a:xfrm>
+        </p:spPr>
         <p:txBody>
           <a:bodyPr/>
           <a:lstStyle/>
           <a:p>
+            <a:pPr marL="457200" indent="-457200">
+              <a:buFont typeface="+mj-lt"/>
+              <a:buAutoNum type="arabicPeriod"/>
+            </a:pPr>
+            <a:r>
+              <a:rPr lang="en-US" dirty="0" smtClean="0"/>
+              <a:t>When 𝛌 = 0, Ridge = linear regression</a:t>
+            </a:r>
+          </a:p>
+          <a:p>
+            <a:pPr marL="857250" lvl="1" indent="-457200">
+              <a:buFont typeface="+mj-lt"/>
+              <a:buAutoNum type="arabicPeriod"/>
+            </a:pPr>
+            <a:r>
+              <a:rPr lang="en-US" dirty="0" smtClean="0"/>
+              <a:t>Variance is high, but there is no bias</a:t>
+            </a:r>
+          </a:p>
+          <a:p>
+            <a:pPr marL="457200" indent="-457200">
+              <a:buFont typeface="+mj-lt"/>
+              <a:buAutoNum type="arabicPeriod"/>
+            </a:pPr>
+            <a:r>
+              <a:rPr lang="en-US" dirty="0" smtClean="0"/>
+              <a:t>As 𝛌 increases, the flexibility of the regression decreases</a:t>
+            </a:r>
+          </a:p>
+          <a:p>
+            <a:pPr marL="857250" lvl="1" indent="-457200">
+              <a:buFont typeface="+mj-lt"/>
+              <a:buAutoNum type="arabicPeriod"/>
+            </a:pPr>
+            <a:r>
+              <a:rPr lang="en-US" dirty="0" smtClean="0"/>
+              <a:t>Leads to decreased variance of prediction</a:t>
+            </a:r>
+          </a:p>
+          <a:p>
+            <a:pPr marL="857250" lvl="1" indent="-457200">
+              <a:buFont typeface="+mj-lt"/>
+              <a:buAutoNum type="arabicPeriod"/>
+            </a:pPr>
+            <a:r>
+              <a:rPr lang="en-US" dirty="0" smtClean="0"/>
+              <a:t>Increased bias</a:t>
+            </a:r>
+          </a:p>
+          <a:p>
+            <a:pPr marL="857250" lvl="1" indent="-457200">
+              <a:buFont typeface="+mj-lt"/>
+              <a:buAutoNum type="arabicPeriod"/>
+            </a:pPr>
+            <a:endParaRPr lang="en-US" dirty="0" smtClean="0"/>
+          </a:p>
+          <a:p>
+            <a:pPr marL="0" indent="0">
+              <a:buNone/>
+            </a:pPr>
+            <a:r>
+              <a:rPr lang="en-US" sz="1800" dirty="0" smtClean="0"/>
+              <a:t>The </a:t>
+            </a:r>
+            <a:r>
+              <a:rPr lang="en-US" sz="1800" b="0" dirty="0"/>
+              <a:t>variance</a:t>
+            </a:r>
+            <a:r>
+              <a:rPr lang="en-US" sz="1800" dirty="0"/>
+              <a:t> in the error shows us how much the error changes if we estimated f with a different set of </a:t>
+            </a:r>
+            <a:r>
+              <a:rPr lang="en-US" sz="1800" b="0" dirty="0"/>
+              <a:t>training data </a:t>
+            </a:r>
+            <a:r>
+              <a:rPr lang="en-US" sz="1800" dirty="0"/>
+              <a:t>(e.g., consider fit w/many splines)</a:t>
+            </a:r>
+          </a:p>
+          <a:p>
+            <a:pPr marL="0" indent="0">
+              <a:buNone/>
+            </a:pPr>
+            <a:r>
+              <a:rPr lang="en-US" sz="1800" dirty="0"/>
+              <a:t>The </a:t>
+            </a:r>
+            <a:r>
+              <a:rPr lang="en-US" sz="1800" b="0" dirty="0"/>
+              <a:t>bias </a:t>
+            </a:r>
+            <a:r>
+              <a:rPr lang="en-US" sz="1800" dirty="0"/>
+              <a:t>in the error shows us how much error is introduced by the simplicity of our model (e.g., curvy data w/linear fit) </a:t>
+            </a:r>
+          </a:p>
+          <a:p>
+            <a:pPr marL="0" indent="0">
+              <a:buNone/>
+            </a:pPr>
+            <a:endParaRPr lang="en-US" sz="1800" dirty="0" smtClean="0"/>
+          </a:p>
+          <a:p>
+            <a:pPr marL="857250" lvl="1" indent="-457200">
+              <a:buFont typeface="+mj-lt"/>
+              <a:buAutoNum type="arabicPeriod"/>
+            </a:pPr>
+            <a:endParaRPr lang="en-US" dirty="0"/>
+          </a:p>
+        </p:txBody>
+      </p:sp>
+      <p:pic>
+        <p:nvPicPr>
+          <p:cNvPr id="5" name="Picture 4"/>
+          <p:cNvPicPr>
+            <a:picLocks noChangeAspect="1"/>
+          </p:cNvPicPr>
+          <p:nvPr/>
+        </p:nvPicPr>
+        <p:blipFill>
+          <a:blip r:embed="rId2"/>
+          <a:stretch>
+            <a:fillRect/>
+          </a:stretch>
+        </p:blipFill>
+        <p:spPr>
+          <a:xfrm>
+            <a:off x="1862180" y="285820"/>
+            <a:ext cx="6362498" cy="579679"/>
+          </a:xfrm>
+          <a:prstGeom prst="rect">
+            <a:avLst/>
+          </a:prstGeom>
+        </p:spPr>
+      </p:pic>
+      <p:sp>
+        <p:nvSpPr>
+          <p:cNvPr id="6" name="TextBox 5"/>
+          <p:cNvSpPr txBox="1"/>
+          <p:nvPr/>
+        </p:nvSpPr>
+        <p:spPr>
+          <a:xfrm>
+            <a:off x="1262336" y="390993"/>
+            <a:ext cx="599844" cy="369332"/>
+          </a:xfrm>
+          <a:prstGeom prst="rect">
+            <a:avLst/>
+          </a:prstGeom>
+          <a:noFill/>
+        </p:spPr>
+        <p:txBody>
+          <a:bodyPr wrap="none" rtlCol="0">
+            <a:spAutoFit/>
+          </a:bodyPr>
+          <a:lstStyle/>
+          <a:p>
+            <a:r>
+              <a:rPr lang="en-US" smtClean="0"/>
+              <a:t>MSE</a:t>
+            </a:r>
+            <a:endParaRPr lang="en-US"/>
+          </a:p>
+        </p:txBody>
+      </p:sp>
+      <p:grpSp>
+        <p:nvGrpSpPr>
+          <p:cNvPr id="7" name="Group 6"/>
+          <p:cNvGrpSpPr>
+            <a:grpSpLocks noChangeAspect="1"/>
+          </p:cNvGrpSpPr>
+          <p:nvPr/>
+        </p:nvGrpSpPr>
+        <p:grpSpPr>
+          <a:xfrm>
+            <a:off x="7271306" y="850970"/>
+            <a:ext cx="1147923" cy="1771510"/>
+            <a:chOff x="674084" y="2438400"/>
+            <a:chExt cx="2302383" cy="3553107"/>
+          </a:xfrm>
+        </p:grpSpPr>
+        <p:pic>
+          <p:nvPicPr>
+            <p:cNvPr id="8" name="Picture 7"/>
+            <p:cNvPicPr>
+              <a:picLocks noChangeAspect="1"/>
+            </p:cNvPicPr>
+            <p:nvPr/>
+          </p:nvPicPr>
+          <p:blipFill rotWithShape="1">
+            <a:blip r:embed="rId3"/>
+            <a:srcRect r="70169"/>
+            <a:stretch/>
+          </p:blipFill>
+          <p:spPr>
+            <a:xfrm>
+              <a:off x="674084" y="2438400"/>
+              <a:ext cx="2293052" cy="3553107"/>
+            </a:xfrm>
+            <a:prstGeom prst="rect">
+              <a:avLst/>
+            </a:prstGeom>
+          </p:spPr>
+        </p:pic>
+        <p:pic>
+          <p:nvPicPr>
+            <p:cNvPr id="9" name="Picture 8"/>
+            <p:cNvPicPr>
+              <a:picLocks noChangeAspect="1"/>
+            </p:cNvPicPr>
+            <p:nvPr/>
+          </p:nvPicPr>
+          <p:blipFill rotWithShape="1">
+            <a:blip r:embed="rId3"/>
+            <a:srcRect l="89350" b="81355"/>
+            <a:stretch/>
+          </p:blipFill>
+          <p:spPr>
+            <a:xfrm>
+              <a:off x="2157842" y="2438400"/>
+              <a:ext cx="818625" cy="662473"/>
+            </a:xfrm>
+            <a:prstGeom prst="rect">
+              <a:avLst/>
+            </a:prstGeom>
+          </p:spPr>
+        </p:pic>
+      </p:grpSp>
+    </p:spTree>
+    <p:extLst>
+      <p:ext uri="{BB962C8B-B14F-4D97-AF65-F5344CB8AC3E}">
+        <p14:creationId xmlns:p14="http://schemas.microsoft.com/office/powerpoint/2010/main" val="1371750542"/>
+      </p:ext>
+    </p:extLst>
+  </p:cSld>
+  <p:clrMapOvr>
+    <a:masterClrMapping/>
+  </p:clrMapOvr>
+  <p:timing>
+    <p:tnLst>
+      <p:par>
+        <p:cTn id="1" dur="indefinite" restart="never" nodeType="tmRoot"/>
+      </p:par>
+    </p:tnLst>
+  </p:timing>
+</p:sld>
+</file>
+
+<file path=ppt/slides/slide35.xml><?xml version="1.0" encoding="utf-8"?>
+<p:sld xmlns:a="http://schemas.openxmlformats.org/drawingml/2006/main" xmlns:r="http://schemas.openxmlformats.org/officeDocument/2006/relationships" xmlns:p="http://schemas.openxmlformats.org/presentationml/2006/main">
+  <p:cSld>
+    <p:spTree>
+      <p:nvGrpSpPr>
+        <p:cNvPr id="1" name=""/>
+        <p:cNvGrpSpPr/>
+        <p:nvPr/>
+      </p:nvGrpSpPr>
+      <p:grpSpPr>
+        <a:xfrm>
+          <a:off x="0" y="0"/>
+          <a:ext cx="0" cy="0"/>
+          <a:chOff x="0" y="0"/>
+          <a:chExt cx="0" cy="0"/>
+        </a:xfrm>
+      </p:grpSpPr>
+      <p:sp>
+        <p:nvSpPr>
+          <p:cNvPr id="2" name="Text Placeholder 1"/>
+          <p:cNvSpPr>
+            <a:spLocks noGrp="1"/>
+          </p:cNvSpPr>
+          <p:nvPr>
+            <p:ph type="body" sz="quarter" idx="10"/>
+          </p:nvPr>
+        </p:nvSpPr>
+        <p:spPr/>
+        <p:txBody>
+          <a:bodyPr/>
+          <a:lstStyle/>
+          <a:p>
+            <a:r>
+              <a:rPr lang="en-US" dirty="0" smtClean="0"/>
+              <a:t>Ridge in practice</a:t>
+            </a:r>
+            <a:endParaRPr lang="en-US" dirty="0"/>
+          </a:p>
+        </p:txBody>
+      </p:sp>
+      <p:sp>
+        <p:nvSpPr>
+          <p:cNvPr id="3" name="Text Placeholder 2"/>
+          <p:cNvSpPr>
+            <a:spLocks noGrp="1"/>
+          </p:cNvSpPr>
+          <p:nvPr>
+            <p:ph type="body" sz="quarter" idx="11"/>
+          </p:nvPr>
+        </p:nvSpPr>
+        <p:spPr>
+          <a:xfrm>
+            <a:off x="659304" y="1736725"/>
+            <a:ext cx="8352615" cy="4015497"/>
+          </a:xfrm>
+        </p:spPr>
+        <p:txBody>
+          <a:bodyPr/>
+          <a:lstStyle/>
+          <a:p>
+            <a:pPr marL="457200" indent="-457200">
+              <a:buFont typeface="+mj-lt"/>
+              <a:buAutoNum type="arabicPeriod"/>
+            </a:pPr>
+            <a:r>
+              <a:rPr lang="en-US" dirty="0" smtClean="0"/>
+              <a:t>Ridge is more computational feasible than forward and reverse best subset</a:t>
+            </a:r>
+          </a:p>
+          <a:p>
+            <a:pPr marL="457200" indent="-457200">
+              <a:buFont typeface="+mj-lt"/>
+              <a:buAutoNum type="arabicPeriod"/>
+            </a:pPr>
+            <a:r>
+              <a:rPr lang="en-US" dirty="0" smtClean="0"/>
+              <a:t>Least squares linear regression can’t find a solution when n &lt; p, Ridge can</a:t>
+            </a:r>
+          </a:p>
+          <a:p>
+            <a:pPr marL="457200" indent="-457200">
+              <a:buFont typeface="+mj-lt"/>
+              <a:buAutoNum type="arabicPeriod"/>
+            </a:pPr>
+            <a:r>
+              <a:rPr lang="en-US" dirty="0" smtClean="0"/>
+              <a:t>Ridge works best when least squares estimates have high variance</a:t>
+            </a:r>
+          </a:p>
+          <a:p>
+            <a:pPr marL="457200" indent="-457200">
+              <a:buFont typeface="+mj-lt"/>
+              <a:buAutoNum type="arabicPeriod"/>
+            </a:pPr>
+            <a:endParaRPr lang="en-US" dirty="0" smtClean="0"/>
+          </a:p>
+          <a:p>
+            <a:pPr marL="857250" lvl="1" indent="-457200">
+              <a:buFont typeface="+mj-lt"/>
+              <a:buAutoNum type="arabicPeriod"/>
+            </a:pPr>
+            <a:endParaRPr lang="en-US" dirty="0"/>
+          </a:p>
+        </p:txBody>
+      </p:sp>
+    </p:spTree>
+    <p:extLst>
+      <p:ext uri="{BB962C8B-B14F-4D97-AF65-F5344CB8AC3E}">
+        <p14:creationId xmlns:p14="http://schemas.microsoft.com/office/powerpoint/2010/main" val="299987834"/>
+      </p:ext>
+    </p:extLst>
+  </p:cSld>
+  <p:clrMapOvr>
+    <a:masterClrMapping/>
+  </p:clrMapOvr>
+  <p:timing>
+    <p:tnLst>
+      <p:par>
+        <p:cTn id="1" dur="indefinite" restart="never" nodeType="tmRoot"/>
+      </p:par>
+    </p:tnLst>
+  </p:timing>
+</p:sld>
+</file>
+
+<file path=ppt/slides/slide36.xml><?xml version="1.0" encoding="utf-8"?>
+<p:sld xmlns:a="http://schemas.openxmlformats.org/drawingml/2006/main" xmlns:r="http://schemas.openxmlformats.org/officeDocument/2006/relationships" xmlns:p="http://schemas.openxmlformats.org/presentationml/2006/main">
+  <p:cSld>
+    <p:spTree>
+      <p:nvGrpSpPr>
+        <p:cNvPr id="1" name=""/>
+        <p:cNvGrpSpPr/>
+        <p:nvPr/>
+      </p:nvGrpSpPr>
+      <p:grpSpPr>
+        <a:xfrm>
+          <a:off x="0" y="0"/>
+          <a:ext cx="0" cy="0"/>
+          <a:chOff x="0" y="0"/>
+          <a:chExt cx="0" cy="0"/>
+        </a:xfrm>
+      </p:grpSpPr>
+      <p:sp>
+        <p:nvSpPr>
+          <p:cNvPr id="2" name="Text Placeholder 1"/>
+          <p:cNvSpPr>
+            <a:spLocks noGrp="1"/>
+          </p:cNvSpPr>
+          <p:nvPr>
+            <p:ph type="body" sz="quarter" idx="10"/>
+          </p:nvPr>
+        </p:nvSpPr>
+        <p:spPr/>
+        <p:txBody>
+          <a:bodyPr/>
+          <a:lstStyle/>
+          <a:p>
+            <a:r>
+              <a:rPr lang="en-US" dirty="0" smtClean="0"/>
+              <a:t>LASSO regression </a:t>
+            </a:r>
+            <a:endParaRPr lang="en-US" dirty="0"/>
+          </a:p>
+        </p:txBody>
+      </p:sp>
+      <p:sp>
+        <p:nvSpPr>
+          <p:cNvPr id="3" name="Text Placeholder 2"/>
+          <p:cNvSpPr>
+            <a:spLocks noGrp="1"/>
+          </p:cNvSpPr>
+          <p:nvPr>
+            <p:ph type="body" sz="quarter" idx="11"/>
+          </p:nvPr>
+        </p:nvSpPr>
+        <p:spPr/>
+        <p:txBody>
+          <a:bodyPr/>
+          <a:lstStyle/>
+          <a:p>
             <a:r>
               <a:rPr lang="en-US" dirty="0" smtClean="0"/>
               <a:t>Ridge regression does not set any of the coefficients exactly to zero but can shrink all of them </a:t>
             </a:r>
+            <a:endParaRPr lang="en-US" dirty="0" smtClean="0"/>
+          </a:p>
+          <a:p>
+            <a:pPr lvl="1"/>
+            <a:r>
+              <a:rPr lang="en-US" dirty="0" smtClean="0"/>
+              <a:t>Final model still includes all </a:t>
+            </a:r>
+            <a:r>
+              <a:rPr lang="en-US" i="1" dirty="0" smtClean="0"/>
+              <a:t>p</a:t>
+            </a:r>
+            <a:r>
+              <a:rPr lang="en-US" dirty="0" smtClean="0"/>
+              <a:t> predictors</a:t>
+            </a:r>
+            <a:endParaRPr lang="en-US" dirty="0" smtClean="0"/>
           </a:p>
           <a:p>
             <a:r>
@@ -7066,7 +9106,7 @@
 </p:sld>
 </file>
 
-<file path=ppt/slides/slide29.xml><?xml version="1.0" encoding="utf-8"?>
+<file path=ppt/slides/slide37.xml><?xml version="1.0" encoding="utf-8"?>
 <p:sld xmlns:a="http://schemas.openxmlformats.org/drawingml/2006/main" xmlns:r="http://schemas.openxmlformats.org/officeDocument/2006/relationships" xmlns:p="http://schemas.openxmlformats.org/presentationml/2006/main">
   <p:cSld>
     <p:spTree>
@@ -7197,174 +9237,7 @@
 </p:sld>
 </file>
 
-<file path=ppt/slides/slide3.xml><?xml version="1.0" encoding="utf-8"?>
-<p:sld xmlns:a="http://schemas.openxmlformats.org/drawingml/2006/main" xmlns:r="http://schemas.openxmlformats.org/officeDocument/2006/relationships" xmlns:p="http://schemas.openxmlformats.org/presentationml/2006/main">
-  <p:cSld>
-    <p:spTree>
-      <p:nvGrpSpPr>
-        <p:cNvPr id="1" name=""/>
-        <p:cNvGrpSpPr/>
-        <p:nvPr/>
-      </p:nvGrpSpPr>
-      <p:grpSpPr>
-        <a:xfrm>
-          <a:off x="0" y="0"/>
-          <a:ext cx="0" cy="0"/>
-          <a:chOff x="0" y="0"/>
-          <a:chExt cx="0" cy="0"/>
-        </a:xfrm>
-      </p:grpSpPr>
-      <p:sp>
-        <p:nvSpPr>
-          <p:cNvPr id="2" name="Text Placeholder 1"/>
-          <p:cNvSpPr>
-            <a:spLocks noGrp="1"/>
-          </p:cNvSpPr>
-          <p:nvPr>
-            <p:ph type="body" sz="quarter" idx="10"/>
-          </p:nvPr>
-        </p:nvSpPr>
-        <p:spPr/>
-        <p:txBody>
-          <a:bodyPr/>
-          <a:lstStyle/>
-          <a:p>
-            <a:r>
-              <a:rPr lang="en-US" dirty="0" smtClean="0"/>
-              <a:t>Topics last time </a:t>
-            </a:r>
-            <a:endParaRPr lang="en-US" dirty="0"/>
-          </a:p>
-        </p:txBody>
-      </p:sp>
-      <p:sp>
-        <p:nvSpPr>
-          <p:cNvPr id="3" name="Text Placeholder 2"/>
-          <p:cNvSpPr>
-            <a:spLocks noGrp="1"/>
-          </p:cNvSpPr>
-          <p:nvPr>
-            <p:ph type="body" sz="quarter" idx="11"/>
-          </p:nvPr>
-        </p:nvSpPr>
-        <p:spPr/>
-        <p:txBody>
-          <a:bodyPr/>
-          <a:lstStyle/>
-          <a:p>
-            <a:r>
-              <a:rPr lang="en-US" dirty="0" smtClean="0"/>
-              <a:t>Error in regression models</a:t>
-            </a:r>
-          </a:p>
-          <a:p>
-            <a:r>
-              <a:rPr lang="en-US" dirty="0" smtClean="0"/>
-              <a:t>Multiple regression</a:t>
-            </a:r>
-          </a:p>
-          <a:p>
-            <a:pPr lvl="1"/>
-            <a:r>
-              <a:rPr lang="en-US" dirty="0" smtClean="0"/>
-              <a:t>Python example</a:t>
-            </a:r>
-          </a:p>
-          <a:p>
-            <a:r>
-              <a:rPr lang="en-US" dirty="0" smtClean="0"/>
-              <a:t>Bootstrap and cross validation</a:t>
-            </a:r>
-            <a:endParaRPr lang="en-US" dirty="0"/>
-          </a:p>
-        </p:txBody>
-      </p:sp>
-      <p:sp>
-        <p:nvSpPr>
-          <p:cNvPr id="4" name="TextBox 3"/>
-          <p:cNvSpPr txBox="1"/>
-          <p:nvPr/>
-        </p:nvSpPr>
-        <p:spPr>
-          <a:xfrm>
-            <a:off x="1661371" y="3744473"/>
-            <a:ext cx="6192078" cy="2031325"/>
-          </a:xfrm>
-          <a:prstGeom prst="rect">
-            <a:avLst/>
-          </a:prstGeom>
-          <a:noFill/>
-          <a:ln>
-            <a:solidFill>
-              <a:schemeClr val="accent1"/>
-            </a:solidFill>
-          </a:ln>
-        </p:spPr>
-        <p:txBody>
-          <a:bodyPr wrap="square" rtlCol="0">
-            <a:spAutoFit/>
-          </a:bodyPr>
-          <a:lstStyle/>
-          <a:p>
-            <a:r>
-              <a:rPr lang="en-US" u="sng" dirty="0" smtClean="0"/>
-              <a:t>Big picture concepts: </a:t>
-            </a:r>
-          </a:p>
-          <a:p>
-            <a:pPr marL="285750" indent="-285750">
-              <a:buFont typeface="Arial" charset="0"/>
-              <a:buChar char="•"/>
-            </a:pPr>
-            <a:r>
-              <a:rPr lang="en-US" dirty="0" smtClean="0"/>
-              <a:t>The training error (e.g., RSS) will always be lower than the validation set or test set error </a:t>
-            </a:r>
-          </a:p>
-          <a:p>
-            <a:pPr marL="285750" indent="-285750">
-              <a:buFont typeface="Arial" charset="0"/>
-              <a:buChar char="•"/>
-            </a:pPr>
-            <a:r>
-              <a:rPr lang="en-US" dirty="0" smtClean="0"/>
-              <a:t>Increasing the number of parameters (given P &lt; N), always decreases the training error</a:t>
-            </a:r>
-          </a:p>
-          <a:p>
-            <a:pPr marL="285750" indent="-285750">
-              <a:buFont typeface="Arial" charset="0"/>
-              <a:buChar char="•"/>
-            </a:pPr>
-            <a:r>
-              <a:rPr lang="en-US" dirty="0" smtClean="0"/>
-              <a:t>The bias/variance tradeoff emerges when we have to make decisions about how much data to withhold for validation </a:t>
-            </a:r>
-            <a:endParaRPr lang="en-US" dirty="0"/>
-          </a:p>
-        </p:txBody>
-      </p:sp>
-    </p:spTree>
-    <p:extLst>
-      <p:ext uri="{BB962C8B-B14F-4D97-AF65-F5344CB8AC3E}">
-        <p14:creationId xmlns:p14="http://schemas.microsoft.com/office/powerpoint/2010/main" val="750925783"/>
-      </p:ext>
-    </p:extLst>
-  </p:cSld>
-  <p:clrMapOvr>
-    <a:masterClrMapping/>
-  </p:clrMapOvr>
-  <p:timing>
-    <p:tnLst>
-      <p:par>
-        <p:cTn id="1" dur="indefinite" restart="never" nodeType="tmRoot"/>
-      </p:par>
-    </p:tnLst>
-  </p:timing>
-</p:sld>
-</file>
-
-<file path=ppt/slides/slide30.xml><?xml version="1.0" encoding="utf-8"?>
+<file path=ppt/slides/slide38.xml><?xml version="1.0" encoding="utf-8"?>
 <p:sld xmlns:a="http://schemas.openxmlformats.org/drawingml/2006/main" xmlns:r="http://schemas.openxmlformats.org/officeDocument/2006/relationships" xmlns:p="http://schemas.openxmlformats.org/presentationml/2006/main">
   <p:cSld>
     <p:spTree>
@@ -7546,7 +9419,7 @@
 </p:sld>
 </file>
 
-<file path=ppt/slides/slide31.xml><?xml version="1.0" encoding="utf-8"?>
+<file path=ppt/slides/slide39.xml><?xml version="1.0" encoding="utf-8"?>
 <p:sld xmlns:a="http://schemas.openxmlformats.org/drawingml/2006/main" xmlns:r="http://schemas.openxmlformats.org/officeDocument/2006/relationships" xmlns:p="http://schemas.openxmlformats.org/presentationml/2006/main">
   <p:cSld>
     <p:spTree>
@@ -7631,159 +9504,6 @@
     <p:extLst>
       <p:ext uri="{BB962C8B-B14F-4D97-AF65-F5344CB8AC3E}">
         <p14:creationId xmlns:p14="http://schemas.microsoft.com/office/powerpoint/2010/main" val="1874518408"/>
-      </p:ext>
-    </p:extLst>
-  </p:cSld>
-  <p:clrMapOvr>
-    <a:masterClrMapping/>
-  </p:clrMapOvr>
-  <p:timing>
-    <p:tnLst>
-      <p:par>
-        <p:cTn id="1" dur="indefinite" restart="never" nodeType="tmRoot"/>
-      </p:par>
-    </p:tnLst>
-  </p:timing>
-</p:sld>
-</file>
-
-<file path=ppt/slides/slide32.xml><?xml version="1.0" encoding="utf-8"?>
-<p:sld xmlns:a="http://schemas.openxmlformats.org/drawingml/2006/main" xmlns:r="http://schemas.openxmlformats.org/officeDocument/2006/relationships" xmlns:p="http://schemas.openxmlformats.org/presentationml/2006/main">
-  <p:cSld>
-    <p:spTree>
-      <p:nvGrpSpPr>
-        <p:cNvPr id="1" name=""/>
-        <p:cNvGrpSpPr/>
-        <p:nvPr/>
-      </p:nvGrpSpPr>
-      <p:grpSpPr>
-        <a:xfrm>
-          <a:off x="0" y="0"/>
-          <a:ext cx="0" cy="0"/>
-          <a:chOff x="0" y="0"/>
-          <a:chExt cx="0" cy="0"/>
-        </a:xfrm>
-      </p:grpSpPr>
-      <p:sp>
-        <p:nvSpPr>
-          <p:cNvPr id="2" name="Text Placeholder 1"/>
-          <p:cNvSpPr>
-            <a:spLocks noGrp="1"/>
-          </p:cNvSpPr>
-          <p:nvPr>
-            <p:ph type="body" sz="quarter" idx="10"/>
-          </p:nvPr>
-        </p:nvSpPr>
-        <p:spPr/>
-        <p:txBody>
-          <a:bodyPr/>
-          <a:lstStyle/>
-          <a:p>
-            <a:r>
-              <a:rPr lang="en-US" dirty="0" smtClean="0"/>
-              <a:t>Wrap up</a:t>
-            </a:r>
-            <a:endParaRPr lang="en-US" dirty="0"/>
-          </a:p>
-        </p:txBody>
-      </p:sp>
-      <p:sp>
-        <p:nvSpPr>
-          <p:cNvPr id="3" name="Text Placeholder 2"/>
-          <p:cNvSpPr>
-            <a:spLocks noGrp="1"/>
-          </p:cNvSpPr>
-          <p:nvPr>
-            <p:ph type="body" sz="quarter" idx="11"/>
-          </p:nvPr>
-        </p:nvSpPr>
-        <p:spPr>
-          <a:xfrm>
-            <a:off x="659305" y="1736725"/>
-            <a:ext cx="8196210" cy="4614379"/>
-          </a:xfrm>
-        </p:spPr>
-        <p:txBody>
-          <a:bodyPr/>
-          <a:lstStyle/>
-          <a:p>
-            <a:r>
-              <a:rPr lang="en-US" dirty="0"/>
-              <a:t>Bootstrapping and cross-validation are near-universal in their applicability</a:t>
-            </a:r>
-            <a:r>
-              <a:rPr lang="mr-IN" dirty="0"/>
-              <a:t>…</a:t>
-            </a:r>
-            <a:endParaRPr lang="en-US" dirty="0"/>
-          </a:p>
-          <a:p>
-            <a:r>
-              <a:rPr lang="en-US" dirty="0" smtClean="0"/>
-              <a:t>Must understand different methods for dealing with large P models! </a:t>
-            </a:r>
-          </a:p>
-          <a:p>
-            <a:pPr lvl="1"/>
-            <a:r>
-              <a:rPr lang="en-US" dirty="0" smtClean="0"/>
-              <a:t>Subset selection and regularization (shrinkage) </a:t>
-            </a:r>
-          </a:p>
-          <a:p>
-            <a:pPr lvl="1"/>
-            <a:r>
-              <a:rPr lang="en-US" dirty="0" smtClean="0"/>
-              <a:t>Also can use </a:t>
-            </a:r>
-            <a:r>
-              <a:rPr lang="en-US" b="0" dirty="0" smtClean="0"/>
-              <a:t>dimensionality reduction</a:t>
-            </a:r>
-            <a:r>
-              <a:rPr lang="en-US" dirty="0" smtClean="0"/>
-              <a:t> (see end of CH6, ISL)</a:t>
-            </a:r>
-          </a:p>
-          <a:p>
-            <a:pPr lvl="1"/>
-            <a:r>
-              <a:rPr lang="en-US" dirty="0" smtClean="0"/>
-              <a:t>These same concepts apply to many types of nonlinear models</a:t>
-            </a:r>
-          </a:p>
-          <a:p>
-            <a:r>
-              <a:rPr lang="en-US" dirty="0" smtClean="0"/>
-              <a:t>What we didn’t cover in this module of the class:</a:t>
-            </a:r>
-          </a:p>
-          <a:p>
-            <a:pPr lvl="1"/>
-            <a:r>
-              <a:rPr lang="en-US" dirty="0" smtClean="0"/>
-              <a:t>Dimensionality reduction methods (CH6)</a:t>
-            </a:r>
-          </a:p>
-          <a:p>
-            <a:pPr lvl="1"/>
-            <a:r>
-              <a:rPr lang="en-US" dirty="0" smtClean="0"/>
-              <a:t>Nonlinear regression w/polynomials and splines (CH7)</a:t>
-            </a:r>
-          </a:p>
-          <a:p>
-            <a:r>
-              <a:rPr lang="en-US" dirty="0" smtClean="0"/>
-              <a:t>Monday: CH8 , tree methods </a:t>
-            </a:r>
-          </a:p>
-        </p:txBody>
-      </p:sp>
-    </p:spTree>
-    <p:extLst>
-      <p:ext uri="{BB962C8B-B14F-4D97-AF65-F5344CB8AC3E}">
-        <p14:creationId xmlns:p14="http://schemas.microsoft.com/office/powerpoint/2010/main" val="1062407347"/>
       </p:ext>
     </p:extLst>
   </p:cSld>
@@ -7861,9 +9581,75 @@
             </a:r>
           </a:p>
           <a:p>
-            <a:r>
-              <a:rPr lang="en-US" dirty="0" smtClean="0"/>
-              <a:t>Doing more with your data</a:t>
+            <a:pPr lvl="1"/>
+            <a:r>
+              <a:rPr lang="en-US" dirty="0" smtClean="0"/>
+              <a:t>Doing more with your </a:t>
+            </a:r>
+            <a:r>
+              <a:rPr lang="en-US" dirty="0" smtClean="0"/>
+              <a:t>data</a:t>
+            </a:r>
+          </a:p>
+          <a:p>
+            <a:pPr lvl="1"/>
+            <a:r>
+              <a:rPr lang="en-US" dirty="0"/>
+              <a:t>R</a:t>
+            </a:r>
+            <a:r>
+              <a:rPr lang="en-US" dirty="0" smtClean="0"/>
+              <a:t>epeatedly </a:t>
+            </a:r>
+            <a:r>
+              <a:rPr lang="en-US" dirty="0"/>
+              <a:t>drawing samples from a training set and refitting a </a:t>
+            </a:r>
+            <a:r>
+              <a:rPr lang="en-US" dirty="0" smtClean="0"/>
+              <a:t>model for </a:t>
+            </a:r>
+            <a:r>
+              <a:rPr lang="en-US" dirty="0"/>
+              <a:t>each </a:t>
+            </a:r>
+            <a:r>
+              <a:rPr lang="en-US" dirty="0" smtClean="0"/>
+              <a:t>sample</a:t>
+            </a:r>
+          </a:p>
+          <a:p>
+            <a:pPr lvl="1"/>
+            <a:r>
+              <a:rPr lang="en-US" dirty="0"/>
+              <a:t>O</a:t>
+            </a:r>
+            <a:r>
+              <a:rPr lang="en-US" dirty="0" smtClean="0"/>
+              <a:t>btain </a:t>
+            </a:r>
+            <a:r>
+              <a:rPr lang="en-US" dirty="0"/>
+              <a:t>additional information </a:t>
+            </a:r>
+            <a:r>
+              <a:rPr lang="en-US" dirty="0" smtClean="0"/>
+              <a:t>about the </a:t>
+            </a:r>
+            <a:r>
+              <a:rPr lang="en-US" dirty="0"/>
+              <a:t>fitted </a:t>
+            </a:r>
+            <a:r>
+              <a:rPr lang="en-US" dirty="0" smtClean="0"/>
+              <a:t>model</a:t>
+            </a:r>
+          </a:p>
+          <a:p>
+            <a:pPr lvl="1"/>
+            <a:r>
+              <a:rPr lang="en-US" dirty="0" smtClean="0"/>
+              <a:t>Trade computational expense for data</a:t>
             </a:r>
             <a:endParaRPr lang="en-US" dirty="0"/>
           </a:p>
@@ -7884,13 +9670,6 @@
               <a:rPr lang="en-US" b="0" dirty="0" smtClean="0"/>
               <a:t>) for averaging later.  </a:t>
             </a:r>
-          </a:p>
-          <a:p>
-            <a:r>
-              <a:rPr lang="en-US" b="0" dirty="0" smtClean="0"/>
-              <a:t>This is a concept related to ‘ensemble’ methods, which we will discuss soon</a:t>
-            </a:r>
-            <a:endParaRPr lang="en-US" dirty="0"/>
           </a:p>
         </p:txBody>
       </p:sp>
@@ -7898,6 +9677,163 @@
     <p:extLst>
       <p:ext uri="{BB962C8B-B14F-4D97-AF65-F5344CB8AC3E}">
         <p14:creationId xmlns:p14="http://schemas.microsoft.com/office/powerpoint/2010/main" val="1389991299"/>
+      </p:ext>
+    </p:extLst>
+  </p:cSld>
+  <p:clrMapOvr>
+    <a:masterClrMapping/>
+  </p:clrMapOvr>
+  <p:timing>
+    <p:tnLst>
+      <p:par>
+        <p:cTn id="1" dur="indefinite" restart="never" nodeType="tmRoot"/>
+      </p:par>
+    </p:tnLst>
+  </p:timing>
+</p:sld>
+</file>
+
+<file path=ppt/slides/slide40.xml><?xml version="1.0" encoding="utf-8"?>
+<p:sld xmlns:a="http://schemas.openxmlformats.org/drawingml/2006/main" xmlns:r="http://schemas.openxmlformats.org/officeDocument/2006/relationships" xmlns:p="http://schemas.openxmlformats.org/presentationml/2006/main">
+  <p:cSld>
+    <p:spTree>
+      <p:nvGrpSpPr>
+        <p:cNvPr id="1" name=""/>
+        <p:cNvGrpSpPr/>
+        <p:nvPr/>
+      </p:nvGrpSpPr>
+      <p:grpSpPr>
+        <a:xfrm>
+          <a:off x="0" y="0"/>
+          <a:ext cx="0" cy="0"/>
+          <a:chOff x="0" y="0"/>
+          <a:chExt cx="0" cy="0"/>
+        </a:xfrm>
+      </p:grpSpPr>
+      <p:sp>
+        <p:nvSpPr>
+          <p:cNvPr id="2" name="Text Placeholder 1"/>
+          <p:cNvSpPr>
+            <a:spLocks noGrp="1"/>
+          </p:cNvSpPr>
+          <p:nvPr>
+            <p:ph type="body" sz="quarter" idx="10"/>
+          </p:nvPr>
+        </p:nvSpPr>
+        <p:spPr/>
+        <p:txBody>
+          <a:bodyPr/>
+          <a:lstStyle/>
+          <a:p>
+            <a:r>
+              <a:rPr lang="en-US" dirty="0" smtClean="0"/>
+              <a:t>Wrap up</a:t>
+            </a:r>
+            <a:endParaRPr lang="en-US" dirty="0"/>
+          </a:p>
+        </p:txBody>
+      </p:sp>
+      <p:sp>
+        <p:nvSpPr>
+          <p:cNvPr id="3" name="Text Placeholder 2"/>
+          <p:cNvSpPr>
+            <a:spLocks noGrp="1"/>
+          </p:cNvSpPr>
+          <p:nvPr>
+            <p:ph type="body" sz="quarter" idx="11"/>
+          </p:nvPr>
+        </p:nvSpPr>
+        <p:spPr>
+          <a:xfrm>
+            <a:off x="659305" y="1736725"/>
+            <a:ext cx="8196210" cy="4614379"/>
+          </a:xfrm>
+        </p:spPr>
+        <p:txBody>
+          <a:bodyPr/>
+          <a:lstStyle/>
+          <a:p>
+            <a:r>
+              <a:rPr lang="en-US" dirty="0"/>
+              <a:t>Bootstrapping and cross-validation are near-universal in their applicability</a:t>
+            </a:r>
+            <a:r>
+              <a:rPr lang="mr-IN" dirty="0"/>
+              <a:t>…</a:t>
+            </a:r>
+            <a:endParaRPr lang="en-US" dirty="0"/>
+          </a:p>
+          <a:p>
+            <a:r>
+              <a:rPr lang="en-US" dirty="0" smtClean="0"/>
+              <a:t>Must understand different methods for dealing with large P models! </a:t>
+            </a:r>
+          </a:p>
+          <a:p>
+            <a:pPr lvl="1"/>
+            <a:r>
+              <a:rPr lang="en-US" dirty="0" smtClean="0"/>
+              <a:t>Subset selection and regularization (shrinkage) </a:t>
+            </a:r>
+          </a:p>
+          <a:p>
+            <a:pPr lvl="1"/>
+            <a:r>
+              <a:rPr lang="en-US" dirty="0" smtClean="0"/>
+              <a:t>Also can use </a:t>
+            </a:r>
+            <a:r>
+              <a:rPr lang="en-US" b="0" dirty="0" smtClean="0"/>
+              <a:t>dimensionality reduction</a:t>
+            </a:r>
+            <a:r>
+              <a:rPr lang="en-US" dirty="0" smtClean="0"/>
+              <a:t> (see end of CH6, ISL)</a:t>
+            </a:r>
+          </a:p>
+          <a:p>
+            <a:pPr lvl="1"/>
+            <a:r>
+              <a:rPr lang="en-US" dirty="0" smtClean="0"/>
+              <a:t>These same concepts apply to many types of nonlinear models</a:t>
+            </a:r>
+          </a:p>
+          <a:p>
+            <a:r>
+              <a:rPr lang="en-US" dirty="0" smtClean="0"/>
+              <a:t>What we didn’t cover in this module of the class:</a:t>
+            </a:r>
+          </a:p>
+          <a:p>
+            <a:pPr lvl="1"/>
+            <a:r>
+              <a:rPr lang="en-US" dirty="0" smtClean="0"/>
+              <a:t>Dimensionality reduction methods (CH6)</a:t>
+            </a:r>
+          </a:p>
+          <a:p>
+            <a:pPr lvl="1"/>
+            <a:r>
+              <a:rPr lang="en-US" dirty="0" smtClean="0"/>
+              <a:t>Nonlinear regression w/polynomials and splines (CH7)</a:t>
+            </a:r>
+          </a:p>
+          <a:p>
+            <a:r>
+              <a:rPr lang="en-US" smtClean="0"/>
+              <a:t>Tuesday: </a:t>
+            </a:r>
+            <a:r>
+              <a:rPr lang="en-US" dirty="0" smtClean="0"/>
+              <a:t>CH8 , tree methods </a:t>
+            </a:r>
+          </a:p>
+        </p:txBody>
+      </p:sp>
+    </p:spTree>
+    <p:extLst>
+      <p:ext uri="{BB962C8B-B14F-4D97-AF65-F5344CB8AC3E}">
+        <p14:creationId xmlns:p14="http://schemas.microsoft.com/office/powerpoint/2010/main" val="1062407347"/>
       </p:ext>
     </p:extLst>
   </p:cSld>
@@ -7948,223 +9884,70 @@
           <a:p>
             <a:r>
               <a:rPr lang="en-US" dirty="0" smtClean="0"/>
-              <a:t>Cross Validation (k-fold)</a:t>
-            </a:r>
-            <a:endParaRPr lang="en-US" dirty="0"/>
-          </a:p>
-        </p:txBody>
-      </p:sp>
-      <mc:AlternateContent xmlns:mc="http://schemas.openxmlformats.org/markup-compatibility/2006" xmlns:a14="http://schemas.microsoft.com/office/drawing/2010/main">
-        <mc:Choice Requires="a14">
-          <p:sp>
-            <p:nvSpPr>
-              <p:cNvPr id="3" name="Text Placeholder 2"/>
-              <p:cNvSpPr>
-                <a:spLocks noGrp="1"/>
-              </p:cNvSpPr>
-              <p:nvPr>
-                <p:ph type="body" sz="quarter" idx="11"/>
-              </p:nvPr>
-            </p:nvSpPr>
-            <p:spPr/>
-            <p:txBody>
-              <a:bodyPr/>
-              <a:lstStyle/>
-              <a:p>
-                <a:r>
-                  <a:rPr lang="en-US" dirty="0" smtClean="0"/>
-                  <a:t>Suppose you have </a:t>
-                </a:r>
-                <a:r>
-                  <a:rPr lang="en-US" u="sng" dirty="0" smtClean="0"/>
-                  <a:t>one</a:t>
-                </a:r>
-                <a:r>
-                  <a:rPr lang="en-US" dirty="0" smtClean="0"/>
-                  <a:t> set of data and you have to decide how to break it into pieces for </a:t>
-                </a:r>
-                <a:r>
-                  <a:rPr lang="en-US" b="0" dirty="0" smtClean="0"/>
-                  <a:t>training</a:t>
-                </a:r>
-                <a:r>
-                  <a:rPr lang="en-US" dirty="0" smtClean="0"/>
-                  <a:t> and </a:t>
-                </a:r>
-                <a:r>
-                  <a:rPr lang="en-US" b="0" dirty="0" smtClean="0"/>
-                  <a:t>validation </a:t>
-                </a:r>
-              </a:p>
-              <a:p>
-                <a:r>
-                  <a:rPr lang="en-US" dirty="0" smtClean="0"/>
-                  <a:t>Simplest approach is the “validation set” , just break it into two pieces </a:t>
-                </a:r>
-              </a:p>
-              <a:p>
-                <a:r>
-                  <a:rPr lang="en-US" dirty="0" smtClean="0"/>
-                  <a:t>Example (Fig 5.2) looking at variations on </a:t>
-                </a:r>
-                <a:r>
-                  <a:rPr lang="en-US" i="1" dirty="0">
-                    <a:latin typeface="Cambria Math" charset="0"/>
-                  </a:rPr>
-                  <a:t> </a:t>
-                </a:r>
-                <a:r>
-                  <a:rPr lang="en-US" i="1" dirty="0" smtClean="0">
-                    <a:latin typeface="Cambria Math" charset="0"/>
-                  </a:rPr>
-                  <a:t>             </a:t>
-                </a:r>
-                <a14:m>
-                  <m:oMath xmlns:m="http://schemas.openxmlformats.org/officeDocument/2006/math">
-                    <m:r>
-                      <a:rPr lang="en-US" b="1" i="1" smtClean="0">
-                        <a:latin typeface="Cambria Math" charset="0"/>
-                      </a:rPr>
-                      <m:t>𝒀</m:t>
-                    </m:r>
-                    <m:r>
-                      <a:rPr lang="en-US" b="1" i="1" smtClean="0">
-                        <a:latin typeface="Cambria Math" charset="0"/>
-                      </a:rPr>
-                      <m:t>=</m:t>
-                    </m:r>
-                    <m:sSub>
-                      <m:sSubPr>
-                        <m:ctrlPr>
-                          <a:rPr lang="en-US" b="1" i="1" smtClean="0">
-                            <a:latin typeface="Cambria Math" charset="0"/>
-                          </a:rPr>
-                        </m:ctrlPr>
-                      </m:sSubPr>
-                      <m:e>
-                        <m:r>
-                          <a:rPr lang="en-US" b="1" i="1" smtClean="0">
-                            <a:latin typeface="Cambria Math" charset="0"/>
-                            <a:ea typeface="Cambria Math" charset="0"/>
-                            <a:cs typeface="Cambria Math" charset="0"/>
-                          </a:rPr>
-                          <m:t>𝜷</m:t>
-                        </m:r>
-                      </m:e>
-                      <m:sub>
-                        <m:r>
-                          <a:rPr lang="en-US" b="1" i="1" smtClean="0">
-                            <a:latin typeface="Cambria Math" charset="0"/>
-                          </a:rPr>
-                          <m:t>𝟎</m:t>
-                        </m:r>
-                      </m:sub>
-                    </m:sSub>
-                    <m:r>
-                      <a:rPr lang="en-US" b="1" i="1" smtClean="0">
-                        <a:latin typeface="Cambria Math" charset="0"/>
-                      </a:rPr>
-                      <m:t>+</m:t>
-                    </m:r>
-                    <m:sSub>
-                      <m:sSubPr>
-                        <m:ctrlPr>
-                          <a:rPr lang="en-US" i="1">
-                            <a:latin typeface="Cambria Math" charset="0"/>
-                          </a:rPr>
-                        </m:ctrlPr>
-                      </m:sSubPr>
-                      <m:e>
-                        <m:r>
-                          <a:rPr lang="en-US" i="1">
-                            <a:latin typeface="Cambria Math" charset="0"/>
-                            <a:ea typeface="Cambria Math" charset="0"/>
-                            <a:cs typeface="Cambria Math" charset="0"/>
-                          </a:rPr>
-                          <m:t>𝜷</m:t>
-                        </m:r>
-                      </m:e>
-                      <m:sub>
-                        <m:r>
-                          <a:rPr lang="en-US" i="1">
-                            <a:latin typeface="Cambria Math" charset="0"/>
-                          </a:rPr>
-                          <m:t>𝟎</m:t>
-                        </m:r>
-                      </m:sub>
-                    </m:sSub>
-                    <m:r>
-                      <a:rPr lang="en-US" b="1" i="1" smtClean="0">
-                        <a:latin typeface="Cambria Math" charset="0"/>
-                      </a:rPr>
-                      <m:t>+</m:t>
-                    </m:r>
-                    <m:sSup>
-                      <m:sSupPr>
-                        <m:ctrlPr>
-                          <a:rPr lang="en-US" b="1" i="1" smtClean="0">
-                            <a:latin typeface="Cambria Math" charset="0"/>
-                          </a:rPr>
-                        </m:ctrlPr>
-                      </m:sSupPr>
-                      <m:e>
-                        <m:r>
-                          <a:rPr lang="en-US" b="1" i="1" smtClean="0">
-                            <a:latin typeface="Cambria Math" charset="0"/>
-                          </a:rPr>
-                          <m:t>𝑿</m:t>
-                        </m:r>
-                      </m:e>
-                      <m:sup>
-                        <m:r>
-                          <a:rPr lang="en-US" b="1" i="1" smtClean="0">
-                            <a:latin typeface="Cambria Math" charset="0"/>
-                          </a:rPr>
-                          <m:t>𝒏</m:t>
-                        </m:r>
-                      </m:sup>
-                    </m:sSup>
-                  </m:oMath>
-                </a14:m>
-                <a:endParaRPr lang="en-US" dirty="0"/>
-              </a:p>
-            </p:txBody>
-          </p:sp>
-        </mc:Choice>
-        <mc:Fallback xmlns="">
-          <p:sp>
-            <p:nvSpPr>
-              <p:cNvPr id="3" name="Text Placeholder 2"/>
-              <p:cNvSpPr>
-                <a:spLocks noGrp="1" noRot="1" noChangeAspect="1" noMove="1" noResize="1" noEditPoints="1" noAdjustHandles="1" noChangeArrowheads="1" noChangeShapeType="1" noTextEdit="1"/>
-              </p:cNvSpPr>
-              <p:nvPr>
-                <p:ph type="body" sz="quarter" idx="11"/>
-              </p:nvPr>
-            </p:nvSpPr>
-            <p:spPr>
-              <a:blipFill rotWithShape="0">
-                <a:blip r:embed="rId3"/>
-                <a:stretch>
-                  <a:fillRect l="-1115" t="-1366" r="-1190"/>
-                </a:stretch>
-              </a:blipFill>
-            </p:spPr>
-            <p:txBody>
-              <a:bodyPr/>
-              <a:lstStyle/>
-              <a:p>
-                <a:r>
-                  <a:rPr lang="en-US">
-                    <a:noFill/>
-                  </a:rPr>
-                  <a:t> </a:t>
-                </a:r>
-              </a:p>
-            </p:txBody>
-          </p:sp>
-        </mc:Fallback>
-      </mc:AlternateContent>
+              <a:t>Test-train split, hold-out set, validation-set</a:t>
+            </a:r>
+            <a:endParaRPr lang="en-US" dirty="0"/>
+          </a:p>
+        </p:txBody>
+      </p:sp>
+      <p:sp>
+        <p:nvSpPr>
+          <p:cNvPr id="3" name="Text Placeholder 2"/>
+          <p:cNvSpPr>
+            <a:spLocks noGrp="1"/>
+          </p:cNvSpPr>
+          <p:nvPr>
+            <p:ph type="body" sz="quarter" idx="11"/>
+          </p:nvPr>
+        </p:nvSpPr>
+        <p:spPr/>
+        <p:txBody>
+          <a:bodyPr/>
+          <a:lstStyle/>
+          <a:p>
+            <a:r>
+              <a:rPr lang="en-US" dirty="0" smtClean="0"/>
+              <a:t>Suppose you have </a:t>
+            </a:r>
+            <a:r>
+              <a:rPr lang="en-US" u="sng" dirty="0" smtClean="0"/>
+              <a:t>one</a:t>
+            </a:r>
+            <a:r>
+              <a:rPr lang="en-US" dirty="0" smtClean="0"/>
+              <a:t> set of data and you have to decide how to break it into pieces for </a:t>
+            </a:r>
+            <a:r>
+              <a:rPr lang="en-US" b="0" dirty="0" smtClean="0"/>
+              <a:t>training</a:t>
+            </a:r>
+            <a:r>
+              <a:rPr lang="en-US" dirty="0" smtClean="0"/>
+              <a:t> and </a:t>
+            </a:r>
+            <a:r>
+              <a:rPr lang="en-US" b="0" dirty="0" smtClean="0"/>
+              <a:t>validation </a:t>
+            </a:r>
+          </a:p>
+          <a:p>
+            <a:r>
+              <a:rPr lang="en-US" dirty="0" smtClean="0"/>
+              <a:t>Simplest approach is the “validation set” , just break it into two pieces </a:t>
+            </a:r>
+          </a:p>
+          <a:p>
+            <a:r>
+              <a:rPr lang="en-US" dirty="0" smtClean="0"/>
+              <a:t>Example (Fig 5.2) looking at </a:t>
+            </a:r>
+            <a:r>
+              <a:rPr lang="en-US" dirty="0" smtClean="0"/>
+              <a:t>variation</a:t>
+            </a:r>
+          </a:p>
+        </p:txBody>
+      </p:sp>
       <p:pic>
         <p:nvPicPr>
           <p:cNvPr id="4" name="Picture 3"/>
@@ -8174,7 +9957,7 @@
           <p:nvPr/>
         </p:nvPicPr>
         <p:blipFill>
-          <a:blip r:embed="rId4"/>
+          <a:blip r:embed="rId3"/>
           <a:stretch>
             <a:fillRect/>
           </a:stretch>
@@ -8278,6 +10061,172 @@
 </file>
 
 <file path=ppt/slides/slide6.xml><?xml version="1.0" encoding="utf-8"?>
+<p:sld xmlns:a="http://schemas.openxmlformats.org/drawingml/2006/main" xmlns:r="http://schemas.openxmlformats.org/officeDocument/2006/relationships" xmlns:p="http://schemas.openxmlformats.org/presentationml/2006/main">
+  <p:cSld>
+    <p:spTree>
+      <p:nvGrpSpPr>
+        <p:cNvPr id="1" name=""/>
+        <p:cNvGrpSpPr/>
+        <p:nvPr/>
+      </p:nvGrpSpPr>
+      <p:grpSpPr>
+        <a:xfrm>
+          <a:off x="0" y="0"/>
+          <a:ext cx="0" cy="0"/>
+          <a:chOff x="0" y="0"/>
+          <a:chExt cx="0" cy="0"/>
+        </a:xfrm>
+      </p:grpSpPr>
+      <p:sp>
+        <p:nvSpPr>
+          <p:cNvPr id="2" name="Text Placeholder 1"/>
+          <p:cNvSpPr>
+            <a:spLocks noGrp="1"/>
+          </p:cNvSpPr>
+          <p:nvPr>
+            <p:ph type="body" sz="quarter" idx="10"/>
+          </p:nvPr>
+        </p:nvSpPr>
+        <p:spPr/>
+        <p:txBody>
+          <a:bodyPr/>
+          <a:lstStyle/>
+          <a:p>
+            <a:r>
+              <a:rPr lang="en-US" dirty="0" smtClean="0"/>
+              <a:t>Cross Validation (k-fold)</a:t>
+            </a:r>
+            <a:endParaRPr lang="en-US" dirty="0"/>
+          </a:p>
+        </p:txBody>
+      </p:sp>
+      <p:sp>
+        <p:nvSpPr>
+          <p:cNvPr id="3" name="Text Placeholder 2"/>
+          <p:cNvSpPr>
+            <a:spLocks noGrp="1"/>
+          </p:cNvSpPr>
+          <p:nvPr>
+            <p:ph type="body" sz="quarter" idx="11"/>
+          </p:nvPr>
+        </p:nvSpPr>
+        <p:spPr/>
+        <p:txBody>
+          <a:bodyPr/>
+          <a:lstStyle/>
+          <a:p>
+            <a:r>
+              <a:rPr lang="en-US" dirty="0"/>
+              <a:t>Riddle me this, how many ways are there to choose two 500 data sets from 1000?</a:t>
+            </a:r>
+          </a:p>
+          <a:p>
+            <a:endParaRPr lang="en-US" dirty="0"/>
+          </a:p>
+        </p:txBody>
+      </p:sp>
+      <p:pic>
+        <p:nvPicPr>
+          <p:cNvPr id="4" name="Picture 3"/>
+          <p:cNvPicPr>
+            <a:picLocks noChangeAspect="1"/>
+          </p:cNvPicPr>
+          <p:nvPr/>
+        </p:nvPicPr>
+        <p:blipFill>
+          <a:blip r:embed="rId3"/>
+          <a:stretch>
+            <a:fillRect/>
+          </a:stretch>
+        </p:blipFill>
+        <p:spPr>
+          <a:xfrm>
+            <a:off x="522806" y="4532291"/>
+            <a:ext cx="5689600" cy="2197100"/>
+          </a:xfrm>
+          <a:prstGeom prst="rect">
+            <a:avLst/>
+          </a:prstGeom>
+        </p:spPr>
+      </p:pic>
+      <p:sp>
+        <p:nvSpPr>
+          <p:cNvPr id="6" name="TextBox 5"/>
+          <p:cNvSpPr txBox="1"/>
+          <p:nvPr/>
+        </p:nvSpPr>
+        <p:spPr>
+          <a:xfrm>
+            <a:off x="6457444" y="4272677"/>
+            <a:ext cx="2597544" cy="1477328"/>
+          </a:xfrm>
+          <a:prstGeom prst="rect">
+            <a:avLst/>
+          </a:prstGeom>
+          <a:solidFill>
+            <a:schemeClr val="accent3"/>
+          </a:solidFill>
+        </p:spPr>
+        <p:txBody>
+          <a:bodyPr wrap="square" rtlCol="0">
+            <a:spAutoFit/>
+          </a:bodyPr>
+          <a:lstStyle/>
+          <a:p>
+            <a:r>
+              <a:rPr lang="en-US" dirty="0" smtClean="0"/>
+              <a:t>Left: </a:t>
+            </a:r>
+            <a:r>
+              <a:rPr lang="en-US" u="sng" dirty="0" smtClean="0"/>
+              <a:t>training </a:t>
+            </a:r>
+            <a:r>
+              <a:rPr lang="en-US" dirty="0" smtClean="0"/>
+              <a:t>MSE vs n for one data set</a:t>
+            </a:r>
+            <a:endParaRPr lang="en-US" dirty="0"/>
+          </a:p>
+          <a:p>
+            <a:r>
+              <a:rPr lang="en-US" dirty="0" smtClean="0"/>
+              <a:t>Right: </a:t>
+            </a:r>
+            <a:r>
+              <a:rPr lang="en-US" u="sng" dirty="0" smtClean="0"/>
+              <a:t>training </a:t>
+            </a:r>
+            <a:r>
+              <a:rPr lang="en-US" dirty="0" smtClean="0"/>
+              <a:t>MSE vs n for 10 validation sets</a:t>
+            </a:r>
+          </a:p>
+          <a:p>
+            <a:endParaRPr lang="en-US" dirty="0"/>
+          </a:p>
+        </p:txBody>
+      </p:sp>
+    </p:spTree>
+    <p:extLst>
+      <p:ext uri="{BB962C8B-B14F-4D97-AF65-F5344CB8AC3E}">
+        <p14:creationId xmlns:p14="http://schemas.microsoft.com/office/powerpoint/2010/main" val="741888319"/>
+      </p:ext>
+    </p:extLst>
+  </p:cSld>
+  <p:clrMapOvr>
+    <a:masterClrMapping/>
+  </p:clrMapOvr>
+  <p:timing>
+    <p:tnLst>
+      <p:par>
+        <p:cTn id="1" dur="indefinite" restart="never" nodeType="tmRoot"/>
+      </p:par>
+    </p:tnLst>
+  </p:timing>
+</p:sld>
+</file>
+
+<file path=ppt/slides/slide7.xml><?xml version="1.0" encoding="utf-8"?>
 <p:sld xmlns:a="http://schemas.openxmlformats.org/drawingml/2006/main" xmlns:r="http://schemas.openxmlformats.org/officeDocument/2006/relationships" xmlns:p="http://schemas.openxmlformats.org/presentationml/2006/main">
   <p:cSld>
     <p:spTree>
@@ -8446,7 +10395,7 @@
 </p:sld>
 </file>
 
-<file path=ppt/slides/slide7.xml><?xml version="1.0" encoding="utf-8"?>
+<file path=ppt/slides/slide8.xml><?xml version="1.0" encoding="utf-8"?>
 <p:sld xmlns:a="http://schemas.openxmlformats.org/drawingml/2006/main" xmlns:r="http://schemas.openxmlformats.org/officeDocument/2006/relationships" xmlns:p="http://schemas.openxmlformats.org/presentationml/2006/main">
   <p:cSld>
     <p:spTree>
@@ -8647,155 +10596,6 @@
 </p:sld>
 </file>
 
-<file path=ppt/slides/slide8.xml><?xml version="1.0" encoding="utf-8"?>
-<p:sld xmlns:a="http://schemas.openxmlformats.org/drawingml/2006/main" xmlns:r="http://schemas.openxmlformats.org/officeDocument/2006/relationships" xmlns:p="http://schemas.openxmlformats.org/presentationml/2006/main">
-  <p:cSld>
-    <p:spTree>
-      <p:nvGrpSpPr>
-        <p:cNvPr id="1" name=""/>
-        <p:cNvGrpSpPr/>
-        <p:nvPr/>
-      </p:nvGrpSpPr>
-      <p:grpSpPr>
-        <a:xfrm>
-          <a:off x="0" y="0"/>
-          <a:ext cx="0" cy="0"/>
-          <a:chOff x="0" y="0"/>
-          <a:chExt cx="0" cy="0"/>
-        </a:xfrm>
-      </p:grpSpPr>
-      <p:sp>
-        <p:nvSpPr>
-          <p:cNvPr id="2" name="Text Placeholder 1"/>
-          <p:cNvSpPr>
-            <a:spLocks noGrp="1"/>
-          </p:cNvSpPr>
-          <p:nvPr>
-            <p:ph type="body" sz="quarter" idx="10"/>
-          </p:nvPr>
-        </p:nvSpPr>
-        <p:spPr/>
-        <p:txBody>
-          <a:bodyPr/>
-          <a:lstStyle/>
-          <a:p>
-            <a:r>
-              <a:rPr lang="en-US" dirty="0" smtClean="0"/>
-              <a:t>Bias/variance tradeoff: use 5 or 10 folds</a:t>
-            </a:r>
-            <a:endParaRPr lang="en-US" dirty="0"/>
-          </a:p>
-        </p:txBody>
-      </p:sp>
-      <p:sp>
-        <p:nvSpPr>
-          <p:cNvPr id="3" name="Text Placeholder 2"/>
-          <p:cNvSpPr>
-            <a:spLocks noGrp="1"/>
-          </p:cNvSpPr>
-          <p:nvPr>
-            <p:ph type="body" sz="quarter" idx="11"/>
-          </p:nvPr>
-        </p:nvSpPr>
-        <p:spPr/>
-        <p:txBody>
-          <a:bodyPr/>
-          <a:lstStyle/>
-          <a:p>
-            <a:r>
-              <a:rPr lang="en-US" dirty="0" smtClean="0"/>
-              <a:t>Can anyone recall what we meant by the bias/variance tradeoff? </a:t>
-            </a:r>
-          </a:p>
-          <a:p>
-            <a:r>
-              <a:rPr lang="en-US" dirty="0" smtClean="0"/>
-              <a:t>Empirically people usually use 5 or 10 folds to avoid too much bias or variance in their resampling algorithm </a:t>
-            </a:r>
-          </a:p>
-          <a:p>
-            <a:r>
-              <a:rPr lang="en-US" dirty="0" smtClean="0"/>
-              <a:t>This is a great way to get a true estimate of your model’s MSE </a:t>
-            </a:r>
-            <a:endParaRPr lang="en-US" dirty="0"/>
-          </a:p>
-        </p:txBody>
-      </p:sp>
-      <p:pic>
-        <p:nvPicPr>
-          <p:cNvPr id="4" name="Picture 3"/>
-          <p:cNvPicPr>
-            <a:picLocks noChangeAspect="1"/>
-          </p:cNvPicPr>
-          <p:nvPr/>
-        </p:nvPicPr>
-        <p:blipFill>
-          <a:blip r:embed="rId2"/>
-          <a:stretch>
-            <a:fillRect/>
-          </a:stretch>
-        </p:blipFill>
-        <p:spPr>
-          <a:xfrm>
-            <a:off x="3083065" y="4493954"/>
-            <a:ext cx="5882909" cy="2364046"/>
-          </a:xfrm>
-          <a:prstGeom prst="rect">
-            <a:avLst/>
-          </a:prstGeom>
-        </p:spPr>
-      </p:pic>
-      <p:sp>
-        <p:nvSpPr>
-          <p:cNvPr id="5" name="TextBox 4"/>
-          <p:cNvSpPr txBox="1"/>
-          <p:nvPr/>
-        </p:nvSpPr>
-        <p:spPr>
-          <a:xfrm>
-            <a:off x="404602" y="5122258"/>
-            <a:ext cx="2419518" cy="923330"/>
-          </a:xfrm>
-          <a:prstGeom prst="rect">
-            <a:avLst/>
-          </a:prstGeom>
-          <a:noFill/>
-        </p:spPr>
-        <p:txBody>
-          <a:bodyPr wrap="square" rtlCol="0">
-            <a:spAutoFit/>
-          </a:bodyPr>
-          <a:lstStyle/>
-          <a:p>
-            <a:r>
-              <a:rPr lang="en-US" dirty="0" smtClean="0"/>
-              <a:t>Fig 5.6 revisits Fig 2.9 in the context of k-fold cross validation  </a:t>
-            </a:r>
-            <a:endParaRPr lang="en-US" dirty="0"/>
-          </a:p>
-        </p:txBody>
-      </p:sp>
-    </p:spTree>
-    <p:extLst>
-      <p:ext uri="{BB962C8B-B14F-4D97-AF65-F5344CB8AC3E}">
-        <p14:creationId xmlns:p14="http://schemas.microsoft.com/office/powerpoint/2010/main" val="2108110483"/>
-      </p:ext>
-    </p:extLst>
-  </p:cSld>
-  <p:clrMapOvr>
-    <a:masterClrMapping/>
-  </p:clrMapOvr>
-  <p:timing>
-    <p:tnLst>
-      <p:par>
-        <p:cTn id="1" dur="indefinite" restart="never" nodeType="tmRoot"/>
-      </p:par>
-    </p:tnLst>
-  </p:timing>
-</p:sld>
-</file>
-
 <file path=ppt/slides/slide9.xml><?xml version="1.0" encoding="utf-8"?>
 <p:sld xmlns:a="http://schemas.openxmlformats.org/drawingml/2006/main" xmlns:r="http://schemas.openxmlformats.org/officeDocument/2006/relationships" xmlns:p="http://schemas.openxmlformats.org/presentationml/2006/main">
   <p:cSld>
@@ -8830,7 +10630,7 @@
           <a:p>
             <a:r>
               <a:rPr lang="en-US" dirty="0" smtClean="0"/>
-              <a:t>Bootstrap</a:t>
+              <a:t>Bias/variance tradeoff: use 5 or 10 folds</a:t>
             </a:r>
             <a:endParaRPr lang="en-US" dirty="0"/>
           </a:p>
@@ -8853,48 +10653,51 @@
           <a:p>
             <a:r>
               <a:rPr lang="en-US" dirty="0" smtClean="0"/>
-              <a:t>The bootstrap is one of the most versatile tools you will use in statistical analysis of data sets </a:t>
-            </a:r>
-          </a:p>
-          <a:p>
-            <a:r>
-              <a:rPr lang="en-US" dirty="0" smtClean="0"/>
-              <a:t>It involves resampling </a:t>
-            </a:r>
-            <a:r>
-              <a:rPr lang="en-US" b="0" dirty="0" smtClean="0"/>
-              <a:t>with replacement</a:t>
-            </a:r>
-            <a:r>
-              <a:rPr lang="en-US" dirty="0" smtClean="0"/>
-              <a:t> from your data set </a:t>
-            </a:r>
-          </a:p>
-          <a:p>
-            <a:r>
-              <a:rPr lang="en-US" dirty="0" smtClean="0"/>
-              <a:t>Algorithm: </a:t>
+              <a:t>Bias</a:t>
             </a:r>
           </a:p>
           <a:p>
             <a:pPr lvl="1"/>
             <a:r>
-              <a:rPr lang="en-US" dirty="0" smtClean="0"/>
-              <a:t>Randomly draw, with replacement, some subset from your training data </a:t>
+              <a:rPr lang="en-US" b="0" dirty="0"/>
+              <a:t>an error from erroneous assumptions in the learning algorithm. High bias can cause an algorithm to miss the relevant relations between features and target outputs (</a:t>
+            </a:r>
+            <a:r>
+              <a:rPr lang="en-US" b="0" dirty="0" err="1"/>
+              <a:t>underfitting</a:t>
+            </a:r>
+            <a:r>
+              <a:rPr lang="en-US" b="0" dirty="0"/>
+              <a:t>).</a:t>
+            </a:r>
+            <a:endParaRPr lang="en-US" dirty="0" smtClean="0"/>
+          </a:p>
+          <a:p>
+            <a:r>
+              <a:rPr lang="en-US" dirty="0" smtClean="0"/>
+              <a:t>Variance</a:t>
             </a:r>
           </a:p>
           <a:p>
             <a:pPr lvl="1"/>
             <a:r>
-              <a:rPr lang="en-US" dirty="0" smtClean="0"/>
-              <a:t>Train your model and make an estimate of your coefficient and MSE </a:t>
-            </a:r>
-          </a:p>
-          <a:p>
-            <a:pPr lvl="1"/>
-            <a:r>
-              <a:rPr lang="en-US" dirty="0" smtClean="0"/>
-              <a:t>Rinse and repeat until the errors converge </a:t>
+              <a:rPr lang="en-US" b="0" dirty="0"/>
+              <a:t>an error from sensitivity to small fluctuations in the training set. High variance can cause an algorithm to model the random noise in the training data, rather than the intended outputs (overfitting).</a:t>
+            </a:r>
+            <a:endParaRPr lang="en-US" dirty="0" smtClean="0"/>
+          </a:p>
+          <a:p>
+            <a:r>
+              <a:rPr lang="en-US" dirty="0" smtClean="0"/>
+              <a:t>Bias variance tradeoff relates the simplification of a model to avoid overfitting to the complexity of a model to avoid </a:t>
+            </a:r>
+            <a:r>
+              <a:rPr lang="en-US" dirty="0" err="1" smtClean="0"/>
+              <a:t>underfitting</a:t>
+            </a:r>
+            <a:r>
+              <a:rPr lang="en-US" dirty="0" smtClean="0"/>
+              <a:t>.</a:t>
             </a:r>
             <a:endParaRPr lang="en-US" dirty="0"/>
           </a:p>
@@ -8903,7 +10706,7 @@
     </p:spTree>
     <p:extLst>
       <p:ext uri="{BB962C8B-B14F-4D97-AF65-F5344CB8AC3E}">
-        <p14:creationId xmlns:p14="http://schemas.microsoft.com/office/powerpoint/2010/main" val="377129597"/>
+        <p14:creationId xmlns:p14="http://schemas.microsoft.com/office/powerpoint/2010/main" val="365207455"/>
       </p:ext>
     </p:extLst>
   </p:cSld>
